--- a/presentations/Introduction to FHIR.pptx
+++ b/presentations/Introduction to FHIR.pptx
@@ -1,12 +1,15 @@
 
 <file path=ppt/presentation.xml><?xml version="1.0" encoding="utf-8"?>
-<p:presentation xmlns:a="http://schemas.openxmlformats.org/drawingml/2006/main" xmlns:r="http://schemas.openxmlformats.org/officeDocument/2006/relationships" xmlns:p="http://schemas.openxmlformats.org/presentationml/2006/main" removePersonalInfoOnSave="1" saveSubsetFonts="1">
+<p:presentation xmlns:a="http://schemas.openxmlformats.org/drawingml/2006/main" xmlns:r="http://schemas.openxmlformats.org/officeDocument/2006/relationships" xmlns:p="http://schemas.openxmlformats.org/presentationml/2006/main" showSpecialPlsOnTitleSld="0" removePersonalInfoOnSave="1" saveSubsetFonts="1">
   <p:sldMasterIdLst>
     <p:sldMasterId id="2147483744" r:id="rId2"/>
   </p:sldMasterIdLst>
   <p:notesMasterIdLst>
-    <p:notesMasterId r:id="rId86"/>
+    <p:notesMasterId r:id="rId87"/>
   </p:notesMasterIdLst>
+  <p:handoutMasterIdLst>
+    <p:handoutMasterId r:id="rId88"/>
+  </p:handoutMasterIdLst>
   <p:sldIdLst>
     <p:sldId id="270" r:id="rId3"/>
     <p:sldId id="365" r:id="rId4"/>
@@ -91,6 +94,7 @@
     <p:sldId id="362" r:id="rId83"/>
     <p:sldId id="363" r:id="rId84"/>
     <p:sldId id="364" r:id="rId85"/>
+    <p:sldId id="367" r:id="rId86"/>
   </p:sldIdLst>
   <p:sldSz cx="9144000" cy="6858000" type="screen4x3"/>
   <p:notesSz cx="6858000" cy="9144000"/>
@@ -216,6 +220,171 @@
 </p:cmLst>
 </file>
 
+<file path=ppt/handoutMasters/handoutMaster1.xml><?xml version="1.0" encoding="utf-8"?>
+<p:handoutMaster xmlns:a="http://schemas.openxmlformats.org/drawingml/2006/main" xmlns:r="http://schemas.openxmlformats.org/officeDocument/2006/relationships" xmlns:p="http://schemas.openxmlformats.org/presentationml/2006/main">
+  <p:cSld>
+    <p:bg>
+      <p:bgRef idx="1001">
+        <a:schemeClr val="bg1"/>
+      </p:bgRef>
+    </p:bg>
+    <p:spTree>
+      <p:nvGrpSpPr>
+        <p:cNvPr id="1" name=""/>
+        <p:cNvGrpSpPr/>
+        <p:nvPr/>
+      </p:nvGrpSpPr>
+      <p:grpSpPr>
+        <a:xfrm>
+          <a:off x="0" y="0"/>
+          <a:ext cx="0" cy="0"/>
+          <a:chOff x="0" y="0"/>
+          <a:chExt cx="0" cy="0"/>
+        </a:xfrm>
+      </p:grpSpPr>
+      <p:sp>
+        <p:nvSpPr>
+          <p:cNvPr id="2" name="Header Placeholder 1"/>
+          <p:cNvSpPr>
+            <a:spLocks noGrp="1"/>
+          </p:cNvSpPr>
+          <p:nvPr>
+            <p:ph type="hdr" sz="quarter"/>
+          </p:nvPr>
+        </p:nvSpPr>
+        <p:spPr>
+          <a:xfrm>
+            <a:off x="0" y="0"/>
+            <a:ext cx="2971800" cy="457200"/>
+          </a:xfrm>
+          <a:prstGeom prst="rect">
+            <a:avLst/>
+          </a:prstGeom>
+        </p:spPr>
+        <p:txBody>
+          <a:bodyPr vert="horz" lIns="91440" tIns="45720" rIns="91440" bIns="45720" rtlCol="0"/>
+          <a:lstStyle>
+            <a:lvl1pPr algn="l">
+              <a:defRPr sz="1200"/>
+            </a:lvl1pPr>
+          </a:lstStyle>
+          <a:p>
+            <a:endParaRPr lang="en-CA"/>
+          </a:p>
+        </p:txBody>
+      </p:sp>
+      <p:sp>
+        <p:nvSpPr>
+          <p:cNvPr id="3" name="Date Placeholder 2"/>
+          <p:cNvSpPr>
+            <a:spLocks noGrp="1"/>
+          </p:cNvSpPr>
+          <p:nvPr>
+            <p:ph type="dt" sz="quarter" idx="1"/>
+          </p:nvPr>
+        </p:nvSpPr>
+        <p:spPr>
+          <a:xfrm>
+            <a:off x="3884613" y="0"/>
+            <a:ext cx="2971800" cy="457200"/>
+          </a:xfrm>
+          <a:prstGeom prst="rect">
+            <a:avLst/>
+          </a:prstGeom>
+        </p:spPr>
+        <p:txBody>
+          <a:bodyPr vert="horz" lIns="91440" tIns="45720" rIns="91440" bIns="45720" rtlCol="0"/>
+          <a:lstStyle>
+            <a:lvl1pPr algn="r">
+              <a:defRPr sz="1200"/>
+            </a:lvl1pPr>
+          </a:lstStyle>
+          <a:p>
+            <a:fld id="{12E97750-079F-45B4-BB47-368EA6580D24}" type="datetimeFigureOut">
+              <a:rPr lang="en-CA" smtClean="0"/>
+              <a:t>2012-05-22</a:t>
+            </a:fld>
+            <a:endParaRPr lang="en-CA"/>
+          </a:p>
+        </p:txBody>
+      </p:sp>
+      <p:sp>
+        <p:nvSpPr>
+          <p:cNvPr id="4" name="Footer Placeholder 3"/>
+          <p:cNvSpPr>
+            <a:spLocks noGrp="1"/>
+          </p:cNvSpPr>
+          <p:nvPr>
+            <p:ph type="ftr" sz="quarter" idx="2"/>
+          </p:nvPr>
+        </p:nvSpPr>
+        <p:spPr>
+          <a:xfrm>
+            <a:off x="0" y="8685213"/>
+            <a:ext cx="2971800" cy="457200"/>
+          </a:xfrm>
+          <a:prstGeom prst="rect">
+            <a:avLst/>
+          </a:prstGeom>
+        </p:spPr>
+        <p:txBody>
+          <a:bodyPr vert="horz" lIns="91440" tIns="45720" rIns="91440" bIns="45720" rtlCol="0" anchor="b"/>
+          <a:lstStyle>
+            <a:lvl1pPr algn="l">
+              <a:defRPr sz="1200"/>
+            </a:lvl1pPr>
+          </a:lstStyle>
+          <a:p>
+            <a:endParaRPr lang="en-CA"/>
+          </a:p>
+        </p:txBody>
+      </p:sp>
+      <p:sp>
+        <p:nvSpPr>
+          <p:cNvPr id="5" name="Slide Number Placeholder 4"/>
+          <p:cNvSpPr>
+            <a:spLocks noGrp="1"/>
+          </p:cNvSpPr>
+          <p:nvPr>
+            <p:ph type="sldNum" sz="quarter" idx="3"/>
+          </p:nvPr>
+        </p:nvSpPr>
+        <p:spPr>
+          <a:xfrm>
+            <a:off x="3884613" y="8685213"/>
+            <a:ext cx="2971800" cy="457200"/>
+          </a:xfrm>
+          <a:prstGeom prst="rect">
+            <a:avLst/>
+          </a:prstGeom>
+        </p:spPr>
+        <p:txBody>
+          <a:bodyPr vert="horz" lIns="91440" tIns="45720" rIns="91440" bIns="45720" rtlCol="0" anchor="b"/>
+          <a:lstStyle>
+            <a:lvl1pPr algn="r">
+              <a:defRPr sz="1200"/>
+            </a:lvl1pPr>
+          </a:lstStyle>
+          <a:p>
+            <a:fld id="{DF0B81C7-F7B2-41EA-9CEC-DD429A646051}" type="slidenum">
+              <a:rPr lang="en-CA" smtClean="0"/>
+              <a:t>‹#›</a:t>
+            </a:fld>
+            <a:endParaRPr lang="en-CA"/>
+          </a:p>
+        </p:txBody>
+      </p:sp>
+    </p:spTree>
+    <p:extLst>
+      <p:ext uri="{BB962C8B-B14F-4D97-AF65-F5344CB8AC3E}">
+        <p14:creationId xmlns:p14="http://schemas.microsoft.com/office/powerpoint/2010/main" val="1728092069"/>
+      </p:ext>
+    </p:extLst>
+  </p:cSld>
+  <p:clrMap bg1="lt1" tx1="dk1" bg2="lt2" tx2="dk2" accent1="accent1" accent2="accent2" accent3="accent3" accent4="accent4" accent5="accent5" accent6="accent6" hlink="hlink" folHlink="folHlink"/>
+</p:handoutMaster>
+</file>
+
 <file path=ppt/notesMasters/notesMaster1.xml><?xml version="1.0" encoding="utf-8"?>
 <p:notesMaster xmlns:a="http://schemas.openxmlformats.org/drawingml/2006/main" xmlns:r="http://schemas.openxmlformats.org/officeDocument/2006/relationships" xmlns:p="http://schemas.openxmlformats.org/presentationml/2006/main">
   <p:cSld>
@@ -702,9 +871,8 @@
             <a:extLst/>
           </a:lstStyle>
           <a:p>
-            <a:fld id="{D80A4771-C6EF-4B99-81F4-D30BE4E017A0}" type="datetimeFigureOut">
-              <a:rPr lang="en-US" smtClean="0"/>
-              <a:pPr/>
+            <a:fld id="{48D7597E-798E-4D31-869B-471DBB42EC06}" type="datetime1">
+              <a:rPr lang="en-US" smtClean="0"/>
               <a:t>5/22/2012</a:t>
             </a:fld>
             <a:endParaRPr lang="en-US"/>
@@ -728,6 +896,10 @@
             <a:extLst/>
           </a:lstStyle>
           <a:p>
+            <a:r>
+              <a:rPr lang="en-US" smtClean="0"/>
+              <a:t>(c) 2012 HL7 International</a:t>
+            </a:r>
             <a:endParaRPr lang="en-US"/>
           </a:p>
         </p:txBody>
@@ -904,370 +1076,6 @@
 </p:sldLayout>
 </file>
 
-<file path=ppt/slideLayouts/slideLayout10.xml><?xml version="1.0" encoding="utf-8"?>
-<p:sldLayout xmlns:a="http://schemas.openxmlformats.org/drawingml/2006/main" xmlns:r="http://schemas.openxmlformats.org/officeDocument/2006/relationships" xmlns:p="http://schemas.openxmlformats.org/presentationml/2006/main" type="vertTx" preserve="1">
-  <p:cSld name="Title and Vertical Text">
-    <p:spTree>
-      <p:nvGrpSpPr>
-        <p:cNvPr id="1" name=""/>
-        <p:cNvGrpSpPr/>
-        <p:nvPr/>
-      </p:nvGrpSpPr>
-      <p:grpSpPr>
-        <a:xfrm>
-          <a:off x="0" y="0"/>
-          <a:ext cx="0" cy="0"/>
-          <a:chOff x="0" y="0"/>
-          <a:chExt cx="0" cy="0"/>
-        </a:xfrm>
-      </p:grpSpPr>
-      <p:sp>
-        <p:nvSpPr>
-          <p:cNvPr id="2" name="Title 1"/>
-          <p:cNvSpPr>
-            <a:spLocks noGrp="1"/>
-          </p:cNvSpPr>
-          <p:nvPr>
-            <p:ph type="title"/>
-          </p:nvPr>
-        </p:nvSpPr>
-        <p:spPr/>
-        <p:txBody>
-          <a:bodyPr/>
-          <a:lstStyle>
-            <a:extLst/>
-          </a:lstStyle>
-          <a:p>
-            <a:r>
-              <a:rPr lang="en-US" smtClean="0"/>
-              <a:t>Click to edit Master title style</a:t>
-            </a:r>
-            <a:endParaRPr lang="en-US"/>
-          </a:p>
-        </p:txBody>
-      </p:sp>
-      <p:sp>
-        <p:nvSpPr>
-          <p:cNvPr id="3" name="Vertical Text Placeholder 2"/>
-          <p:cNvSpPr>
-            <a:spLocks noGrp="1"/>
-          </p:cNvSpPr>
-          <p:nvPr>
-            <p:ph type="body" orient="vert" idx="1"/>
-          </p:nvPr>
-        </p:nvSpPr>
-        <p:spPr/>
-        <p:txBody>
-          <a:bodyPr vert="eaVert"/>
-          <a:lstStyle>
-            <a:extLst/>
-          </a:lstStyle>
-          <a:p>
-            <a:pPr lvl="0"/>
-            <a:r>
-              <a:rPr lang="en-US" smtClean="0"/>
-              <a:t>Click to edit Master text styles</a:t>
-            </a:r>
-          </a:p>
-          <a:p>
-            <a:pPr lvl="1"/>
-            <a:r>
-              <a:rPr lang="en-US" smtClean="0"/>
-              <a:t>Second level</a:t>
-            </a:r>
-          </a:p>
-          <a:p>
-            <a:pPr lvl="2"/>
-            <a:r>
-              <a:rPr lang="en-US" smtClean="0"/>
-              <a:t>Third level</a:t>
-            </a:r>
-          </a:p>
-          <a:p>
-            <a:pPr lvl="3"/>
-            <a:r>
-              <a:rPr lang="en-US" smtClean="0"/>
-              <a:t>Fourth level</a:t>
-            </a:r>
-          </a:p>
-          <a:p>
-            <a:pPr lvl="4"/>
-            <a:r>
-              <a:rPr lang="en-US" smtClean="0"/>
-              <a:t>Fifth level</a:t>
-            </a:r>
-            <a:endParaRPr lang="en-US"/>
-          </a:p>
-        </p:txBody>
-      </p:sp>
-      <p:sp>
-        <p:nvSpPr>
-          <p:cNvPr id="4" name="Date Placeholder 3"/>
-          <p:cNvSpPr>
-            <a:spLocks noGrp="1"/>
-          </p:cNvSpPr>
-          <p:nvPr>
-            <p:ph type="dt" sz="half" idx="10"/>
-          </p:nvPr>
-        </p:nvSpPr>
-        <p:spPr/>
-        <p:txBody>
-          <a:bodyPr/>
-          <a:lstStyle>
-            <a:extLst/>
-          </a:lstStyle>
-          <a:p>
-            <a:fld id="{D80A4771-C6EF-4B99-81F4-D30BE4E017A0}" type="datetimeFigureOut">
-              <a:rPr lang="en-US" smtClean="0"/>
-              <a:pPr/>
-              <a:t>5/22/2012</a:t>
-            </a:fld>
-            <a:endParaRPr lang="en-US"/>
-          </a:p>
-        </p:txBody>
-      </p:sp>
-      <p:sp>
-        <p:nvSpPr>
-          <p:cNvPr id="5" name="Footer Placeholder 4"/>
-          <p:cNvSpPr>
-            <a:spLocks noGrp="1"/>
-          </p:cNvSpPr>
-          <p:nvPr>
-            <p:ph type="ftr" sz="quarter" idx="11"/>
-          </p:nvPr>
-        </p:nvSpPr>
-        <p:spPr/>
-        <p:txBody>
-          <a:bodyPr/>
-          <a:lstStyle>
-            <a:extLst/>
-          </a:lstStyle>
-          <a:p>
-            <a:endParaRPr lang="en-US"/>
-          </a:p>
-        </p:txBody>
-      </p:sp>
-      <p:sp>
-        <p:nvSpPr>
-          <p:cNvPr id="6" name="Slide Number Placeholder 5"/>
-          <p:cNvSpPr>
-            <a:spLocks noGrp="1"/>
-          </p:cNvSpPr>
-          <p:nvPr>
-            <p:ph type="sldNum" sz="quarter" idx="12"/>
-          </p:nvPr>
-        </p:nvSpPr>
-        <p:spPr/>
-        <p:txBody>
-          <a:bodyPr/>
-          <a:lstStyle>
-            <a:extLst/>
-          </a:lstStyle>
-          <a:p>
-            <a:fld id="{990B41CA-569D-40E7-8E58-026C0338B2C8}" type="slidenum">
-              <a:rPr lang="en-US" smtClean="0"/>
-              <a:pPr/>
-              <a:t>‹#›</a:t>
-            </a:fld>
-            <a:endParaRPr lang="en-US"/>
-          </a:p>
-        </p:txBody>
-      </p:sp>
-    </p:spTree>
-  </p:cSld>
-  <p:clrMapOvr>
-    <a:masterClrMapping/>
-  </p:clrMapOvr>
-</p:sldLayout>
-</file>
-
-<file path=ppt/slideLayouts/slideLayout11.xml><?xml version="1.0" encoding="utf-8"?>
-<p:sldLayout xmlns:a="http://schemas.openxmlformats.org/drawingml/2006/main" xmlns:r="http://schemas.openxmlformats.org/officeDocument/2006/relationships" xmlns:p="http://schemas.openxmlformats.org/presentationml/2006/main" type="vertTitleAndTx" preserve="1">
-  <p:cSld name="Vertical Title and Text">
-    <p:spTree>
-      <p:nvGrpSpPr>
-        <p:cNvPr id="1" name=""/>
-        <p:cNvGrpSpPr/>
-        <p:nvPr/>
-      </p:nvGrpSpPr>
-      <p:grpSpPr>
-        <a:xfrm>
-          <a:off x="0" y="0"/>
-          <a:ext cx="0" cy="0"/>
-          <a:chOff x="0" y="0"/>
-          <a:chExt cx="0" cy="0"/>
-        </a:xfrm>
-      </p:grpSpPr>
-      <p:sp>
-        <p:nvSpPr>
-          <p:cNvPr id="2" name="Vertical Title 1"/>
-          <p:cNvSpPr>
-            <a:spLocks noGrp="1"/>
-          </p:cNvSpPr>
-          <p:nvPr>
-            <p:ph type="title" orient="vert"/>
-          </p:nvPr>
-        </p:nvSpPr>
-        <p:spPr>
-          <a:xfrm>
-            <a:off x="6858000" y="274639"/>
-            <a:ext cx="1828800" cy="5851525"/>
-          </a:xfrm>
-        </p:spPr>
-        <p:txBody>
-          <a:bodyPr vert="eaVert"/>
-          <a:lstStyle>
-            <a:extLst/>
-          </a:lstStyle>
-          <a:p>
-            <a:r>
-              <a:rPr lang="en-US" smtClean="0"/>
-              <a:t>Click to edit Master title style</a:t>
-            </a:r>
-            <a:endParaRPr lang="en-US"/>
-          </a:p>
-        </p:txBody>
-      </p:sp>
-      <p:sp>
-        <p:nvSpPr>
-          <p:cNvPr id="3" name="Vertical Text Placeholder 2"/>
-          <p:cNvSpPr>
-            <a:spLocks noGrp="1"/>
-          </p:cNvSpPr>
-          <p:nvPr>
-            <p:ph type="body" orient="vert" idx="1"/>
-          </p:nvPr>
-        </p:nvSpPr>
-        <p:spPr>
-          <a:xfrm>
-            <a:off x="1143000" y="274640"/>
-            <a:ext cx="5562600" cy="5851525"/>
-          </a:xfrm>
-        </p:spPr>
-        <p:txBody>
-          <a:bodyPr vert="eaVert"/>
-          <a:lstStyle>
-            <a:extLst/>
-          </a:lstStyle>
-          <a:p>
-            <a:pPr lvl="0"/>
-            <a:r>
-              <a:rPr lang="en-US" smtClean="0"/>
-              <a:t>Click to edit Master text styles</a:t>
-            </a:r>
-          </a:p>
-          <a:p>
-            <a:pPr lvl="1"/>
-            <a:r>
-              <a:rPr lang="en-US" smtClean="0"/>
-              <a:t>Second level</a:t>
-            </a:r>
-          </a:p>
-          <a:p>
-            <a:pPr lvl="2"/>
-            <a:r>
-              <a:rPr lang="en-US" smtClean="0"/>
-              <a:t>Third level</a:t>
-            </a:r>
-          </a:p>
-          <a:p>
-            <a:pPr lvl="3"/>
-            <a:r>
-              <a:rPr lang="en-US" smtClean="0"/>
-              <a:t>Fourth level</a:t>
-            </a:r>
-          </a:p>
-          <a:p>
-            <a:pPr lvl="4"/>
-            <a:r>
-              <a:rPr lang="en-US" smtClean="0"/>
-              <a:t>Fifth level</a:t>
-            </a:r>
-            <a:endParaRPr lang="en-US" dirty="0"/>
-          </a:p>
-        </p:txBody>
-      </p:sp>
-      <p:sp>
-        <p:nvSpPr>
-          <p:cNvPr id="4" name="Date Placeholder 3"/>
-          <p:cNvSpPr>
-            <a:spLocks noGrp="1"/>
-          </p:cNvSpPr>
-          <p:nvPr>
-            <p:ph type="dt" sz="half" idx="10"/>
-          </p:nvPr>
-        </p:nvSpPr>
-        <p:spPr/>
-        <p:txBody>
-          <a:bodyPr/>
-          <a:lstStyle>
-            <a:extLst/>
-          </a:lstStyle>
-          <a:p>
-            <a:fld id="{D80A4771-C6EF-4B99-81F4-D30BE4E017A0}" type="datetimeFigureOut">
-              <a:rPr lang="en-US" smtClean="0"/>
-              <a:pPr/>
-              <a:t>5/22/2012</a:t>
-            </a:fld>
-            <a:endParaRPr lang="en-US"/>
-          </a:p>
-        </p:txBody>
-      </p:sp>
-      <p:sp>
-        <p:nvSpPr>
-          <p:cNvPr id="5" name="Footer Placeholder 4"/>
-          <p:cNvSpPr>
-            <a:spLocks noGrp="1"/>
-          </p:cNvSpPr>
-          <p:nvPr>
-            <p:ph type="ftr" sz="quarter" idx="11"/>
-          </p:nvPr>
-        </p:nvSpPr>
-        <p:spPr/>
-        <p:txBody>
-          <a:bodyPr/>
-          <a:lstStyle>
-            <a:extLst/>
-          </a:lstStyle>
-          <a:p>
-            <a:endParaRPr lang="en-US"/>
-          </a:p>
-        </p:txBody>
-      </p:sp>
-      <p:sp>
-        <p:nvSpPr>
-          <p:cNvPr id="6" name="Slide Number Placeholder 5"/>
-          <p:cNvSpPr>
-            <a:spLocks noGrp="1"/>
-          </p:cNvSpPr>
-          <p:nvPr>
-            <p:ph type="sldNum" sz="quarter" idx="12"/>
-          </p:nvPr>
-        </p:nvSpPr>
-        <p:spPr/>
-        <p:txBody>
-          <a:bodyPr/>
-          <a:lstStyle>
-            <a:extLst/>
-          </a:lstStyle>
-          <a:p>
-            <a:fld id="{990B41CA-569D-40E7-8E58-026C0338B2C8}" type="slidenum">
-              <a:rPr lang="en-US" smtClean="0"/>
-              <a:pPr/>
-              <a:t>‹#›</a:t>
-            </a:fld>
-            <a:endParaRPr lang="en-US"/>
-          </a:p>
-        </p:txBody>
-      </p:sp>
-    </p:spTree>
-  </p:cSld>
-  <p:clrMapOvr>
-    <a:masterClrMapping/>
-  </p:clrMapOvr>
-</p:sldLayout>
-</file>
-
 <file path=ppt/slideLayouts/slideLayout2.xml><?xml version="1.0" encoding="utf-8"?>
 <p:sldLayout xmlns:a="http://schemas.openxmlformats.org/drawingml/2006/main" xmlns:r="http://schemas.openxmlformats.org/officeDocument/2006/relationships" xmlns:p="http://schemas.openxmlformats.org/presentationml/2006/main" type="obj" preserve="1">
   <p:cSld name="Title and Content">
@@ -1402,9 +1210,8 @@
             <a:extLst/>
           </a:lstStyle>
           <a:p>
-            <a:fld id="{D80A4771-C6EF-4B99-81F4-D30BE4E017A0}" type="datetimeFigureOut">
-              <a:rPr lang="en-US" smtClean="0"/>
-              <a:pPr/>
+            <a:fld id="{DF84B94F-DB33-49C4-A805-0DC57DE8D716}" type="datetime1">
+              <a:rPr lang="en-US" smtClean="0"/>
               <a:t>5/22/2012</a:t>
             </a:fld>
             <a:endParaRPr lang="en-US"/>
@@ -1433,6 +1240,10 @@
             <a:extLst/>
           </a:lstStyle>
           <a:p>
+            <a:r>
+              <a:rPr lang="en-US" smtClean="0"/>
+              <a:t>(c) 2012 HL7 International</a:t>
+            </a:r>
             <a:endParaRPr lang="en-US" dirty="0"/>
           </a:p>
         </p:txBody>
@@ -1682,9 +1493,8 @@
             <a:extLst/>
           </a:lstStyle>
           <a:p>
-            <a:fld id="{D80A4771-C6EF-4B99-81F4-D30BE4E017A0}" type="datetimeFigureOut">
-              <a:rPr lang="en-US" smtClean="0"/>
-              <a:pPr/>
+            <a:fld id="{EF6EF436-7F4F-4FAE-AC06-41C4E247508E}" type="datetime1">
+              <a:rPr lang="en-US" smtClean="0"/>
               <a:t>5/22/2012</a:t>
             </a:fld>
             <a:endParaRPr lang="en-US"/>
@@ -1708,6 +1518,10 @@
             <a:extLst/>
           </a:lstStyle>
           <a:p>
+            <a:r>
+              <a:rPr lang="en-US" smtClean="0"/>
+              <a:t>(c) 2012 HL7 International</a:t>
+            </a:r>
             <a:endParaRPr lang="en-US"/>
           </a:p>
         </p:txBody>
@@ -1942,6 +1756,36 @@
           </a:prstGeom>
         </p:spPr>
       </p:pic>
+      <p:pic>
+        <p:nvPicPr>
+          <p:cNvPr id="13" name="Picture 12"/>
+          <p:cNvPicPr>
+            <a:picLocks noChangeAspect="1"/>
+          </p:cNvPicPr>
+          <p:nvPr userDrawn="1"/>
+        </p:nvPicPr>
+        <p:blipFill>
+          <a:blip r:embed="rId3">
+            <a:extLst>
+              <a:ext uri="{28A0092B-C50C-407E-A947-70E740481C1C}">
+                <a14:useLocalDpi xmlns:a14="http://schemas.microsoft.com/office/drawing/2010/main" val="0"/>
+              </a:ext>
+            </a:extLst>
+          </a:blip>
+          <a:stretch>
+            <a:fillRect/>
+          </a:stretch>
+        </p:blipFill>
+        <p:spPr>
+          <a:xfrm>
+            <a:off x="3563888" y="6368756"/>
+            <a:ext cx="1117460" cy="393651"/>
+          </a:xfrm>
+          <a:prstGeom prst="rect">
+            <a:avLst/>
+          </a:prstGeom>
+        </p:spPr>
+      </p:pic>
     </p:spTree>
   </p:cSld>
   <p:clrMapOvr>
@@ -2218,9 +2062,8 @@
             <a:extLst/>
           </a:lstStyle>
           <a:p>
-            <a:fld id="{D80A4771-C6EF-4B99-81F4-D30BE4E017A0}" type="datetimeFigureOut">
-              <a:rPr lang="en-US" smtClean="0"/>
-              <a:pPr/>
+            <a:fld id="{25037E6F-6275-485F-9A2D-1CEB2575ACCE}" type="datetime1">
+              <a:rPr lang="en-US" smtClean="0"/>
               <a:t>5/22/2012</a:t>
             </a:fld>
             <a:endParaRPr lang="en-US"/>
@@ -2244,6 +2087,10 @@
             <a:extLst/>
           </a:lstStyle>
           <a:p>
+            <a:r>
+              <a:rPr lang="en-US" smtClean="0"/>
+              <a:t>(c) 2012 HL7 International</a:t>
+            </a:r>
             <a:endParaRPr lang="en-US"/>
           </a:p>
         </p:txBody>
@@ -2422,6 +2269,36 @@
           </a:p>
         </p:txBody>
       </p:sp>
+      <p:pic>
+        <p:nvPicPr>
+          <p:cNvPr id="11" name="Picture 10"/>
+          <p:cNvPicPr>
+            <a:picLocks noChangeAspect="1"/>
+          </p:cNvPicPr>
+          <p:nvPr userDrawn="1"/>
+        </p:nvPicPr>
+        <p:blipFill>
+          <a:blip r:embed="rId3">
+            <a:extLst>
+              <a:ext uri="{28A0092B-C50C-407E-A947-70E740481C1C}">
+                <a14:useLocalDpi xmlns:a14="http://schemas.microsoft.com/office/drawing/2010/main" val="0"/>
+              </a:ext>
+            </a:extLst>
+          </a:blip>
+          <a:stretch>
+            <a:fillRect/>
+          </a:stretch>
+        </p:blipFill>
+        <p:spPr>
+          <a:xfrm>
+            <a:off x="3635896" y="6372948"/>
+            <a:ext cx="1117460" cy="393651"/>
+          </a:xfrm>
+          <a:prstGeom prst="rect">
+            <a:avLst/>
+          </a:prstGeom>
+        </p:spPr>
+      </p:pic>
     </p:spTree>
   </p:cSld>
   <p:clrMapOvr>
@@ -2857,9 +2734,8 @@
             <a:extLst/>
           </a:lstStyle>
           <a:p>
-            <a:fld id="{D80A4771-C6EF-4B99-81F4-D30BE4E017A0}" type="datetimeFigureOut">
-              <a:rPr lang="en-US" smtClean="0"/>
-              <a:pPr/>
+            <a:fld id="{1BFFEFF8-0AEC-4BE5-9CD2-F9B81A8A2DD4}" type="datetime1">
+              <a:rPr lang="en-US" smtClean="0"/>
               <a:t>5/22/2012</a:t>
             </a:fld>
             <a:endParaRPr lang="en-US"/>
@@ -2883,6 +2759,10 @@
             <a:extLst/>
           </a:lstStyle>
           <a:p>
+            <a:r>
+              <a:rPr lang="en-US" smtClean="0"/>
+              <a:t>(c) 2012 HL7 International</a:t>
+            </a:r>
             <a:endParaRPr lang="en-US"/>
           </a:p>
         </p:txBody>
@@ -2913,6 +2793,36 @@
           </a:p>
         </p:txBody>
       </p:sp>
+      <p:pic>
+        <p:nvPicPr>
+          <p:cNvPr id="10" name="Picture 9"/>
+          <p:cNvPicPr>
+            <a:picLocks noChangeAspect="1"/>
+          </p:cNvPicPr>
+          <p:nvPr userDrawn="1"/>
+        </p:nvPicPr>
+        <p:blipFill>
+          <a:blip r:embed="rId2">
+            <a:extLst>
+              <a:ext uri="{28A0092B-C50C-407E-A947-70E740481C1C}">
+                <a14:useLocalDpi xmlns:a14="http://schemas.microsoft.com/office/drawing/2010/main" val="0"/>
+              </a:ext>
+            </a:extLst>
+          </a:blip>
+          <a:stretch>
+            <a:fillRect/>
+          </a:stretch>
+        </p:blipFill>
+        <p:spPr>
+          <a:xfrm>
+            <a:off x="3635896" y="6381327"/>
+            <a:ext cx="1117460" cy="393651"/>
+          </a:xfrm>
+          <a:prstGeom prst="rect">
+            <a:avLst/>
+          </a:prstGeom>
+        </p:spPr>
+      </p:pic>
     </p:spTree>
   </p:cSld>
   <p:clrMapOvr>
@@ -2985,9 +2895,8 @@
             <a:extLst/>
           </a:lstStyle>
           <a:p>
-            <a:fld id="{D80A4771-C6EF-4B99-81F4-D30BE4E017A0}" type="datetimeFigureOut">
-              <a:rPr lang="en-US" smtClean="0"/>
-              <a:pPr/>
+            <a:fld id="{9D30A491-C3A6-4228-AFC7-90EDE3F05C70}" type="datetime1">
+              <a:rPr lang="en-US" smtClean="0"/>
               <a:t>5/22/2012</a:t>
             </a:fld>
             <a:endParaRPr lang="en-US"/>
@@ -3011,6 +2920,10 @@
             <a:extLst/>
           </a:lstStyle>
           <a:p>
+            <a:r>
+              <a:rPr lang="en-US" smtClean="0"/>
+              <a:t>(c) 2012 HL7 International</a:t>
+            </a:r>
             <a:endParaRPr lang="en-US"/>
           </a:p>
         </p:txBody>
@@ -3131,9 +3044,8 @@
             <a:extLst/>
           </a:lstStyle>
           <a:p>
-            <a:fld id="{D80A4771-C6EF-4B99-81F4-D30BE4E017A0}" type="datetimeFigureOut">
-              <a:rPr lang="en-US" smtClean="0"/>
-              <a:pPr/>
+            <a:fld id="{D970B0A9-92CB-4566-91C7-4806322026EC}" type="datetime1">
+              <a:rPr lang="en-US" smtClean="0"/>
               <a:t>5/22/2012</a:t>
             </a:fld>
             <a:endParaRPr lang="en-US"/>
@@ -3157,6 +3069,10 @@
             <a:extLst/>
           </a:lstStyle>
           <a:p>
+            <a:r>
+              <a:rPr lang="en-US" smtClean="0"/>
+              <a:t>(c) 2012 HL7 International</a:t>
+            </a:r>
             <a:endParaRPr lang="en-US"/>
           </a:p>
         </p:txBody>
@@ -3391,6 +3307,36 @@
           </a:p>
         </p:txBody>
       </p:sp>
+      <p:pic>
+        <p:nvPicPr>
+          <p:cNvPr id="9" name="Picture 8"/>
+          <p:cNvPicPr>
+            <a:picLocks noChangeAspect="1"/>
+          </p:cNvPicPr>
+          <p:nvPr userDrawn="1"/>
+        </p:nvPicPr>
+        <p:blipFill>
+          <a:blip r:embed="rId3">
+            <a:extLst>
+              <a:ext uri="{28A0092B-C50C-407E-A947-70E740481C1C}">
+                <a14:useLocalDpi xmlns:a14="http://schemas.microsoft.com/office/drawing/2010/main" val="0"/>
+              </a:ext>
+            </a:extLst>
+          </a:blip>
+          <a:stretch>
+            <a:fillRect/>
+          </a:stretch>
+        </p:blipFill>
+        <p:spPr>
+          <a:xfrm>
+            <a:off x="3635896" y="6398393"/>
+            <a:ext cx="1117460" cy="393651"/>
+          </a:xfrm>
+          <a:prstGeom prst="rect">
+            <a:avLst/>
+          </a:prstGeom>
+        </p:spPr>
+      </p:pic>
     </p:spTree>
   </p:cSld>
   <p:clrMapOvr>
@@ -3478,9 +3424,8 @@
             <a:extLst/>
           </a:lstStyle>
           <a:p>
-            <a:fld id="{D80A4771-C6EF-4B99-81F4-D30BE4E017A0}" type="datetimeFigureOut">
-              <a:rPr lang="en-US" smtClean="0"/>
-              <a:pPr/>
+            <a:fld id="{D5B12736-250B-4FCB-8D4E-616407C482F8}" type="datetime1">
+              <a:rPr lang="en-US" smtClean="0"/>
               <a:t>5/22/2012</a:t>
             </a:fld>
             <a:endParaRPr lang="en-US"/>
@@ -3504,6 +3449,10 @@
             <a:extLst/>
           </a:lstStyle>
           <a:p>
+            <a:r>
+              <a:rPr lang="en-US" smtClean="0"/>
+              <a:t>(c) 2012 HL7 International</a:t>
+            </a:r>
             <a:endParaRPr lang="en-US"/>
           </a:p>
         </p:txBody>
@@ -3576,9 +3525,8 @@
             <a:extLst/>
           </a:lstStyle>
           <a:p>
-            <a:fld id="{D80A4771-C6EF-4B99-81F4-D30BE4E017A0}" type="datetimeFigureOut">
-              <a:rPr lang="en-US" smtClean="0"/>
-              <a:pPr/>
+            <a:fld id="{12386DBF-F895-4A65-877D-2A3D96613DA8}" type="datetime1">
+              <a:rPr lang="en-US" smtClean="0"/>
               <a:t>5/22/2012</a:t>
             </a:fld>
             <a:endParaRPr lang="en-US"/>
@@ -3602,6 +3550,10 @@
             <a:extLst/>
           </a:lstStyle>
           <a:p>
+            <a:r>
+              <a:rPr lang="en-US" smtClean="0"/>
+              <a:t>(c) 2012 HL7 International</a:t>
+            </a:r>
             <a:endParaRPr lang="en-US"/>
           </a:p>
         </p:txBody>
@@ -3794,12 +3746,12 @@
     <p:bg>
       <p:bgPr>
         <a:blipFill dpi="0" rotWithShape="1">
-          <a:blip r:embed="rId13">
+          <a:blip r:embed="rId11">
             <a:lum/>
           </a:blip>
           <a:srcRect/>
           <a:stretch>
-            <a:fillRect t="-17000" b="-17000"/>
+            <a:fillRect l="-7000" r="-7000"/>
           </a:stretch>
         </a:blipFill>
         <a:effectLst/>
@@ -4002,9 +3954,8 @@
           </a:lstStyle>
           <a:p>
             <a:pPr algn="r"/>
-            <a:fld id="{D80A4771-C6EF-4B99-81F4-D30BE4E017A0}" type="datetimeFigureOut">
-              <a:rPr lang="en-US" smtClean="0"/>
-              <a:pPr algn="r"/>
+            <a:fld id="{1D09DFD0-14B4-44F6-ADDE-F7357BC74DDC}" type="datetime1">
+              <a:rPr lang="en-US" smtClean="0"/>
               <a:t>5/22/2012</a:t>
             </a:fld>
             <a:endParaRPr lang="en-US" sz="1200">
@@ -4053,6 +4004,17 @@
             <a:extLst/>
           </a:lstStyle>
           <a:p>
+            <a:r>
+              <a:rPr lang="en-US" sz="1200" smtClean="0">
+                <a:solidFill>
+                  <a:schemeClr val="bg2">
+                    <a:shade val="50000"/>
+                  </a:schemeClr>
+                </a:solidFill>
+                <a:effectLst/>
+              </a:rPr>
+              <a:t>(c) 2012 HL7 International</a:t>
+            </a:r>
             <a:endParaRPr lang="en-US" sz="1200">
               <a:solidFill>
                 <a:schemeClr val="bg2">
@@ -4182,7 +4144,7 @@
           <p:nvPr userDrawn="1"/>
         </p:nvPicPr>
         <p:blipFill>
-          <a:blip r:embed="rId14" cstate="print">
+          <a:blip r:embed="rId12" cstate="print">
             <a:extLst>
               <a:ext uri="{28A0092B-C50C-407E-A947-70E740481C1C}">
                 <a14:useLocalDpi xmlns:a14="http://schemas.microsoft.com/office/drawing/2010/main" val="0"/>
@@ -4321,6 +4283,36 @@
           </a:p>
         </p:txBody>
       </p:sp>
+      <p:pic>
+        <p:nvPicPr>
+          <p:cNvPr id="11" name="Picture 10"/>
+          <p:cNvPicPr>
+            <a:picLocks noChangeAspect="1"/>
+          </p:cNvPicPr>
+          <p:nvPr userDrawn="1"/>
+        </p:nvPicPr>
+        <p:blipFill>
+          <a:blip r:embed="rId13">
+            <a:extLst>
+              <a:ext uri="{28A0092B-C50C-407E-A947-70E740481C1C}">
+                <a14:useLocalDpi xmlns:a14="http://schemas.microsoft.com/office/drawing/2010/main" val="0"/>
+              </a:ext>
+            </a:extLst>
+          </a:blip>
+          <a:stretch>
+            <a:fillRect/>
+          </a:stretch>
+        </p:blipFill>
+        <p:spPr>
+          <a:xfrm>
+            <a:off x="3635896" y="6332070"/>
+            <a:ext cx="1117460" cy="393651"/>
+          </a:xfrm>
+          <a:prstGeom prst="rect">
+            <a:avLst/>
+          </a:prstGeom>
+        </p:spPr>
+      </p:pic>
     </p:spTree>
   </p:cSld>
   <p:clrMap bg1="lt1" tx1="dk1" bg2="lt2" tx2="dk2" accent1="accent1" accent2="accent2" accent3="accent3" accent4="accent4" accent5="accent5" accent6="accent6" hlink="hlink" folHlink="folHlink"/>
@@ -4334,9 +4326,8 @@
     <p:sldLayoutId id="2147483751" r:id="rId7"/>
     <p:sldLayoutId id="2147483752" r:id="rId8"/>
     <p:sldLayoutId id="2147483753" r:id="rId9"/>
-    <p:sldLayoutId id="2147483754" r:id="rId10"/>
-    <p:sldLayoutId id="2147483755" r:id="rId11"/>
   </p:sldLayoutIdLst>
+  <p:hf hdr="0"/>
   <p:txStyles>
     <p:titleStyle>
       <a:lvl1pPr algn="l" rtl="0" eaLnBrk="1" latinLnBrk="0" hangingPunct="1">
@@ -4941,6 +4932,76 @@
           </a:p>
         </p:txBody>
       </p:sp>
+      <p:sp>
+        <p:nvSpPr>
+          <p:cNvPr id="2" name="Slide Number Placeholder 1"/>
+          <p:cNvSpPr>
+            <a:spLocks noGrp="1"/>
+          </p:cNvSpPr>
+          <p:nvPr>
+            <p:ph type="sldNum" sz="quarter" idx="12"/>
+          </p:nvPr>
+        </p:nvSpPr>
+        <p:spPr/>
+        <p:txBody>
+          <a:bodyPr/>
+          <a:lstStyle/>
+          <a:p>
+            <a:fld id="{990B41CA-569D-40E7-8E58-026C0338B2C8}" type="slidenum">
+              <a:rPr lang="en-US" smtClean="0"/>
+              <a:pPr/>
+              <a:t>1</a:t>
+            </a:fld>
+            <a:endParaRPr lang="en-US"/>
+          </a:p>
+        </p:txBody>
+      </p:sp>
+      <p:sp>
+        <p:nvSpPr>
+          <p:cNvPr id="3" name="Footer Placeholder 2"/>
+          <p:cNvSpPr>
+            <a:spLocks noGrp="1"/>
+          </p:cNvSpPr>
+          <p:nvPr>
+            <p:ph type="ftr" sz="quarter" idx="11"/>
+          </p:nvPr>
+        </p:nvSpPr>
+        <p:spPr/>
+        <p:txBody>
+          <a:bodyPr/>
+          <a:lstStyle/>
+          <a:p>
+            <a:r>
+              <a:rPr lang="en-US" smtClean="0"/>
+              <a:t>(c) 2012 HL7 International</a:t>
+            </a:r>
+            <a:endParaRPr lang="en-US"/>
+          </a:p>
+        </p:txBody>
+      </p:sp>
+      <p:sp>
+        <p:nvSpPr>
+          <p:cNvPr id="7" name="Date Placeholder 6"/>
+          <p:cNvSpPr>
+            <a:spLocks noGrp="1"/>
+          </p:cNvSpPr>
+          <p:nvPr>
+            <p:ph type="dt" sz="half" idx="10"/>
+          </p:nvPr>
+        </p:nvSpPr>
+        <p:spPr/>
+        <p:txBody>
+          <a:bodyPr/>
+          <a:lstStyle/>
+          <a:p>
+            <a:fld id="{0FD48F9D-C241-454F-8739-117ED62883F5}" type="datetime1">
+              <a:rPr lang="en-US" smtClean="0"/>
+              <a:t>5/22/2012</a:t>
+            </a:fld>
+            <a:endParaRPr lang="en-US"/>
+          </a:p>
+        </p:txBody>
+      </p:sp>
     </p:spTree>
     <p:extLst>
       <p:ext uri="{BB962C8B-B14F-4D97-AF65-F5344CB8AC3E}">
@@ -5072,6 +5133,76 @@
           </a:p>
         </p:txBody>
       </p:sp>
+      <p:sp>
+        <p:nvSpPr>
+          <p:cNvPr id="4" name="Slide Number Placeholder 3"/>
+          <p:cNvSpPr>
+            <a:spLocks noGrp="1"/>
+          </p:cNvSpPr>
+          <p:nvPr>
+            <p:ph type="sldNum" sz="quarter" idx="12"/>
+          </p:nvPr>
+        </p:nvSpPr>
+        <p:spPr/>
+        <p:txBody>
+          <a:bodyPr/>
+          <a:lstStyle/>
+          <a:p>
+            <a:fld id="{990B41CA-569D-40E7-8E58-026C0338B2C8}" type="slidenum">
+              <a:rPr lang="en-US" smtClean="0"/>
+              <a:pPr/>
+              <a:t>10</a:t>
+            </a:fld>
+            <a:endParaRPr lang="en-US"/>
+          </a:p>
+        </p:txBody>
+      </p:sp>
+      <p:sp>
+        <p:nvSpPr>
+          <p:cNvPr id="5" name="Footer Placeholder 4"/>
+          <p:cNvSpPr>
+            <a:spLocks noGrp="1"/>
+          </p:cNvSpPr>
+          <p:nvPr>
+            <p:ph type="ftr" sz="quarter" idx="11"/>
+          </p:nvPr>
+        </p:nvSpPr>
+        <p:spPr/>
+        <p:txBody>
+          <a:bodyPr/>
+          <a:lstStyle/>
+          <a:p>
+            <a:r>
+              <a:rPr lang="en-US" smtClean="0"/>
+              <a:t>(c) 2012 HL7 International</a:t>
+            </a:r>
+            <a:endParaRPr lang="en-US" dirty="0"/>
+          </a:p>
+        </p:txBody>
+      </p:sp>
+      <p:sp>
+        <p:nvSpPr>
+          <p:cNvPr id="6" name="Date Placeholder 5"/>
+          <p:cNvSpPr>
+            <a:spLocks noGrp="1"/>
+          </p:cNvSpPr>
+          <p:nvPr>
+            <p:ph type="dt" sz="half" idx="10"/>
+          </p:nvPr>
+        </p:nvSpPr>
+        <p:spPr/>
+        <p:txBody>
+          <a:bodyPr/>
+          <a:lstStyle/>
+          <a:p>
+            <a:fld id="{93C94D47-1647-4FC5-AC50-9CE94743DCCB}" type="datetime1">
+              <a:rPr lang="en-US" smtClean="0"/>
+              <a:t>5/22/2012</a:t>
+            </a:fld>
+            <a:endParaRPr lang="en-US"/>
+          </a:p>
+        </p:txBody>
+      </p:sp>
     </p:spTree>
     <p:extLst>
       <p:ext uri="{BB962C8B-B14F-4D97-AF65-F5344CB8AC3E}">
@@ -5192,6 +5323,76 @@
           </a:p>
         </p:txBody>
       </p:sp>
+      <p:sp>
+        <p:nvSpPr>
+          <p:cNvPr id="4" name="Slide Number Placeholder 3"/>
+          <p:cNvSpPr>
+            <a:spLocks noGrp="1"/>
+          </p:cNvSpPr>
+          <p:nvPr>
+            <p:ph type="sldNum" sz="quarter" idx="12"/>
+          </p:nvPr>
+        </p:nvSpPr>
+        <p:spPr/>
+        <p:txBody>
+          <a:bodyPr/>
+          <a:lstStyle/>
+          <a:p>
+            <a:fld id="{990B41CA-569D-40E7-8E58-026C0338B2C8}" type="slidenum">
+              <a:rPr lang="en-US" smtClean="0"/>
+              <a:pPr/>
+              <a:t>11</a:t>
+            </a:fld>
+            <a:endParaRPr lang="en-US"/>
+          </a:p>
+        </p:txBody>
+      </p:sp>
+      <p:sp>
+        <p:nvSpPr>
+          <p:cNvPr id="5" name="Footer Placeholder 4"/>
+          <p:cNvSpPr>
+            <a:spLocks noGrp="1"/>
+          </p:cNvSpPr>
+          <p:nvPr>
+            <p:ph type="ftr" sz="quarter" idx="11"/>
+          </p:nvPr>
+        </p:nvSpPr>
+        <p:spPr/>
+        <p:txBody>
+          <a:bodyPr/>
+          <a:lstStyle/>
+          <a:p>
+            <a:r>
+              <a:rPr lang="en-US" smtClean="0"/>
+              <a:t>(c) 2012 HL7 International</a:t>
+            </a:r>
+            <a:endParaRPr lang="en-US" dirty="0"/>
+          </a:p>
+        </p:txBody>
+      </p:sp>
+      <p:sp>
+        <p:nvSpPr>
+          <p:cNvPr id="6" name="Date Placeholder 5"/>
+          <p:cNvSpPr>
+            <a:spLocks noGrp="1"/>
+          </p:cNvSpPr>
+          <p:nvPr>
+            <p:ph type="dt" sz="half" idx="10"/>
+          </p:nvPr>
+        </p:nvSpPr>
+        <p:spPr/>
+        <p:txBody>
+          <a:bodyPr/>
+          <a:lstStyle/>
+          <a:p>
+            <a:fld id="{D728F505-B396-493A-9F2C-D130B0B372F2}" type="datetime1">
+              <a:rPr lang="en-US" smtClean="0"/>
+              <a:t>5/22/2012</a:t>
+            </a:fld>
+            <a:endParaRPr lang="en-US"/>
+          </a:p>
+        </p:txBody>
+      </p:sp>
     </p:spTree>
     <p:extLst>
       <p:ext uri="{BB962C8B-B14F-4D97-AF65-F5344CB8AC3E}">
@@ -5337,6 +5538,76 @@
           </a:p>
         </p:txBody>
       </p:sp>
+      <p:sp>
+        <p:nvSpPr>
+          <p:cNvPr id="4" name="Slide Number Placeholder 3"/>
+          <p:cNvSpPr>
+            <a:spLocks noGrp="1"/>
+          </p:cNvSpPr>
+          <p:nvPr>
+            <p:ph type="sldNum" sz="quarter" idx="12"/>
+          </p:nvPr>
+        </p:nvSpPr>
+        <p:spPr/>
+        <p:txBody>
+          <a:bodyPr/>
+          <a:lstStyle/>
+          <a:p>
+            <a:fld id="{990B41CA-569D-40E7-8E58-026C0338B2C8}" type="slidenum">
+              <a:rPr lang="en-US" smtClean="0"/>
+              <a:pPr/>
+              <a:t>12</a:t>
+            </a:fld>
+            <a:endParaRPr lang="en-US"/>
+          </a:p>
+        </p:txBody>
+      </p:sp>
+      <p:sp>
+        <p:nvSpPr>
+          <p:cNvPr id="5" name="Footer Placeholder 4"/>
+          <p:cNvSpPr>
+            <a:spLocks noGrp="1"/>
+          </p:cNvSpPr>
+          <p:nvPr>
+            <p:ph type="ftr" sz="quarter" idx="11"/>
+          </p:nvPr>
+        </p:nvSpPr>
+        <p:spPr/>
+        <p:txBody>
+          <a:bodyPr/>
+          <a:lstStyle/>
+          <a:p>
+            <a:r>
+              <a:rPr lang="en-US" smtClean="0"/>
+              <a:t>(c) 2012 HL7 International</a:t>
+            </a:r>
+            <a:endParaRPr lang="en-US" dirty="0"/>
+          </a:p>
+        </p:txBody>
+      </p:sp>
+      <p:sp>
+        <p:nvSpPr>
+          <p:cNvPr id="6" name="Date Placeholder 5"/>
+          <p:cNvSpPr>
+            <a:spLocks noGrp="1"/>
+          </p:cNvSpPr>
+          <p:nvPr>
+            <p:ph type="dt" sz="half" idx="10"/>
+          </p:nvPr>
+        </p:nvSpPr>
+        <p:spPr/>
+        <p:txBody>
+          <a:bodyPr/>
+          <a:lstStyle/>
+          <a:p>
+            <a:fld id="{4588E06E-BFF6-4236-9141-353A0E97D38C}" type="datetime1">
+              <a:rPr lang="en-US" smtClean="0"/>
+              <a:t>5/22/2012</a:t>
+            </a:fld>
+            <a:endParaRPr lang="en-US"/>
+          </a:p>
+        </p:txBody>
+      </p:sp>
     </p:spTree>
     <p:extLst>
       <p:ext uri="{BB962C8B-B14F-4D97-AF65-F5344CB8AC3E}">
@@ -5515,6 +5786,76 @@
           </a:p>
         </p:txBody>
       </p:sp>
+      <p:sp>
+        <p:nvSpPr>
+          <p:cNvPr id="4" name="Slide Number Placeholder 3"/>
+          <p:cNvSpPr>
+            <a:spLocks noGrp="1"/>
+          </p:cNvSpPr>
+          <p:nvPr>
+            <p:ph type="sldNum" sz="quarter" idx="12"/>
+          </p:nvPr>
+        </p:nvSpPr>
+        <p:spPr/>
+        <p:txBody>
+          <a:bodyPr/>
+          <a:lstStyle/>
+          <a:p>
+            <a:fld id="{990B41CA-569D-40E7-8E58-026C0338B2C8}" type="slidenum">
+              <a:rPr lang="en-US" smtClean="0"/>
+              <a:pPr/>
+              <a:t>13</a:t>
+            </a:fld>
+            <a:endParaRPr lang="en-US"/>
+          </a:p>
+        </p:txBody>
+      </p:sp>
+      <p:sp>
+        <p:nvSpPr>
+          <p:cNvPr id="5" name="Footer Placeholder 4"/>
+          <p:cNvSpPr>
+            <a:spLocks noGrp="1"/>
+          </p:cNvSpPr>
+          <p:nvPr>
+            <p:ph type="ftr" sz="quarter" idx="11"/>
+          </p:nvPr>
+        </p:nvSpPr>
+        <p:spPr/>
+        <p:txBody>
+          <a:bodyPr/>
+          <a:lstStyle/>
+          <a:p>
+            <a:r>
+              <a:rPr lang="en-US" smtClean="0"/>
+              <a:t>(c) 2012 HL7 International</a:t>
+            </a:r>
+            <a:endParaRPr lang="en-US" dirty="0"/>
+          </a:p>
+        </p:txBody>
+      </p:sp>
+      <p:sp>
+        <p:nvSpPr>
+          <p:cNvPr id="6" name="Date Placeholder 5"/>
+          <p:cNvSpPr>
+            <a:spLocks noGrp="1"/>
+          </p:cNvSpPr>
+          <p:nvPr>
+            <p:ph type="dt" sz="half" idx="10"/>
+          </p:nvPr>
+        </p:nvSpPr>
+        <p:spPr/>
+        <p:txBody>
+          <a:bodyPr/>
+          <a:lstStyle/>
+          <a:p>
+            <a:fld id="{AD693D7B-0109-48CC-853C-B679FEABE481}" type="datetime1">
+              <a:rPr lang="en-US" smtClean="0"/>
+              <a:t>5/22/2012</a:t>
+            </a:fld>
+            <a:endParaRPr lang="en-US"/>
+          </a:p>
+        </p:txBody>
+      </p:sp>
     </p:spTree>
     <p:extLst>
       <p:ext uri="{BB962C8B-B14F-4D97-AF65-F5344CB8AC3E}">
@@ -5628,6 +5969,76 @@
           </a:p>
         </p:txBody>
       </p:sp>
+      <p:sp>
+        <p:nvSpPr>
+          <p:cNvPr id="4" name="Slide Number Placeholder 3"/>
+          <p:cNvSpPr>
+            <a:spLocks noGrp="1"/>
+          </p:cNvSpPr>
+          <p:nvPr>
+            <p:ph type="sldNum" sz="quarter" idx="12"/>
+          </p:nvPr>
+        </p:nvSpPr>
+        <p:spPr/>
+        <p:txBody>
+          <a:bodyPr/>
+          <a:lstStyle/>
+          <a:p>
+            <a:fld id="{990B41CA-569D-40E7-8E58-026C0338B2C8}" type="slidenum">
+              <a:rPr lang="en-US" smtClean="0"/>
+              <a:pPr/>
+              <a:t>14</a:t>
+            </a:fld>
+            <a:endParaRPr lang="en-US"/>
+          </a:p>
+        </p:txBody>
+      </p:sp>
+      <p:sp>
+        <p:nvSpPr>
+          <p:cNvPr id="5" name="Footer Placeholder 4"/>
+          <p:cNvSpPr>
+            <a:spLocks noGrp="1"/>
+          </p:cNvSpPr>
+          <p:nvPr>
+            <p:ph type="ftr" sz="quarter" idx="11"/>
+          </p:nvPr>
+        </p:nvSpPr>
+        <p:spPr/>
+        <p:txBody>
+          <a:bodyPr/>
+          <a:lstStyle/>
+          <a:p>
+            <a:r>
+              <a:rPr lang="en-US" smtClean="0"/>
+              <a:t>(c) 2012 HL7 International</a:t>
+            </a:r>
+            <a:endParaRPr lang="en-US" dirty="0"/>
+          </a:p>
+        </p:txBody>
+      </p:sp>
+      <p:sp>
+        <p:nvSpPr>
+          <p:cNvPr id="6" name="Date Placeholder 5"/>
+          <p:cNvSpPr>
+            <a:spLocks noGrp="1"/>
+          </p:cNvSpPr>
+          <p:nvPr>
+            <p:ph type="dt" sz="half" idx="10"/>
+          </p:nvPr>
+        </p:nvSpPr>
+        <p:spPr/>
+        <p:txBody>
+          <a:bodyPr/>
+          <a:lstStyle/>
+          <a:p>
+            <a:fld id="{37DC2F88-FD54-451F-B2EA-6C065A8160BD}" type="datetime1">
+              <a:rPr lang="en-US" smtClean="0"/>
+              <a:t>5/22/2012</a:t>
+            </a:fld>
+            <a:endParaRPr lang="en-US"/>
+          </a:p>
+        </p:txBody>
+      </p:sp>
     </p:spTree>
     <p:extLst>
       <p:ext uri="{BB962C8B-B14F-4D97-AF65-F5344CB8AC3E}">
@@ -5734,6 +6145,76 @@
           </a:p>
         </p:txBody>
       </p:sp>
+      <p:sp>
+        <p:nvSpPr>
+          <p:cNvPr id="4" name="Slide Number Placeholder 3"/>
+          <p:cNvSpPr>
+            <a:spLocks noGrp="1"/>
+          </p:cNvSpPr>
+          <p:nvPr>
+            <p:ph type="sldNum" sz="quarter" idx="12"/>
+          </p:nvPr>
+        </p:nvSpPr>
+        <p:spPr/>
+        <p:txBody>
+          <a:bodyPr/>
+          <a:lstStyle/>
+          <a:p>
+            <a:fld id="{990B41CA-569D-40E7-8E58-026C0338B2C8}" type="slidenum">
+              <a:rPr lang="en-US" smtClean="0"/>
+              <a:pPr/>
+              <a:t>15</a:t>
+            </a:fld>
+            <a:endParaRPr lang="en-US"/>
+          </a:p>
+        </p:txBody>
+      </p:sp>
+      <p:sp>
+        <p:nvSpPr>
+          <p:cNvPr id="5" name="Footer Placeholder 4"/>
+          <p:cNvSpPr>
+            <a:spLocks noGrp="1"/>
+          </p:cNvSpPr>
+          <p:nvPr>
+            <p:ph type="ftr" sz="quarter" idx="11"/>
+          </p:nvPr>
+        </p:nvSpPr>
+        <p:spPr/>
+        <p:txBody>
+          <a:bodyPr/>
+          <a:lstStyle/>
+          <a:p>
+            <a:r>
+              <a:rPr lang="en-US" smtClean="0"/>
+              <a:t>(c) 2012 HL7 International</a:t>
+            </a:r>
+            <a:endParaRPr lang="en-US" dirty="0"/>
+          </a:p>
+        </p:txBody>
+      </p:sp>
+      <p:sp>
+        <p:nvSpPr>
+          <p:cNvPr id="6" name="Date Placeholder 5"/>
+          <p:cNvSpPr>
+            <a:spLocks noGrp="1"/>
+          </p:cNvSpPr>
+          <p:nvPr>
+            <p:ph type="dt" sz="half" idx="10"/>
+          </p:nvPr>
+        </p:nvSpPr>
+        <p:spPr/>
+        <p:txBody>
+          <a:bodyPr/>
+          <a:lstStyle/>
+          <a:p>
+            <a:fld id="{BB795354-2DB9-4793-AEB6-4BC2B3F8C0DB}" type="datetime1">
+              <a:rPr lang="en-US" smtClean="0"/>
+              <a:t>5/22/2012</a:t>
+            </a:fld>
+            <a:endParaRPr lang="en-US"/>
+          </a:p>
+        </p:txBody>
+      </p:sp>
     </p:spTree>
     <p:extLst>
       <p:ext uri="{BB962C8B-B14F-4D97-AF65-F5344CB8AC3E}">
@@ -5849,6 +6330,76 @@
           </a:p>
         </p:txBody>
       </p:sp>
+      <p:sp>
+        <p:nvSpPr>
+          <p:cNvPr id="4" name="Slide Number Placeholder 3"/>
+          <p:cNvSpPr>
+            <a:spLocks noGrp="1"/>
+          </p:cNvSpPr>
+          <p:nvPr>
+            <p:ph type="sldNum" sz="quarter" idx="12"/>
+          </p:nvPr>
+        </p:nvSpPr>
+        <p:spPr/>
+        <p:txBody>
+          <a:bodyPr/>
+          <a:lstStyle/>
+          <a:p>
+            <a:fld id="{990B41CA-569D-40E7-8E58-026C0338B2C8}" type="slidenum">
+              <a:rPr lang="en-US" smtClean="0"/>
+              <a:pPr/>
+              <a:t>16</a:t>
+            </a:fld>
+            <a:endParaRPr lang="en-US"/>
+          </a:p>
+        </p:txBody>
+      </p:sp>
+      <p:sp>
+        <p:nvSpPr>
+          <p:cNvPr id="5" name="Footer Placeholder 4"/>
+          <p:cNvSpPr>
+            <a:spLocks noGrp="1"/>
+          </p:cNvSpPr>
+          <p:nvPr>
+            <p:ph type="ftr" sz="quarter" idx="11"/>
+          </p:nvPr>
+        </p:nvSpPr>
+        <p:spPr/>
+        <p:txBody>
+          <a:bodyPr/>
+          <a:lstStyle/>
+          <a:p>
+            <a:r>
+              <a:rPr lang="en-US" smtClean="0"/>
+              <a:t>(c) 2012 HL7 International</a:t>
+            </a:r>
+            <a:endParaRPr lang="en-US" dirty="0"/>
+          </a:p>
+        </p:txBody>
+      </p:sp>
+      <p:sp>
+        <p:nvSpPr>
+          <p:cNvPr id="6" name="Date Placeholder 5"/>
+          <p:cNvSpPr>
+            <a:spLocks noGrp="1"/>
+          </p:cNvSpPr>
+          <p:nvPr>
+            <p:ph type="dt" sz="half" idx="10"/>
+          </p:nvPr>
+        </p:nvSpPr>
+        <p:spPr/>
+        <p:txBody>
+          <a:bodyPr/>
+          <a:lstStyle/>
+          <a:p>
+            <a:fld id="{F944C286-F8BA-4A21-84FC-114197C8D5C2}" type="datetime1">
+              <a:rPr lang="en-US" smtClean="0"/>
+              <a:t>5/22/2012</a:t>
+            </a:fld>
+            <a:endParaRPr lang="en-US"/>
+          </a:p>
+        </p:txBody>
+      </p:sp>
     </p:spTree>
     <p:extLst>
       <p:ext uri="{BB962C8B-B14F-4D97-AF65-F5344CB8AC3E}">
@@ -5902,6 +6453,76 @@
           </a:p>
         </p:txBody>
       </p:sp>
+      <p:sp>
+        <p:nvSpPr>
+          <p:cNvPr id="2" name="Slide Number Placeholder 1"/>
+          <p:cNvSpPr>
+            <a:spLocks noGrp="1"/>
+          </p:cNvSpPr>
+          <p:nvPr>
+            <p:ph type="sldNum" sz="quarter" idx="12"/>
+          </p:nvPr>
+        </p:nvSpPr>
+        <p:spPr/>
+        <p:txBody>
+          <a:bodyPr/>
+          <a:lstStyle/>
+          <a:p>
+            <a:fld id="{990B41CA-569D-40E7-8E58-026C0338B2C8}" type="slidenum">
+              <a:rPr lang="en-US" smtClean="0"/>
+              <a:pPr/>
+              <a:t>17</a:t>
+            </a:fld>
+            <a:endParaRPr lang="en-US"/>
+          </a:p>
+        </p:txBody>
+      </p:sp>
+      <p:sp>
+        <p:nvSpPr>
+          <p:cNvPr id="3" name="Footer Placeholder 2"/>
+          <p:cNvSpPr>
+            <a:spLocks noGrp="1"/>
+          </p:cNvSpPr>
+          <p:nvPr>
+            <p:ph type="ftr" sz="quarter" idx="11"/>
+          </p:nvPr>
+        </p:nvSpPr>
+        <p:spPr/>
+        <p:txBody>
+          <a:bodyPr/>
+          <a:lstStyle/>
+          <a:p>
+            <a:r>
+              <a:rPr lang="en-US" smtClean="0"/>
+              <a:t>(c) 2012 HL7 International</a:t>
+            </a:r>
+            <a:endParaRPr lang="en-US"/>
+          </a:p>
+        </p:txBody>
+      </p:sp>
+      <p:sp>
+        <p:nvSpPr>
+          <p:cNvPr id="4" name="Date Placeholder 3"/>
+          <p:cNvSpPr>
+            <a:spLocks noGrp="1"/>
+          </p:cNvSpPr>
+          <p:nvPr>
+            <p:ph type="dt" sz="half" idx="10"/>
+          </p:nvPr>
+        </p:nvSpPr>
+        <p:spPr/>
+        <p:txBody>
+          <a:bodyPr/>
+          <a:lstStyle/>
+          <a:p>
+            <a:fld id="{AAA39988-EB47-499D-BA23-938C92979124}" type="datetime1">
+              <a:rPr lang="en-US" smtClean="0"/>
+              <a:t>5/22/2012</a:t>
+            </a:fld>
+            <a:endParaRPr lang="en-US"/>
+          </a:p>
+        </p:txBody>
+      </p:sp>
     </p:spTree>
     <p:extLst>
       <p:ext uri="{BB962C8B-B14F-4D97-AF65-F5344CB8AC3E}">
@@ -6026,6 +6647,76 @@
           </a:p>
         </p:txBody>
       </p:sp>
+      <p:sp>
+        <p:nvSpPr>
+          <p:cNvPr id="4" name="Slide Number Placeholder 3"/>
+          <p:cNvSpPr>
+            <a:spLocks noGrp="1"/>
+          </p:cNvSpPr>
+          <p:nvPr>
+            <p:ph type="sldNum" sz="quarter" idx="12"/>
+          </p:nvPr>
+        </p:nvSpPr>
+        <p:spPr/>
+        <p:txBody>
+          <a:bodyPr/>
+          <a:lstStyle/>
+          <a:p>
+            <a:fld id="{990B41CA-569D-40E7-8E58-026C0338B2C8}" type="slidenum">
+              <a:rPr lang="en-US" smtClean="0"/>
+              <a:pPr/>
+              <a:t>18</a:t>
+            </a:fld>
+            <a:endParaRPr lang="en-US"/>
+          </a:p>
+        </p:txBody>
+      </p:sp>
+      <p:sp>
+        <p:nvSpPr>
+          <p:cNvPr id="5" name="Footer Placeholder 4"/>
+          <p:cNvSpPr>
+            <a:spLocks noGrp="1"/>
+          </p:cNvSpPr>
+          <p:nvPr>
+            <p:ph type="ftr" sz="quarter" idx="11"/>
+          </p:nvPr>
+        </p:nvSpPr>
+        <p:spPr/>
+        <p:txBody>
+          <a:bodyPr/>
+          <a:lstStyle/>
+          <a:p>
+            <a:r>
+              <a:rPr lang="en-US" smtClean="0"/>
+              <a:t>(c) 2012 HL7 International</a:t>
+            </a:r>
+            <a:endParaRPr lang="en-US" dirty="0"/>
+          </a:p>
+        </p:txBody>
+      </p:sp>
+      <p:sp>
+        <p:nvSpPr>
+          <p:cNvPr id="6" name="Date Placeholder 5"/>
+          <p:cNvSpPr>
+            <a:spLocks noGrp="1"/>
+          </p:cNvSpPr>
+          <p:nvPr>
+            <p:ph type="dt" sz="half" idx="10"/>
+          </p:nvPr>
+        </p:nvSpPr>
+        <p:spPr/>
+        <p:txBody>
+          <a:bodyPr/>
+          <a:lstStyle/>
+          <a:p>
+            <a:fld id="{9116D19E-933A-4EAA-AC36-80E174A6C19B}" type="datetime1">
+              <a:rPr lang="en-US" smtClean="0"/>
+              <a:t>5/22/2012</a:t>
+            </a:fld>
+            <a:endParaRPr lang="en-US"/>
+          </a:p>
+        </p:txBody>
+      </p:sp>
     </p:spTree>
     <p:extLst>
       <p:ext uri="{BB962C8B-B14F-4D97-AF65-F5344CB8AC3E}">
@@ -6113,11 +6804,7 @@
             <a:pPr lvl="1"/>
             <a:r>
               <a:rPr lang="en-US" dirty="0" smtClean="0"/>
-              <a:t>Rationale is mostly covered above in the “Why FHIR” section </a:t>
-            </a:r>
-            <a:r>
-              <a:rPr lang="en-US" dirty="0" smtClean="0"/>
-              <a:t>above</a:t>
+              <a:t>Rationale is mostly covered above in the “Why FHIR” section above</a:t>
             </a:r>
           </a:p>
           <a:p>
@@ -6126,7 +6813,6 @@
               <a:rPr lang="en-US" dirty="0" smtClean="0"/>
               <a:t>(and note the caveats about not abandoning v3)</a:t>
             </a:r>
-            <a:endParaRPr lang="en-US" dirty="0" smtClean="0"/>
           </a:p>
         </p:txBody>
       </p:sp>
@@ -6156,6 +6842,52 @@
               <a:t>19</a:t>
             </a:fld>
             <a:endParaRPr lang="en-CA" dirty="0"/>
+          </a:p>
+        </p:txBody>
+      </p:sp>
+      <p:sp>
+        <p:nvSpPr>
+          <p:cNvPr id="5" name="Footer Placeholder 4"/>
+          <p:cNvSpPr>
+            <a:spLocks noGrp="1"/>
+          </p:cNvSpPr>
+          <p:nvPr>
+            <p:ph type="ftr" sz="quarter" idx="11"/>
+          </p:nvPr>
+        </p:nvSpPr>
+        <p:spPr/>
+        <p:txBody>
+          <a:bodyPr/>
+          <a:lstStyle/>
+          <a:p>
+            <a:r>
+              <a:rPr lang="en-US" smtClean="0"/>
+              <a:t>(c) 2012 HL7 International</a:t>
+            </a:r>
+            <a:endParaRPr lang="en-US" dirty="0"/>
+          </a:p>
+        </p:txBody>
+      </p:sp>
+      <p:sp>
+        <p:nvSpPr>
+          <p:cNvPr id="6" name="Date Placeholder 5"/>
+          <p:cNvSpPr>
+            <a:spLocks noGrp="1"/>
+          </p:cNvSpPr>
+          <p:nvPr>
+            <p:ph type="dt" sz="half" idx="10"/>
+          </p:nvPr>
+        </p:nvSpPr>
+        <p:spPr/>
+        <p:txBody>
+          <a:bodyPr/>
+          <a:lstStyle/>
+          <a:p>
+            <a:fld id="{3949A3E1-A882-48B3-97B7-9686A4B4E784}" type="datetime1">
+              <a:rPr lang="en-US" smtClean="0"/>
+              <a:t>5/22/2012</a:t>
+            </a:fld>
+            <a:endParaRPr lang="en-US"/>
           </a:p>
         </p:txBody>
       </p:sp>
@@ -6252,6 +6984,76 @@
           </a:p>
         </p:txBody>
       </p:sp>
+      <p:sp>
+        <p:nvSpPr>
+          <p:cNvPr id="2" name="Slide Number Placeholder 1"/>
+          <p:cNvSpPr>
+            <a:spLocks noGrp="1"/>
+          </p:cNvSpPr>
+          <p:nvPr>
+            <p:ph type="sldNum" sz="quarter" idx="12"/>
+          </p:nvPr>
+        </p:nvSpPr>
+        <p:spPr/>
+        <p:txBody>
+          <a:bodyPr/>
+          <a:lstStyle/>
+          <a:p>
+            <a:fld id="{990B41CA-569D-40E7-8E58-026C0338B2C8}" type="slidenum">
+              <a:rPr lang="en-US" smtClean="0"/>
+              <a:pPr/>
+              <a:t>2</a:t>
+            </a:fld>
+            <a:endParaRPr lang="en-US"/>
+          </a:p>
+        </p:txBody>
+      </p:sp>
+      <p:sp>
+        <p:nvSpPr>
+          <p:cNvPr id="3" name="Footer Placeholder 2"/>
+          <p:cNvSpPr>
+            <a:spLocks noGrp="1"/>
+          </p:cNvSpPr>
+          <p:nvPr>
+            <p:ph type="ftr" sz="quarter" idx="11"/>
+          </p:nvPr>
+        </p:nvSpPr>
+        <p:spPr/>
+        <p:txBody>
+          <a:bodyPr/>
+          <a:lstStyle/>
+          <a:p>
+            <a:r>
+              <a:rPr lang="en-US" smtClean="0"/>
+              <a:t>(c) 2012 HL7 International</a:t>
+            </a:r>
+            <a:endParaRPr lang="en-US" dirty="0"/>
+          </a:p>
+        </p:txBody>
+      </p:sp>
+      <p:sp>
+        <p:nvSpPr>
+          <p:cNvPr id="4" name="Date Placeholder 3"/>
+          <p:cNvSpPr>
+            <a:spLocks noGrp="1"/>
+          </p:cNvSpPr>
+          <p:nvPr>
+            <p:ph type="dt" sz="half" idx="10"/>
+          </p:nvPr>
+        </p:nvSpPr>
+        <p:spPr/>
+        <p:txBody>
+          <a:bodyPr/>
+          <a:lstStyle/>
+          <a:p>
+            <a:fld id="{6FA70729-9C8D-45A6-89B4-85822647E13E}" type="datetime1">
+              <a:rPr lang="en-US" smtClean="0"/>
+              <a:t>5/22/2012</a:t>
+            </a:fld>
+            <a:endParaRPr lang="en-US"/>
+          </a:p>
+        </p:txBody>
+      </p:sp>
     </p:spTree>
     <p:extLst>
       <p:ext uri="{BB962C8B-B14F-4D97-AF65-F5344CB8AC3E}">
@@ -6413,6 +7215,52 @@
           </a:p>
         </p:txBody>
       </p:sp>
+      <p:sp>
+        <p:nvSpPr>
+          <p:cNvPr id="5" name="Footer Placeholder 4"/>
+          <p:cNvSpPr>
+            <a:spLocks noGrp="1"/>
+          </p:cNvSpPr>
+          <p:nvPr>
+            <p:ph type="ftr" sz="quarter" idx="11"/>
+          </p:nvPr>
+        </p:nvSpPr>
+        <p:spPr/>
+        <p:txBody>
+          <a:bodyPr/>
+          <a:lstStyle/>
+          <a:p>
+            <a:r>
+              <a:rPr lang="en-US" smtClean="0"/>
+              <a:t>(c) 2012 HL7 International</a:t>
+            </a:r>
+            <a:endParaRPr lang="en-US" dirty="0"/>
+          </a:p>
+        </p:txBody>
+      </p:sp>
+      <p:sp>
+        <p:nvSpPr>
+          <p:cNvPr id="6" name="Date Placeholder 5"/>
+          <p:cNvSpPr>
+            <a:spLocks noGrp="1"/>
+          </p:cNvSpPr>
+          <p:nvPr>
+            <p:ph type="dt" sz="half" idx="10"/>
+          </p:nvPr>
+        </p:nvSpPr>
+        <p:spPr/>
+        <p:txBody>
+          <a:bodyPr/>
+          <a:lstStyle/>
+          <a:p>
+            <a:fld id="{88EF519B-DEDB-48B4-BD2B-30D63376BD9C}" type="datetime1">
+              <a:rPr lang="en-US" smtClean="0"/>
+              <a:t>5/22/2012</a:t>
+            </a:fld>
+            <a:endParaRPr lang="en-US"/>
+          </a:p>
+        </p:txBody>
+      </p:sp>
     </p:spTree>
     <p:extLst>
       <p:ext uri="{BB962C8B-B14F-4D97-AF65-F5344CB8AC3E}">
@@ -6561,6 +7409,52 @@
           </a:p>
         </p:txBody>
       </p:sp>
+      <p:sp>
+        <p:nvSpPr>
+          <p:cNvPr id="5" name="Footer Placeholder 4"/>
+          <p:cNvSpPr>
+            <a:spLocks noGrp="1"/>
+          </p:cNvSpPr>
+          <p:nvPr>
+            <p:ph type="ftr" sz="quarter" idx="11"/>
+          </p:nvPr>
+        </p:nvSpPr>
+        <p:spPr/>
+        <p:txBody>
+          <a:bodyPr/>
+          <a:lstStyle/>
+          <a:p>
+            <a:r>
+              <a:rPr lang="en-US" smtClean="0"/>
+              <a:t>(c) 2012 HL7 International</a:t>
+            </a:r>
+            <a:endParaRPr lang="en-US" dirty="0"/>
+          </a:p>
+        </p:txBody>
+      </p:sp>
+      <p:sp>
+        <p:nvSpPr>
+          <p:cNvPr id="6" name="Date Placeholder 5"/>
+          <p:cNvSpPr>
+            <a:spLocks noGrp="1"/>
+          </p:cNvSpPr>
+          <p:nvPr>
+            <p:ph type="dt" sz="half" idx="10"/>
+          </p:nvPr>
+        </p:nvSpPr>
+        <p:spPr/>
+        <p:txBody>
+          <a:bodyPr/>
+          <a:lstStyle/>
+          <a:p>
+            <a:fld id="{CAF6B0F6-1469-4290-976F-664B995B17CA}" type="datetime1">
+              <a:rPr lang="en-US" smtClean="0"/>
+              <a:t>5/22/2012</a:t>
+            </a:fld>
+            <a:endParaRPr lang="en-US"/>
+          </a:p>
+        </p:txBody>
+      </p:sp>
     </p:spTree>
     <p:extLst>
       <p:ext uri="{BB962C8B-B14F-4D97-AF65-F5344CB8AC3E}">
@@ -6738,6 +7632,76 @@
               <a:t>(to design &amp; implement)</a:t>
             </a:r>
             <a:endParaRPr lang="en-CA" sz="2800" b="1" dirty="0"/>
+          </a:p>
+        </p:txBody>
+      </p:sp>
+      <p:sp>
+        <p:nvSpPr>
+          <p:cNvPr id="2" name="Slide Number Placeholder 1"/>
+          <p:cNvSpPr>
+            <a:spLocks noGrp="1"/>
+          </p:cNvSpPr>
+          <p:nvPr>
+            <p:ph type="sldNum" sz="quarter" idx="12"/>
+          </p:nvPr>
+        </p:nvSpPr>
+        <p:spPr/>
+        <p:txBody>
+          <a:bodyPr/>
+          <a:lstStyle/>
+          <a:p>
+            <a:fld id="{990B41CA-569D-40E7-8E58-026C0338B2C8}" type="slidenum">
+              <a:rPr lang="en-US" smtClean="0"/>
+              <a:pPr/>
+              <a:t>22</a:t>
+            </a:fld>
+            <a:endParaRPr lang="en-US"/>
+          </a:p>
+        </p:txBody>
+      </p:sp>
+      <p:sp>
+        <p:nvSpPr>
+          <p:cNvPr id="3" name="Footer Placeholder 2"/>
+          <p:cNvSpPr>
+            <a:spLocks noGrp="1"/>
+          </p:cNvSpPr>
+          <p:nvPr>
+            <p:ph type="ftr" sz="quarter" idx="11"/>
+          </p:nvPr>
+        </p:nvSpPr>
+        <p:spPr/>
+        <p:txBody>
+          <a:bodyPr/>
+          <a:lstStyle/>
+          <a:p>
+            <a:r>
+              <a:rPr lang="en-US" smtClean="0"/>
+              <a:t>(c) 2012 HL7 International</a:t>
+            </a:r>
+            <a:endParaRPr lang="en-US"/>
+          </a:p>
+        </p:txBody>
+      </p:sp>
+      <p:sp>
+        <p:nvSpPr>
+          <p:cNvPr id="4" name="Date Placeholder 3"/>
+          <p:cNvSpPr>
+            <a:spLocks noGrp="1"/>
+          </p:cNvSpPr>
+          <p:nvPr>
+            <p:ph type="dt" sz="half" idx="10"/>
+          </p:nvPr>
+        </p:nvSpPr>
+        <p:spPr/>
+        <p:txBody>
+          <a:bodyPr/>
+          <a:lstStyle/>
+          <a:p>
+            <a:fld id="{012A29A0-FEA7-42FB-BEA1-1F1B1640793D}" type="datetime1">
+              <a:rPr lang="en-US" smtClean="0"/>
+              <a:t>5/22/2012</a:t>
+            </a:fld>
+            <a:endParaRPr lang="en-US"/>
           </a:p>
         </p:txBody>
       </p:sp>
@@ -7397,6 +8361,76 @@
           </a:extLst>
         </p:spPr>
       </p:pic>
+      <p:sp>
+        <p:nvSpPr>
+          <p:cNvPr id="7" name="Slide Number Placeholder 6"/>
+          <p:cNvSpPr>
+            <a:spLocks noGrp="1"/>
+          </p:cNvSpPr>
+          <p:nvPr>
+            <p:ph type="sldNum" sz="quarter" idx="12"/>
+          </p:nvPr>
+        </p:nvSpPr>
+        <p:spPr/>
+        <p:txBody>
+          <a:bodyPr/>
+          <a:lstStyle/>
+          <a:p>
+            <a:fld id="{990B41CA-569D-40E7-8E58-026C0338B2C8}" type="slidenum">
+              <a:rPr lang="en-US" smtClean="0"/>
+              <a:pPr/>
+              <a:t>23</a:t>
+            </a:fld>
+            <a:endParaRPr lang="en-US"/>
+          </a:p>
+        </p:txBody>
+      </p:sp>
+      <p:sp>
+        <p:nvSpPr>
+          <p:cNvPr id="8" name="Footer Placeholder 7"/>
+          <p:cNvSpPr>
+            <a:spLocks noGrp="1"/>
+          </p:cNvSpPr>
+          <p:nvPr>
+            <p:ph type="ftr" sz="quarter" idx="11"/>
+          </p:nvPr>
+        </p:nvSpPr>
+        <p:spPr/>
+        <p:txBody>
+          <a:bodyPr/>
+          <a:lstStyle/>
+          <a:p>
+            <a:r>
+              <a:rPr lang="en-US" smtClean="0"/>
+              <a:t>(c) 2012 HL7 International</a:t>
+            </a:r>
+            <a:endParaRPr lang="en-US" dirty="0"/>
+          </a:p>
+        </p:txBody>
+      </p:sp>
+      <p:sp>
+        <p:nvSpPr>
+          <p:cNvPr id="9" name="Date Placeholder 8"/>
+          <p:cNvSpPr>
+            <a:spLocks noGrp="1"/>
+          </p:cNvSpPr>
+          <p:nvPr>
+            <p:ph type="dt" sz="half" idx="10"/>
+          </p:nvPr>
+        </p:nvSpPr>
+        <p:spPr/>
+        <p:txBody>
+          <a:bodyPr/>
+          <a:lstStyle/>
+          <a:p>
+            <a:fld id="{CD791EF0-E6BB-489B-9F4E-76B86922B987}" type="datetime1">
+              <a:rPr lang="en-US" smtClean="0"/>
+              <a:t>5/22/2012</a:t>
+            </a:fld>
+            <a:endParaRPr lang="en-US"/>
+          </a:p>
+        </p:txBody>
+      </p:sp>
     </p:spTree>
     <p:extLst>
       <p:ext uri="{BB962C8B-B14F-4D97-AF65-F5344CB8AC3E}">
@@ -7546,6 +8580,52 @@
           </a:p>
         </p:txBody>
       </p:sp>
+      <p:sp>
+        <p:nvSpPr>
+          <p:cNvPr id="5" name="Footer Placeholder 4"/>
+          <p:cNvSpPr>
+            <a:spLocks noGrp="1"/>
+          </p:cNvSpPr>
+          <p:nvPr>
+            <p:ph type="ftr" sz="quarter" idx="11"/>
+          </p:nvPr>
+        </p:nvSpPr>
+        <p:spPr/>
+        <p:txBody>
+          <a:bodyPr/>
+          <a:lstStyle/>
+          <a:p>
+            <a:r>
+              <a:rPr lang="en-US" smtClean="0"/>
+              <a:t>(c) 2012 HL7 International</a:t>
+            </a:r>
+            <a:endParaRPr lang="en-US" dirty="0"/>
+          </a:p>
+        </p:txBody>
+      </p:sp>
+      <p:sp>
+        <p:nvSpPr>
+          <p:cNvPr id="6" name="Date Placeholder 5"/>
+          <p:cNvSpPr>
+            <a:spLocks noGrp="1"/>
+          </p:cNvSpPr>
+          <p:nvPr>
+            <p:ph type="dt" sz="half" idx="10"/>
+          </p:nvPr>
+        </p:nvSpPr>
+        <p:spPr/>
+        <p:txBody>
+          <a:bodyPr/>
+          <a:lstStyle/>
+          <a:p>
+            <a:fld id="{55172277-E805-4602-BFEB-A226AE909D65}" type="datetime1">
+              <a:rPr lang="en-US" smtClean="0"/>
+              <a:t>5/22/2012</a:t>
+            </a:fld>
+            <a:endParaRPr lang="en-US"/>
+          </a:p>
+        </p:txBody>
+      </p:sp>
     </p:spTree>
     <p:extLst>
       <p:ext uri="{BB962C8B-B14F-4D97-AF65-F5344CB8AC3E}">
@@ -7685,6 +8765,52 @@
           </a:p>
         </p:txBody>
       </p:sp>
+      <p:sp>
+        <p:nvSpPr>
+          <p:cNvPr id="5" name="Footer Placeholder 4"/>
+          <p:cNvSpPr>
+            <a:spLocks noGrp="1"/>
+          </p:cNvSpPr>
+          <p:nvPr>
+            <p:ph type="ftr" sz="quarter" idx="11"/>
+          </p:nvPr>
+        </p:nvSpPr>
+        <p:spPr/>
+        <p:txBody>
+          <a:bodyPr/>
+          <a:lstStyle/>
+          <a:p>
+            <a:r>
+              <a:rPr lang="en-US" smtClean="0"/>
+              <a:t>(c) 2012 HL7 International</a:t>
+            </a:r>
+            <a:endParaRPr lang="en-US" dirty="0"/>
+          </a:p>
+        </p:txBody>
+      </p:sp>
+      <p:sp>
+        <p:nvSpPr>
+          <p:cNvPr id="6" name="Date Placeholder 5"/>
+          <p:cNvSpPr>
+            <a:spLocks noGrp="1"/>
+          </p:cNvSpPr>
+          <p:nvPr>
+            <p:ph type="dt" sz="half" idx="10"/>
+          </p:nvPr>
+        </p:nvSpPr>
+        <p:spPr/>
+        <p:txBody>
+          <a:bodyPr/>
+          <a:lstStyle/>
+          <a:p>
+            <a:fld id="{38D764A9-1A68-4A55-99C0-D9DB73DC1296}" type="datetime1">
+              <a:rPr lang="en-US" smtClean="0"/>
+              <a:t>5/22/2012</a:t>
+            </a:fld>
+            <a:endParaRPr lang="en-US"/>
+          </a:p>
+        </p:txBody>
+      </p:sp>
     </p:spTree>
     <p:extLst>
       <p:ext uri="{BB962C8B-B14F-4D97-AF65-F5344CB8AC3E}">
@@ -7738,6 +8864,76 @@
           </a:p>
         </p:txBody>
       </p:sp>
+      <p:sp>
+        <p:nvSpPr>
+          <p:cNvPr id="2" name="Slide Number Placeholder 1"/>
+          <p:cNvSpPr>
+            <a:spLocks noGrp="1"/>
+          </p:cNvSpPr>
+          <p:nvPr>
+            <p:ph type="sldNum" sz="quarter" idx="12"/>
+          </p:nvPr>
+        </p:nvSpPr>
+        <p:spPr/>
+        <p:txBody>
+          <a:bodyPr/>
+          <a:lstStyle/>
+          <a:p>
+            <a:fld id="{990B41CA-569D-40E7-8E58-026C0338B2C8}" type="slidenum">
+              <a:rPr lang="en-US" smtClean="0"/>
+              <a:pPr/>
+              <a:t>26</a:t>
+            </a:fld>
+            <a:endParaRPr lang="en-US"/>
+          </a:p>
+        </p:txBody>
+      </p:sp>
+      <p:sp>
+        <p:nvSpPr>
+          <p:cNvPr id="3" name="Footer Placeholder 2"/>
+          <p:cNvSpPr>
+            <a:spLocks noGrp="1"/>
+          </p:cNvSpPr>
+          <p:nvPr>
+            <p:ph type="ftr" sz="quarter" idx="11"/>
+          </p:nvPr>
+        </p:nvSpPr>
+        <p:spPr/>
+        <p:txBody>
+          <a:bodyPr/>
+          <a:lstStyle/>
+          <a:p>
+            <a:r>
+              <a:rPr lang="en-US" smtClean="0"/>
+              <a:t>(c) 2012 HL7 International</a:t>
+            </a:r>
+            <a:endParaRPr lang="en-US"/>
+          </a:p>
+        </p:txBody>
+      </p:sp>
+      <p:sp>
+        <p:nvSpPr>
+          <p:cNvPr id="4" name="Date Placeholder 3"/>
+          <p:cNvSpPr>
+            <a:spLocks noGrp="1"/>
+          </p:cNvSpPr>
+          <p:nvPr>
+            <p:ph type="dt" sz="half" idx="10"/>
+          </p:nvPr>
+        </p:nvSpPr>
+        <p:spPr/>
+        <p:txBody>
+          <a:bodyPr/>
+          <a:lstStyle/>
+          <a:p>
+            <a:fld id="{33B00FC4-1DE1-4737-8D8A-656834802425}" type="datetime1">
+              <a:rPr lang="en-US" smtClean="0"/>
+              <a:t>5/22/2012</a:t>
+            </a:fld>
+            <a:endParaRPr lang="en-US"/>
+          </a:p>
+        </p:txBody>
+      </p:sp>
     </p:spTree>
     <p:extLst>
       <p:ext uri="{BB962C8B-B14F-4D97-AF65-F5344CB8AC3E}">
@@ -7854,11 +9050,7 @@
           <a:p>
             <a:r>
               <a:rPr lang="en-US" dirty="0" smtClean="0"/>
-              <a:t>As significant as </a:t>
-            </a:r>
-            <a:r>
-              <a:rPr lang="en-US" dirty="0" smtClean="0"/>
-              <a:t>change from v2 to v3</a:t>
+              <a:t>As significant as change from v2 to v3</a:t>
             </a:r>
           </a:p>
           <a:p>
@@ -7922,6 +9114,76 @@
               <a:rPr lang="en-US" baseline="0" dirty="0" smtClean="0"/>
               <a:t> on RIM, vocab &amp; datatypes, but more hidden</a:t>
             </a:r>
+          </a:p>
+        </p:txBody>
+      </p:sp>
+      <p:sp>
+        <p:nvSpPr>
+          <p:cNvPr id="4" name="Slide Number Placeholder 3"/>
+          <p:cNvSpPr>
+            <a:spLocks noGrp="1"/>
+          </p:cNvSpPr>
+          <p:nvPr>
+            <p:ph type="sldNum" sz="quarter" idx="12"/>
+          </p:nvPr>
+        </p:nvSpPr>
+        <p:spPr/>
+        <p:txBody>
+          <a:bodyPr/>
+          <a:lstStyle/>
+          <a:p>
+            <a:fld id="{990B41CA-569D-40E7-8E58-026C0338B2C8}" type="slidenum">
+              <a:rPr lang="en-US" smtClean="0"/>
+              <a:pPr/>
+              <a:t>27</a:t>
+            </a:fld>
+            <a:endParaRPr lang="en-US"/>
+          </a:p>
+        </p:txBody>
+      </p:sp>
+      <p:sp>
+        <p:nvSpPr>
+          <p:cNvPr id="5" name="Footer Placeholder 4"/>
+          <p:cNvSpPr>
+            <a:spLocks noGrp="1"/>
+          </p:cNvSpPr>
+          <p:nvPr>
+            <p:ph type="ftr" sz="quarter" idx="11"/>
+          </p:nvPr>
+        </p:nvSpPr>
+        <p:spPr/>
+        <p:txBody>
+          <a:bodyPr/>
+          <a:lstStyle/>
+          <a:p>
+            <a:r>
+              <a:rPr lang="en-US" smtClean="0"/>
+              <a:t>(c) 2012 HL7 International</a:t>
+            </a:r>
+            <a:endParaRPr lang="en-US" dirty="0"/>
+          </a:p>
+        </p:txBody>
+      </p:sp>
+      <p:sp>
+        <p:nvSpPr>
+          <p:cNvPr id="6" name="Date Placeholder 5"/>
+          <p:cNvSpPr>
+            <a:spLocks noGrp="1"/>
+          </p:cNvSpPr>
+          <p:nvPr>
+            <p:ph type="dt" sz="half" idx="10"/>
+          </p:nvPr>
+        </p:nvSpPr>
+        <p:spPr/>
+        <p:txBody>
+          <a:bodyPr/>
+          <a:lstStyle/>
+          <a:p>
+            <a:fld id="{2DA6F309-1C2A-46F6-97C2-D1209EBC91B3}" type="datetime1">
+              <a:rPr lang="en-US" smtClean="0"/>
+              <a:t>5/22/2012</a:t>
+            </a:fld>
+            <a:endParaRPr lang="en-US"/>
           </a:p>
         </p:txBody>
       </p:sp>
@@ -8055,6 +9317,76 @@
           </a:p>
         </p:txBody>
       </p:sp>
+      <p:sp>
+        <p:nvSpPr>
+          <p:cNvPr id="4" name="Slide Number Placeholder 3"/>
+          <p:cNvSpPr>
+            <a:spLocks noGrp="1"/>
+          </p:cNvSpPr>
+          <p:nvPr>
+            <p:ph type="sldNum" sz="quarter" idx="12"/>
+          </p:nvPr>
+        </p:nvSpPr>
+        <p:spPr/>
+        <p:txBody>
+          <a:bodyPr/>
+          <a:lstStyle/>
+          <a:p>
+            <a:fld id="{990B41CA-569D-40E7-8E58-026C0338B2C8}" type="slidenum">
+              <a:rPr lang="en-US" smtClean="0"/>
+              <a:pPr/>
+              <a:t>28</a:t>
+            </a:fld>
+            <a:endParaRPr lang="en-US"/>
+          </a:p>
+        </p:txBody>
+      </p:sp>
+      <p:sp>
+        <p:nvSpPr>
+          <p:cNvPr id="5" name="Footer Placeholder 4"/>
+          <p:cNvSpPr>
+            <a:spLocks noGrp="1"/>
+          </p:cNvSpPr>
+          <p:nvPr>
+            <p:ph type="ftr" sz="quarter" idx="11"/>
+          </p:nvPr>
+        </p:nvSpPr>
+        <p:spPr/>
+        <p:txBody>
+          <a:bodyPr/>
+          <a:lstStyle/>
+          <a:p>
+            <a:r>
+              <a:rPr lang="en-US" smtClean="0"/>
+              <a:t>(c) 2012 HL7 International</a:t>
+            </a:r>
+            <a:endParaRPr lang="en-US" dirty="0"/>
+          </a:p>
+        </p:txBody>
+      </p:sp>
+      <p:sp>
+        <p:nvSpPr>
+          <p:cNvPr id="6" name="Date Placeholder 5"/>
+          <p:cNvSpPr>
+            <a:spLocks noGrp="1"/>
+          </p:cNvSpPr>
+          <p:nvPr>
+            <p:ph type="dt" sz="half" idx="10"/>
+          </p:nvPr>
+        </p:nvSpPr>
+        <p:spPr/>
+        <p:txBody>
+          <a:bodyPr/>
+          <a:lstStyle/>
+          <a:p>
+            <a:fld id="{8FCA521A-5C8A-4933-9234-1A0DD0C7D7AC}" type="datetime1">
+              <a:rPr lang="en-US" smtClean="0"/>
+              <a:t>5/22/2012</a:t>
+            </a:fld>
+            <a:endParaRPr lang="en-US"/>
+          </a:p>
+        </p:txBody>
+      </p:sp>
     </p:spTree>
     <p:extLst>
       <p:ext uri="{BB962C8B-B14F-4D97-AF65-F5344CB8AC3E}">
@@ -8197,6 +9529,76 @@
           </a:p>
         </p:txBody>
       </p:sp>
+      <p:sp>
+        <p:nvSpPr>
+          <p:cNvPr id="4" name="Slide Number Placeholder 3"/>
+          <p:cNvSpPr>
+            <a:spLocks noGrp="1"/>
+          </p:cNvSpPr>
+          <p:nvPr>
+            <p:ph type="sldNum" sz="quarter" idx="12"/>
+          </p:nvPr>
+        </p:nvSpPr>
+        <p:spPr/>
+        <p:txBody>
+          <a:bodyPr/>
+          <a:lstStyle/>
+          <a:p>
+            <a:fld id="{990B41CA-569D-40E7-8E58-026C0338B2C8}" type="slidenum">
+              <a:rPr lang="en-US" smtClean="0"/>
+              <a:pPr/>
+              <a:t>29</a:t>
+            </a:fld>
+            <a:endParaRPr lang="en-US"/>
+          </a:p>
+        </p:txBody>
+      </p:sp>
+      <p:sp>
+        <p:nvSpPr>
+          <p:cNvPr id="5" name="Footer Placeholder 4"/>
+          <p:cNvSpPr>
+            <a:spLocks noGrp="1"/>
+          </p:cNvSpPr>
+          <p:nvPr>
+            <p:ph type="ftr" sz="quarter" idx="11"/>
+          </p:nvPr>
+        </p:nvSpPr>
+        <p:spPr/>
+        <p:txBody>
+          <a:bodyPr/>
+          <a:lstStyle/>
+          <a:p>
+            <a:r>
+              <a:rPr lang="en-US" smtClean="0"/>
+              <a:t>(c) 2012 HL7 International</a:t>
+            </a:r>
+            <a:endParaRPr lang="en-US" dirty="0"/>
+          </a:p>
+        </p:txBody>
+      </p:sp>
+      <p:sp>
+        <p:nvSpPr>
+          <p:cNvPr id="6" name="Date Placeholder 5"/>
+          <p:cNvSpPr>
+            <a:spLocks noGrp="1"/>
+          </p:cNvSpPr>
+          <p:nvPr>
+            <p:ph type="dt" sz="half" idx="10"/>
+          </p:nvPr>
+        </p:nvSpPr>
+        <p:spPr/>
+        <p:txBody>
+          <a:bodyPr/>
+          <a:lstStyle/>
+          <a:p>
+            <a:fld id="{2B52868F-69E7-4819-B02B-6E24EF62759E}" type="datetime1">
+              <a:rPr lang="en-US" smtClean="0"/>
+              <a:t>5/22/2012</a:t>
+            </a:fld>
+            <a:endParaRPr lang="en-US"/>
+          </a:p>
+        </p:txBody>
+      </p:sp>
     </p:spTree>
     <p:extLst>
       <p:ext uri="{BB962C8B-B14F-4D97-AF65-F5344CB8AC3E}">
@@ -8302,6 +9704,76 @@
           </a:p>
         </p:txBody>
       </p:sp>
+      <p:sp>
+        <p:nvSpPr>
+          <p:cNvPr id="2" name="Slide Number Placeholder 1"/>
+          <p:cNvSpPr>
+            <a:spLocks noGrp="1"/>
+          </p:cNvSpPr>
+          <p:nvPr>
+            <p:ph type="sldNum" sz="quarter" idx="12"/>
+          </p:nvPr>
+        </p:nvSpPr>
+        <p:spPr/>
+        <p:txBody>
+          <a:bodyPr/>
+          <a:lstStyle/>
+          <a:p>
+            <a:fld id="{990B41CA-569D-40E7-8E58-026C0338B2C8}" type="slidenum">
+              <a:rPr lang="en-US" smtClean="0"/>
+              <a:pPr/>
+              <a:t>3</a:t>
+            </a:fld>
+            <a:endParaRPr lang="en-US"/>
+          </a:p>
+        </p:txBody>
+      </p:sp>
+      <p:sp>
+        <p:nvSpPr>
+          <p:cNvPr id="3" name="Footer Placeholder 2"/>
+          <p:cNvSpPr>
+            <a:spLocks noGrp="1"/>
+          </p:cNvSpPr>
+          <p:nvPr>
+            <p:ph type="ftr" sz="quarter" idx="11"/>
+          </p:nvPr>
+        </p:nvSpPr>
+        <p:spPr/>
+        <p:txBody>
+          <a:bodyPr/>
+          <a:lstStyle/>
+          <a:p>
+            <a:r>
+              <a:rPr lang="en-US" smtClean="0"/>
+              <a:t>(c) 2012 HL7 International</a:t>
+            </a:r>
+            <a:endParaRPr lang="en-US" dirty="0"/>
+          </a:p>
+        </p:txBody>
+      </p:sp>
+      <p:sp>
+        <p:nvSpPr>
+          <p:cNvPr id="6" name="Date Placeholder 5"/>
+          <p:cNvSpPr>
+            <a:spLocks noGrp="1"/>
+          </p:cNvSpPr>
+          <p:nvPr>
+            <p:ph type="dt" sz="half" idx="10"/>
+          </p:nvPr>
+        </p:nvSpPr>
+        <p:spPr/>
+        <p:txBody>
+          <a:bodyPr/>
+          <a:lstStyle/>
+          <a:p>
+            <a:fld id="{09221013-9EE4-447C-972A-5552B6A6AB0F}" type="datetime1">
+              <a:rPr lang="en-US" smtClean="0"/>
+              <a:t>5/22/2012</a:t>
+            </a:fld>
+            <a:endParaRPr lang="en-US"/>
+          </a:p>
+        </p:txBody>
+      </p:sp>
     </p:spTree>
     <p:extLst>
       <p:ext uri="{BB962C8B-B14F-4D97-AF65-F5344CB8AC3E}">
@@ -8448,6 +9920,52 @@
           </a:p>
         </p:txBody>
       </p:sp>
+      <p:sp>
+        <p:nvSpPr>
+          <p:cNvPr id="5" name="Footer Placeholder 4"/>
+          <p:cNvSpPr>
+            <a:spLocks noGrp="1"/>
+          </p:cNvSpPr>
+          <p:nvPr>
+            <p:ph type="ftr" sz="quarter" idx="11"/>
+          </p:nvPr>
+        </p:nvSpPr>
+        <p:spPr/>
+        <p:txBody>
+          <a:bodyPr/>
+          <a:lstStyle/>
+          <a:p>
+            <a:r>
+              <a:rPr lang="en-US" smtClean="0"/>
+              <a:t>(c) 2012 HL7 International</a:t>
+            </a:r>
+            <a:endParaRPr lang="en-US" dirty="0"/>
+          </a:p>
+        </p:txBody>
+      </p:sp>
+      <p:sp>
+        <p:nvSpPr>
+          <p:cNvPr id="6" name="Date Placeholder 5"/>
+          <p:cNvSpPr>
+            <a:spLocks noGrp="1"/>
+          </p:cNvSpPr>
+          <p:nvPr>
+            <p:ph type="dt" sz="half" idx="10"/>
+          </p:nvPr>
+        </p:nvSpPr>
+        <p:spPr/>
+        <p:txBody>
+          <a:bodyPr/>
+          <a:lstStyle/>
+          <a:p>
+            <a:fld id="{98B4A16E-21ED-4230-B786-4526169535CB}" type="datetime1">
+              <a:rPr lang="en-US" smtClean="0"/>
+              <a:t>5/22/2012</a:t>
+            </a:fld>
+            <a:endParaRPr lang="en-US"/>
+          </a:p>
+        </p:txBody>
+      </p:sp>
     </p:spTree>
     <p:extLst>
       <p:ext uri="{BB962C8B-B14F-4D97-AF65-F5344CB8AC3E}">
@@ -8615,6 +10133,76 @@
           </a:p>
         </p:txBody>
       </p:sp>
+      <p:sp>
+        <p:nvSpPr>
+          <p:cNvPr id="4" name="Slide Number Placeholder 3"/>
+          <p:cNvSpPr>
+            <a:spLocks noGrp="1"/>
+          </p:cNvSpPr>
+          <p:nvPr>
+            <p:ph type="sldNum" sz="quarter" idx="12"/>
+          </p:nvPr>
+        </p:nvSpPr>
+        <p:spPr/>
+        <p:txBody>
+          <a:bodyPr/>
+          <a:lstStyle/>
+          <a:p>
+            <a:fld id="{990B41CA-569D-40E7-8E58-026C0338B2C8}" type="slidenum">
+              <a:rPr lang="en-US" smtClean="0"/>
+              <a:pPr/>
+              <a:t>31</a:t>
+            </a:fld>
+            <a:endParaRPr lang="en-US"/>
+          </a:p>
+        </p:txBody>
+      </p:sp>
+      <p:sp>
+        <p:nvSpPr>
+          <p:cNvPr id="5" name="Footer Placeholder 4"/>
+          <p:cNvSpPr>
+            <a:spLocks noGrp="1"/>
+          </p:cNvSpPr>
+          <p:nvPr>
+            <p:ph type="ftr" sz="quarter" idx="11"/>
+          </p:nvPr>
+        </p:nvSpPr>
+        <p:spPr/>
+        <p:txBody>
+          <a:bodyPr/>
+          <a:lstStyle/>
+          <a:p>
+            <a:r>
+              <a:rPr lang="en-US" smtClean="0"/>
+              <a:t>(c) 2012 HL7 International</a:t>
+            </a:r>
+            <a:endParaRPr lang="en-US" dirty="0"/>
+          </a:p>
+        </p:txBody>
+      </p:sp>
+      <p:sp>
+        <p:nvSpPr>
+          <p:cNvPr id="6" name="Date Placeholder 5"/>
+          <p:cNvSpPr>
+            <a:spLocks noGrp="1"/>
+          </p:cNvSpPr>
+          <p:nvPr>
+            <p:ph type="dt" sz="half" idx="10"/>
+          </p:nvPr>
+        </p:nvSpPr>
+        <p:spPr/>
+        <p:txBody>
+          <a:bodyPr/>
+          <a:lstStyle/>
+          <a:p>
+            <a:fld id="{60424023-73DC-4D34-9FD4-C83AD58E1511}" type="datetime1">
+              <a:rPr lang="en-US" smtClean="0"/>
+              <a:t>5/22/2012</a:t>
+            </a:fld>
+            <a:endParaRPr lang="en-US"/>
+          </a:p>
+        </p:txBody>
+      </p:sp>
     </p:spTree>
     <p:extLst>
       <p:ext uri="{BB962C8B-B14F-4D97-AF65-F5344CB8AC3E}">
@@ -8812,6 +10400,52 @@
           </a:p>
         </p:txBody>
       </p:sp>
+      <p:sp>
+        <p:nvSpPr>
+          <p:cNvPr id="5" name="Footer Placeholder 4"/>
+          <p:cNvSpPr>
+            <a:spLocks noGrp="1"/>
+          </p:cNvSpPr>
+          <p:nvPr>
+            <p:ph type="ftr" sz="quarter" idx="11"/>
+          </p:nvPr>
+        </p:nvSpPr>
+        <p:spPr/>
+        <p:txBody>
+          <a:bodyPr/>
+          <a:lstStyle/>
+          <a:p>
+            <a:r>
+              <a:rPr lang="en-US" smtClean="0"/>
+              <a:t>(c) 2012 HL7 International</a:t>
+            </a:r>
+            <a:endParaRPr lang="en-US" dirty="0"/>
+          </a:p>
+        </p:txBody>
+      </p:sp>
+      <p:sp>
+        <p:nvSpPr>
+          <p:cNvPr id="6" name="Date Placeholder 5"/>
+          <p:cNvSpPr>
+            <a:spLocks noGrp="1"/>
+          </p:cNvSpPr>
+          <p:nvPr>
+            <p:ph type="dt" sz="half" idx="10"/>
+          </p:nvPr>
+        </p:nvSpPr>
+        <p:spPr/>
+        <p:txBody>
+          <a:bodyPr/>
+          <a:lstStyle/>
+          <a:p>
+            <a:fld id="{1ABBD27C-F221-4C63-9288-694B435E5045}" type="datetime1">
+              <a:rPr lang="en-US" smtClean="0"/>
+              <a:t>5/22/2012</a:t>
+            </a:fld>
+            <a:endParaRPr lang="en-US"/>
+          </a:p>
+        </p:txBody>
+      </p:sp>
     </p:spTree>
     <p:extLst>
       <p:ext uri="{BB962C8B-B14F-4D97-AF65-F5344CB8AC3E}">
@@ -9075,6 +10709,52 @@
           </a:p>
         </p:txBody>
       </p:sp>
+      <p:sp>
+        <p:nvSpPr>
+          <p:cNvPr id="5" name="Footer Placeholder 4"/>
+          <p:cNvSpPr>
+            <a:spLocks noGrp="1"/>
+          </p:cNvSpPr>
+          <p:nvPr>
+            <p:ph type="ftr" sz="quarter" idx="11"/>
+          </p:nvPr>
+        </p:nvSpPr>
+        <p:spPr/>
+        <p:txBody>
+          <a:bodyPr/>
+          <a:lstStyle/>
+          <a:p>
+            <a:r>
+              <a:rPr lang="en-US" smtClean="0"/>
+              <a:t>(c) 2012 HL7 International</a:t>
+            </a:r>
+            <a:endParaRPr lang="en-US" dirty="0"/>
+          </a:p>
+        </p:txBody>
+      </p:sp>
+      <p:sp>
+        <p:nvSpPr>
+          <p:cNvPr id="6" name="Date Placeholder 5"/>
+          <p:cNvSpPr>
+            <a:spLocks noGrp="1"/>
+          </p:cNvSpPr>
+          <p:nvPr>
+            <p:ph type="dt" sz="half" idx="10"/>
+          </p:nvPr>
+        </p:nvSpPr>
+        <p:spPr/>
+        <p:txBody>
+          <a:bodyPr/>
+          <a:lstStyle/>
+          <a:p>
+            <a:fld id="{C81F5F92-3AA2-4801-B798-FB311C149E5A}" type="datetime1">
+              <a:rPr lang="en-US" smtClean="0"/>
+              <a:t>5/22/2012</a:t>
+            </a:fld>
+            <a:endParaRPr lang="en-US"/>
+          </a:p>
+        </p:txBody>
+      </p:sp>
     </p:spTree>
     <p:extLst>
       <p:ext uri="{BB962C8B-B14F-4D97-AF65-F5344CB8AC3E}">
@@ -9258,6 +10938,52 @@
           </a:p>
         </p:txBody>
       </p:sp>
+      <p:sp>
+        <p:nvSpPr>
+          <p:cNvPr id="5" name="Footer Placeholder 4"/>
+          <p:cNvSpPr>
+            <a:spLocks noGrp="1"/>
+          </p:cNvSpPr>
+          <p:nvPr>
+            <p:ph type="ftr" sz="quarter" idx="11"/>
+          </p:nvPr>
+        </p:nvSpPr>
+        <p:spPr/>
+        <p:txBody>
+          <a:bodyPr/>
+          <a:lstStyle/>
+          <a:p>
+            <a:r>
+              <a:rPr lang="en-US" smtClean="0"/>
+              <a:t>(c) 2012 HL7 International</a:t>
+            </a:r>
+            <a:endParaRPr lang="en-US" dirty="0"/>
+          </a:p>
+        </p:txBody>
+      </p:sp>
+      <p:sp>
+        <p:nvSpPr>
+          <p:cNvPr id="6" name="Date Placeholder 5"/>
+          <p:cNvSpPr>
+            <a:spLocks noGrp="1"/>
+          </p:cNvSpPr>
+          <p:nvPr>
+            <p:ph type="dt" sz="half" idx="10"/>
+          </p:nvPr>
+        </p:nvSpPr>
+        <p:spPr/>
+        <p:txBody>
+          <a:bodyPr/>
+          <a:lstStyle/>
+          <a:p>
+            <a:fld id="{87294638-5A67-4263-BA93-3B972EE7FBC6}" type="datetime1">
+              <a:rPr lang="en-US" smtClean="0"/>
+              <a:t>5/22/2012</a:t>
+            </a:fld>
+            <a:endParaRPr lang="en-US"/>
+          </a:p>
+        </p:txBody>
+      </p:sp>
     </p:spTree>
     <p:extLst>
       <p:ext uri="{BB962C8B-B14F-4D97-AF65-F5344CB8AC3E}">
@@ -9428,6 +11154,52 @@
           </a:p>
         </p:txBody>
       </p:sp>
+      <p:sp>
+        <p:nvSpPr>
+          <p:cNvPr id="5" name="Footer Placeholder 4"/>
+          <p:cNvSpPr>
+            <a:spLocks noGrp="1"/>
+          </p:cNvSpPr>
+          <p:nvPr>
+            <p:ph type="ftr" sz="quarter" idx="11"/>
+          </p:nvPr>
+        </p:nvSpPr>
+        <p:spPr/>
+        <p:txBody>
+          <a:bodyPr/>
+          <a:lstStyle/>
+          <a:p>
+            <a:r>
+              <a:rPr lang="en-US" smtClean="0"/>
+              <a:t>(c) 2012 HL7 International</a:t>
+            </a:r>
+            <a:endParaRPr lang="en-US" dirty="0"/>
+          </a:p>
+        </p:txBody>
+      </p:sp>
+      <p:sp>
+        <p:nvSpPr>
+          <p:cNvPr id="6" name="Date Placeholder 5"/>
+          <p:cNvSpPr>
+            <a:spLocks noGrp="1"/>
+          </p:cNvSpPr>
+          <p:nvPr>
+            <p:ph type="dt" sz="half" idx="10"/>
+          </p:nvPr>
+        </p:nvSpPr>
+        <p:spPr/>
+        <p:txBody>
+          <a:bodyPr/>
+          <a:lstStyle/>
+          <a:p>
+            <a:fld id="{6817D42B-5CDC-4A04-BF03-5B6E1E9780C8}" type="datetime1">
+              <a:rPr lang="en-US" smtClean="0"/>
+              <a:t>5/22/2012</a:t>
+            </a:fld>
+            <a:endParaRPr lang="en-US"/>
+          </a:p>
+        </p:txBody>
+      </p:sp>
     </p:spTree>
     <p:extLst>
       <p:ext uri="{BB962C8B-B14F-4D97-AF65-F5344CB8AC3E}">
@@ -9553,6 +11325,76 @@
             <a:endParaRPr lang="en-CA" dirty="0" smtClean="0">
               <a:effectLst/>
             </a:endParaRPr>
+          </a:p>
+        </p:txBody>
+      </p:sp>
+      <p:sp>
+        <p:nvSpPr>
+          <p:cNvPr id="4" name="Slide Number Placeholder 3"/>
+          <p:cNvSpPr>
+            <a:spLocks noGrp="1"/>
+          </p:cNvSpPr>
+          <p:nvPr>
+            <p:ph type="sldNum" sz="quarter" idx="12"/>
+          </p:nvPr>
+        </p:nvSpPr>
+        <p:spPr/>
+        <p:txBody>
+          <a:bodyPr/>
+          <a:lstStyle/>
+          <a:p>
+            <a:fld id="{990B41CA-569D-40E7-8E58-026C0338B2C8}" type="slidenum">
+              <a:rPr lang="en-US" smtClean="0"/>
+              <a:pPr/>
+              <a:t>36</a:t>
+            </a:fld>
+            <a:endParaRPr lang="en-US"/>
+          </a:p>
+        </p:txBody>
+      </p:sp>
+      <p:sp>
+        <p:nvSpPr>
+          <p:cNvPr id="5" name="Footer Placeholder 4"/>
+          <p:cNvSpPr>
+            <a:spLocks noGrp="1"/>
+          </p:cNvSpPr>
+          <p:nvPr>
+            <p:ph type="ftr" sz="quarter" idx="11"/>
+          </p:nvPr>
+        </p:nvSpPr>
+        <p:spPr/>
+        <p:txBody>
+          <a:bodyPr/>
+          <a:lstStyle/>
+          <a:p>
+            <a:r>
+              <a:rPr lang="en-US" smtClean="0"/>
+              <a:t>(c) 2012 HL7 International</a:t>
+            </a:r>
+            <a:endParaRPr lang="en-US" dirty="0"/>
+          </a:p>
+        </p:txBody>
+      </p:sp>
+      <p:sp>
+        <p:nvSpPr>
+          <p:cNvPr id="6" name="Date Placeholder 5"/>
+          <p:cNvSpPr>
+            <a:spLocks noGrp="1"/>
+          </p:cNvSpPr>
+          <p:nvPr>
+            <p:ph type="dt" sz="half" idx="10"/>
+          </p:nvPr>
+        </p:nvSpPr>
+        <p:spPr/>
+        <p:txBody>
+          <a:bodyPr/>
+          <a:lstStyle/>
+          <a:p>
+            <a:fld id="{73CDE3B6-AC53-4747-A4DC-F5C53C1DBC49}" type="datetime1">
+              <a:rPr lang="en-US" smtClean="0"/>
+              <a:t>5/22/2012</a:t>
+            </a:fld>
+            <a:endParaRPr lang="en-US"/>
           </a:p>
         </p:txBody>
       </p:sp>
@@ -9676,6 +11518,76 @@
           </a:p>
         </p:txBody>
       </p:sp>
+      <p:sp>
+        <p:nvSpPr>
+          <p:cNvPr id="4" name="Slide Number Placeholder 3"/>
+          <p:cNvSpPr>
+            <a:spLocks noGrp="1"/>
+          </p:cNvSpPr>
+          <p:nvPr>
+            <p:ph type="sldNum" sz="quarter" idx="12"/>
+          </p:nvPr>
+        </p:nvSpPr>
+        <p:spPr/>
+        <p:txBody>
+          <a:bodyPr/>
+          <a:lstStyle/>
+          <a:p>
+            <a:fld id="{990B41CA-569D-40E7-8E58-026C0338B2C8}" type="slidenum">
+              <a:rPr lang="en-US" smtClean="0"/>
+              <a:pPr/>
+              <a:t>37</a:t>
+            </a:fld>
+            <a:endParaRPr lang="en-US"/>
+          </a:p>
+        </p:txBody>
+      </p:sp>
+      <p:sp>
+        <p:nvSpPr>
+          <p:cNvPr id="5" name="Footer Placeholder 4"/>
+          <p:cNvSpPr>
+            <a:spLocks noGrp="1"/>
+          </p:cNvSpPr>
+          <p:nvPr>
+            <p:ph type="ftr" sz="quarter" idx="11"/>
+          </p:nvPr>
+        </p:nvSpPr>
+        <p:spPr/>
+        <p:txBody>
+          <a:bodyPr/>
+          <a:lstStyle/>
+          <a:p>
+            <a:r>
+              <a:rPr lang="en-US" smtClean="0"/>
+              <a:t>(c) 2012 HL7 International</a:t>
+            </a:r>
+            <a:endParaRPr lang="en-US" dirty="0"/>
+          </a:p>
+        </p:txBody>
+      </p:sp>
+      <p:sp>
+        <p:nvSpPr>
+          <p:cNvPr id="6" name="Date Placeholder 5"/>
+          <p:cNvSpPr>
+            <a:spLocks noGrp="1"/>
+          </p:cNvSpPr>
+          <p:nvPr>
+            <p:ph type="dt" sz="half" idx="10"/>
+          </p:nvPr>
+        </p:nvSpPr>
+        <p:spPr/>
+        <p:txBody>
+          <a:bodyPr/>
+          <a:lstStyle/>
+          <a:p>
+            <a:fld id="{4386C03E-A391-4D9C-965F-D80F8EEC9576}" type="datetime1">
+              <a:rPr lang="en-US" smtClean="0"/>
+              <a:t>5/22/2012</a:t>
+            </a:fld>
+            <a:endParaRPr lang="en-US"/>
+          </a:p>
+        </p:txBody>
+      </p:sp>
     </p:spTree>
     <p:extLst>
       <p:ext uri="{BB962C8B-B14F-4D97-AF65-F5344CB8AC3E}">
@@ -9765,6 +11677,76 @@
           </a:xfrm>
         </p:spPr>
       </p:pic>
+      <p:sp>
+        <p:nvSpPr>
+          <p:cNvPr id="3" name="Slide Number Placeholder 2"/>
+          <p:cNvSpPr>
+            <a:spLocks noGrp="1"/>
+          </p:cNvSpPr>
+          <p:nvPr>
+            <p:ph type="sldNum" sz="quarter" idx="12"/>
+          </p:nvPr>
+        </p:nvSpPr>
+        <p:spPr/>
+        <p:txBody>
+          <a:bodyPr/>
+          <a:lstStyle/>
+          <a:p>
+            <a:fld id="{990B41CA-569D-40E7-8E58-026C0338B2C8}" type="slidenum">
+              <a:rPr lang="en-US" smtClean="0"/>
+              <a:pPr/>
+              <a:t>38</a:t>
+            </a:fld>
+            <a:endParaRPr lang="en-US"/>
+          </a:p>
+        </p:txBody>
+      </p:sp>
+      <p:sp>
+        <p:nvSpPr>
+          <p:cNvPr id="5" name="Footer Placeholder 4"/>
+          <p:cNvSpPr>
+            <a:spLocks noGrp="1"/>
+          </p:cNvSpPr>
+          <p:nvPr>
+            <p:ph type="ftr" sz="quarter" idx="11"/>
+          </p:nvPr>
+        </p:nvSpPr>
+        <p:spPr/>
+        <p:txBody>
+          <a:bodyPr/>
+          <a:lstStyle/>
+          <a:p>
+            <a:r>
+              <a:rPr lang="en-US" smtClean="0"/>
+              <a:t>(c) 2012 HL7 International</a:t>
+            </a:r>
+            <a:endParaRPr lang="en-US" dirty="0"/>
+          </a:p>
+        </p:txBody>
+      </p:sp>
+      <p:sp>
+        <p:nvSpPr>
+          <p:cNvPr id="6" name="Date Placeholder 5"/>
+          <p:cNvSpPr>
+            <a:spLocks noGrp="1"/>
+          </p:cNvSpPr>
+          <p:nvPr>
+            <p:ph type="dt" sz="half" idx="10"/>
+          </p:nvPr>
+        </p:nvSpPr>
+        <p:spPr/>
+        <p:txBody>
+          <a:bodyPr/>
+          <a:lstStyle/>
+          <a:p>
+            <a:fld id="{F060A5EC-4FA8-4F15-B059-6B2A45B909F4}" type="datetime1">
+              <a:rPr lang="en-US" smtClean="0"/>
+              <a:t>5/22/2012</a:t>
+            </a:fld>
+            <a:endParaRPr lang="en-US"/>
+          </a:p>
+        </p:txBody>
+      </p:sp>
     </p:spTree>
     <p:extLst>
       <p:ext uri="{BB962C8B-B14F-4D97-AF65-F5344CB8AC3E}">
@@ -9874,6 +11856,76 @@
           </a:p>
         </p:txBody>
       </p:sp>
+      <p:sp>
+        <p:nvSpPr>
+          <p:cNvPr id="3" name="Slide Number Placeholder 2"/>
+          <p:cNvSpPr>
+            <a:spLocks noGrp="1"/>
+          </p:cNvSpPr>
+          <p:nvPr>
+            <p:ph type="sldNum" sz="quarter" idx="12"/>
+          </p:nvPr>
+        </p:nvSpPr>
+        <p:spPr/>
+        <p:txBody>
+          <a:bodyPr/>
+          <a:lstStyle/>
+          <a:p>
+            <a:fld id="{990B41CA-569D-40E7-8E58-026C0338B2C8}" type="slidenum">
+              <a:rPr lang="en-US" smtClean="0"/>
+              <a:pPr/>
+              <a:t>39</a:t>
+            </a:fld>
+            <a:endParaRPr lang="en-US"/>
+          </a:p>
+        </p:txBody>
+      </p:sp>
+      <p:sp>
+        <p:nvSpPr>
+          <p:cNvPr id="6" name="Footer Placeholder 5"/>
+          <p:cNvSpPr>
+            <a:spLocks noGrp="1"/>
+          </p:cNvSpPr>
+          <p:nvPr>
+            <p:ph type="ftr" sz="quarter" idx="11"/>
+          </p:nvPr>
+        </p:nvSpPr>
+        <p:spPr/>
+        <p:txBody>
+          <a:bodyPr/>
+          <a:lstStyle/>
+          <a:p>
+            <a:r>
+              <a:rPr lang="en-US" smtClean="0"/>
+              <a:t>(c) 2012 HL7 International</a:t>
+            </a:r>
+            <a:endParaRPr lang="en-US" dirty="0"/>
+          </a:p>
+        </p:txBody>
+      </p:sp>
+      <p:sp>
+        <p:nvSpPr>
+          <p:cNvPr id="7" name="Date Placeholder 6"/>
+          <p:cNvSpPr>
+            <a:spLocks noGrp="1"/>
+          </p:cNvSpPr>
+          <p:nvPr>
+            <p:ph type="dt" sz="half" idx="10"/>
+          </p:nvPr>
+        </p:nvSpPr>
+        <p:spPr/>
+        <p:txBody>
+          <a:bodyPr/>
+          <a:lstStyle/>
+          <a:p>
+            <a:fld id="{9E082444-7864-4482-BA34-6C69EFC80C78}" type="datetime1">
+              <a:rPr lang="en-US" smtClean="0"/>
+              <a:t>5/22/2012</a:t>
+            </a:fld>
+            <a:endParaRPr lang="en-US"/>
+          </a:p>
+        </p:txBody>
+      </p:sp>
     </p:spTree>
     <p:extLst>
       <p:ext uri="{BB962C8B-B14F-4D97-AF65-F5344CB8AC3E}">
@@ -10027,6 +12079,76 @@
           </a:p>
         </p:txBody>
       </p:sp>
+      <p:sp>
+        <p:nvSpPr>
+          <p:cNvPr id="4" name="Slide Number Placeholder 3"/>
+          <p:cNvSpPr>
+            <a:spLocks noGrp="1"/>
+          </p:cNvSpPr>
+          <p:nvPr>
+            <p:ph type="sldNum" sz="quarter" idx="12"/>
+          </p:nvPr>
+        </p:nvSpPr>
+        <p:spPr/>
+        <p:txBody>
+          <a:bodyPr/>
+          <a:lstStyle/>
+          <a:p>
+            <a:fld id="{990B41CA-569D-40E7-8E58-026C0338B2C8}" type="slidenum">
+              <a:rPr lang="en-US" smtClean="0"/>
+              <a:pPr/>
+              <a:t>4</a:t>
+            </a:fld>
+            <a:endParaRPr lang="en-US"/>
+          </a:p>
+        </p:txBody>
+      </p:sp>
+      <p:sp>
+        <p:nvSpPr>
+          <p:cNvPr id="5" name="Footer Placeholder 4"/>
+          <p:cNvSpPr>
+            <a:spLocks noGrp="1"/>
+          </p:cNvSpPr>
+          <p:nvPr>
+            <p:ph type="ftr" sz="quarter" idx="11"/>
+          </p:nvPr>
+        </p:nvSpPr>
+        <p:spPr/>
+        <p:txBody>
+          <a:bodyPr/>
+          <a:lstStyle/>
+          <a:p>
+            <a:r>
+              <a:rPr lang="en-US" smtClean="0"/>
+              <a:t>(c) 2012 HL7 International</a:t>
+            </a:r>
+            <a:endParaRPr lang="en-US" dirty="0"/>
+          </a:p>
+        </p:txBody>
+      </p:sp>
+      <p:sp>
+        <p:nvSpPr>
+          <p:cNvPr id="6" name="Date Placeholder 5"/>
+          <p:cNvSpPr>
+            <a:spLocks noGrp="1"/>
+          </p:cNvSpPr>
+          <p:nvPr>
+            <p:ph type="dt" sz="half" idx="10"/>
+          </p:nvPr>
+        </p:nvSpPr>
+        <p:spPr/>
+        <p:txBody>
+          <a:bodyPr/>
+          <a:lstStyle/>
+          <a:p>
+            <a:fld id="{0E182B13-1D7B-490A-9113-8C036725D699}" type="datetime1">
+              <a:rPr lang="en-US" smtClean="0"/>
+              <a:t>5/22/2012</a:t>
+            </a:fld>
+            <a:endParaRPr lang="en-US"/>
+          </a:p>
+        </p:txBody>
+      </p:sp>
     </p:spTree>
     <p:extLst>
       <p:ext uri="{BB962C8B-B14F-4D97-AF65-F5344CB8AC3E}">
@@ -10195,6 +12317,76 @@
           </a:p>
         </p:txBody>
       </p:sp>
+      <p:sp>
+        <p:nvSpPr>
+          <p:cNvPr id="2" name="Slide Number Placeholder 1"/>
+          <p:cNvSpPr>
+            <a:spLocks noGrp="1"/>
+          </p:cNvSpPr>
+          <p:nvPr>
+            <p:ph type="sldNum" sz="quarter" idx="12"/>
+          </p:nvPr>
+        </p:nvSpPr>
+        <p:spPr/>
+        <p:txBody>
+          <a:bodyPr/>
+          <a:lstStyle/>
+          <a:p>
+            <a:fld id="{990B41CA-569D-40E7-8E58-026C0338B2C8}" type="slidenum">
+              <a:rPr lang="en-US" smtClean="0"/>
+              <a:pPr/>
+              <a:t>40</a:t>
+            </a:fld>
+            <a:endParaRPr lang="en-US"/>
+          </a:p>
+        </p:txBody>
+      </p:sp>
+      <p:sp>
+        <p:nvSpPr>
+          <p:cNvPr id="3" name="Footer Placeholder 2"/>
+          <p:cNvSpPr>
+            <a:spLocks noGrp="1"/>
+          </p:cNvSpPr>
+          <p:nvPr>
+            <p:ph type="ftr" sz="quarter" idx="11"/>
+          </p:nvPr>
+        </p:nvSpPr>
+        <p:spPr/>
+        <p:txBody>
+          <a:bodyPr/>
+          <a:lstStyle/>
+          <a:p>
+            <a:r>
+              <a:rPr lang="en-US" smtClean="0"/>
+              <a:t>(c) 2012 HL7 International</a:t>
+            </a:r>
+            <a:endParaRPr lang="en-US" dirty="0"/>
+          </a:p>
+        </p:txBody>
+      </p:sp>
+      <p:sp>
+        <p:nvSpPr>
+          <p:cNvPr id="6" name="Date Placeholder 5"/>
+          <p:cNvSpPr>
+            <a:spLocks noGrp="1"/>
+          </p:cNvSpPr>
+          <p:nvPr>
+            <p:ph type="dt" sz="half" idx="10"/>
+          </p:nvPr>
+        </p:nvSpPr>
+        <p:spPr/>
+        <p:txBody>
+          <a:bodyPr/>
+          <a:lstStyle/>
+          <a:p>
+            <a:fld id="{0A6F869D-3965-4B77-A75D-E2B1E6038635}" type="datetime1">
+              <a:rPr lang="en-US" smtClean="0"/>
+              <a:t>5/22/2012</a:t>
+            </a:fld>
+            <a:endParaRPr lang="en-US"/>
+          </a:p>
+        </p:txBody>
+      </p:sp>
     </p:spTree>
     <p:extLst>
       <p:ext uri="{BB962C8B-B14F-4D97-AF65-F5344CB8AC3E}">
@@ -10471,6 +12663,76 @@
           </a:p>
         </p:txBody>
       </p:sp>
+      <p:sp>
+        <p:nvSpPr>
+          <p:cNvPr id="2" name="Slide Number Placeholder 1"/>
+          <p:cNvSpPr>
+            <a:spLocks noGrp="1"/>
+          </p:cNvSpPr>
+          <p:nvPr>
+            <p:ph type="sldNum" sz="quarter" idx="12"/>
+          </p:nvPr>
+        </p:nvSpPr>
+        <p:spPr/>
+        <p:txBody>
+          <a:bodyPr/>
+          <a:lstStyle/>
+          <a:p>
+            <a:fld id="{990B41CA-569D-40E7-8E58-026C0338B2C8}" type="slidenum">
+              <a:rPr lang="en-US" smtClean="0"/>
+              <a:pPr/>
+              <a:t>41</a:t>
+            </a:fld>
+            <a:endParaRPr lang="en-US"/>
+          </a:p>
+        </p:txBody>
+      </p:sp>
+      <p:sp>
+        <p:nvSpPr>
+          <p:cNvPr id="3" name="Footer Placeholder 2"/>
+          <p:cNvSpPr>
+            <a:spLocks noGrp="1"/>
+          </p:cNvSpPr>
+          <p:nvPr>
+            <p:ph type="ftr" sz="quarter" idx="11"/>
+          </p:nvPr>
+        </p:nvSpPr>
+        <p:spPr/>
+        <p:txBody>
+          <a:bodyPr/>
+          <a:lstStyle/>
+          <a:p>
+            <a:r>
+              <a:rPr lang="en-US" smtClean="0"/>
+              <a:t>(c) 2012 HL7 International</a:t>
+            </a:r>
+            <a:endParaRPr lang="en-US" dirty="0"/>
+          </a:p>
+        </p:txBody>
+      </p:sp>
+      <p:sp>
+        <p:nvSpPr>
+          <p:cNvPr id="6" name="Date Placeholder 5"/>
+          <p:cNvSpPr>
+            <a:spLocks noGrp="1"/>
+          </p:cNvSpPr>
+          <p:nvPr>
+            <p:ph type="dt" sz="half" idx="10"/>
+          </p:nvPr>
+        </p:nvSpPr>
+        <p:spPr/>
+        <p:txBody>
+          <a:bodyPr/>
+          <a:lstStyle/>
+          <a:p>
+            <a:fld id="{2D503217-06AE-4D6D-9489-F2E5C5100FE0}" type="datetime1">
+              <a:rPr lang="en-US" smtClean="0"/>
+              <a:t>5/22/2012</a:t>
+            </a:fld>
+            <a:endParaRPr lang="en-US"/>
+          </a:p>
+        </p:txBody>
+      </p:sp>
     </p:spTree>
     <p:extLst>
       <p:ext uri="{BB962C8B-B14F-4D97-AF65-F5344CB8AC3E}">
@@ -10569,6 +12831,76 @@
           </a:p>
         </p:txBody>
       </p:sp>
+      <p:sp>
+        <p:nvSpPr>
+          <p:cNvPr id="4" name="Slide Number Placeholder 3"/>
+          <p:cNvSpPr>
+            <a:spLocks noGrp="1"/>
+          </p:cNvSpPr>
+          <p:nvPr>
+            <p:ph type="sldNum" sz="quarter" idx="12"/>
+          </p:nvPr>
+        </p:nvSpPr>
+        <p:spPr/>
+        <p:txBody>
+          <a:bodyPr/>
+          <a:lstStyle/>
+          <a:p>
+            <a:fld id="{990B41CA-569D-40E7-8E58-026C0338B2C8}" type="slidenum">
+              <a:rPr lang="en-US" smtClean="0"/>
+              <a:pPr/>
+              <a:t>42</a:t>
+            </a:fld>
+            <a:endParaRPr lang="en-US"/>
+          </a:p>
+        </p:txBody>
+      </p:sp>
+      <p:sp>
+        <p:nvSpPr>
+          <p:cNvPr id="5" name="Footer Placeholder 4"/>
+          <p:cNvSpPr>
+            <a:spLocks noGrp="1"/>
+          </p:cNvSpPr>
+          <p:nvPr>
+            <p:ph type="ftr" sz="quarter" idx="11"/>
+          </p:nvPr>
+        </p:nvSpPr>
+        <p:spPr/>
+        <p:txBody>
+          <a:bodyPr/>
+          <a:lstStyle/>
+          <a:p>
+            <a:r>
+              <a:rPr lang="en-US" smtClean="0"/>
+              <a:t>(c) 2012 HL7 International</a:t>
+            </a:r>
+            <a:endParaRPr lang="en-US" dirty="0"/>
+          </a:p>
+        </p:txBody>
+      </p:sp>
+      <p:sp>
+        <p:nvSpPr>
+          <p:cNvPr id="6" name="Date Placeholder 5"/>
+          <p:cNvSpPr>
+            <a:spLocks noGrp="1"/>
+          </p:cNvSpPr>
+          <p:nvPr>
+            <p:ph type="dt" sz="half" idx="10"/>
+          </p:nvPr>
+        </p:nvSpPr>
+        <p:spPr/>
+        <p:txBody>
+          <a:bodyPr/>
+          <a:lstStyle/>
+          <a:p>
+            <a:fld id="{7C530FFA-408A-4351-ACAB-B1B8ECBC90E5}" type="datetime1">
+              <a:rPr lang="en-US" smtClean="0"/>
+              <a:t>5/22/2012</a:t>
+            </a:fld>
+            <a:endParaRPr lang="en-US"/>
+          </a:p>
+        </p:txBody>
+      </p:sp>
     </p:spTree>
     <p:extLst>
       <p:ext uri="{BB962C8B-B14F-4D97-AF65-F5344CB8AC3E}">
@@ -10703,6 +13035,76 @@
               <a:rPr lang="en-US" dirty="0" smtClean="0"/>
               <a:t>Person, Patient, Prescription, etc.</a:t>
             </a:r>
+          </a:p>
+        </p:txBody>
+      </p:sp>
+      <p:sp>
+        <p:nvSpPr>
+          <p:cNvPr id="4" name="Slide Number Placeholder 3"/>
+          <p:cNvSpPr>
+            <a:spLocks noGrp="1"/>
+          </p:cNvSpPr>
+          <p:nvPr>
+            <p:ph type="sldNum" sz="quarter" idx="12"/>
+          </p:nvPr>
+        </p:nvSpPr>
+        <p:spPr/>
+        <p:txBody>
+          <a:bodyPr/>
+          <a:lstStyle/>
+          <a:p>
+            <a:fld id="{990B41CA-569D-40E7-8E58-026C0338B2C8}" type="slidenum">
+              <a:rPr lang="en-US" smtClean="0"/>
+              <a:pPr/>
+              <a:t>43</a:t>
+            </a:fld>
+            <a:endParaRPr lang="en-US"/>
+          </a:p>
+        </p:txBody>
+      </p:sp>
+      <p:sp>
+        <p:nvSpPr>
+          <p:cNvPr id="5" name="Footer Placeholder 4"/>
+          <p:cNvSpPr>
+            <a:spLocks noGrp="1"/>
+          </p:cNvSpPr>
+          <p:nvPr>
+            <p:ph type="ftr" sz="quarter" idx="11"/>
+          </p:nvPr>
+        </p:nvSpPr>
+        <p:spPr/>
+        <p:txBody>
+          <a:bodyPr/>
+          <a:lstStyle/>
+          <a:p>
+            <a:r>
+              <a:rPr lang="en-US" smtClean="0"/>
+              <a:t>(c) 2012 HL7 International</a:t>
+            </a:r>
+            <a:endParaRPr lang="en-US" dirty="0"/>
+          </a:p>
+        </p:txBody>
+      </p:sp>
+      <p:sp>
+        <p:nvSpPr>
+          <p:cNvPr id="6" name="Date Placeholder 5"/>
+          <p:cNvSpPr>
+            <a:spLocks noGrp="1"/>
+          </p:cNvSpPr>
+          <p:nvPr>
+            <p:ph type="dt" sz="half" idx="10"/>
+          </p:nvPr>
+        </p:nvSpPr>
+        <p:spPr/>
+        <p:txBody>
+          <a:bodyPr/>
+          <a:lstStyle/>
+          <a:p>
+            <a:fld id="{5EB4B306-CA87-4AB8-B828-03CA9FDB7049}" type="datetime1">
+              <a:rPr lang="en-US" smtClean="0"/>
+              <a:t>5/22/2012</a:t>
+            </a:fld>
+            <a:endParaRPr lang="en-US"/>
           </a:p>
         </p:txBody>
       </p:sp>
@@ -10857,6 +13259,76 @@
           </a:p>
         </p:txBody>
       </p:sp>
+      <p:sp>
+        <p:nvSpPr>
+          <p:cNvPr id="4" name="Slide Number Placeholder 3"/>
+          <p:cNvSpPr>
+            <a:spLocks noGrp="1"/>
+          </p:cNvSpPr>
+          <p:nvPr>
+            <p:ph type="sldNum" sz="quarter" idx="12"/>
+          </p:nvPr>
+        </p:nvSpPr>
+        <p:spPr/>
+        <p:txBody>
+          <a:bodyPr/>
+          <a:lstStyle/>
+          <a:p>
+            <a:fld id="{990B41CA-569D-40E7-8E58-026C0338B2C8}" type="slidenum">
+              <a:rPr lang="en-US" smtClean="0"/>
+              <a:pPr/>
+              <a:t>44</a:t>
+            </a:fld>
+            <a:endParaRPr lang="en-US"/>
+          </a:p>
+        </p:txBody>
+      </p:sp>
+      <p:sp>
+        <p:nvSpPr>
+          <p:cNvPr id="5" name="Footer Placeholder 4"/>
+          <p:cNvSpPr>
+            <a:spLocks noGrp="1"/>
+          </p:cNvSpPr>
+          <p:nvPr>
+            <p:ph type="ftr" sz="quarter" idx="11"/>
+          </p:nvPr>
+        </p:nvSpPr>
+        <p:spPr/>
+        <p:txBody>
+          <a:bodyPr/>
+          <a:lstStyle/>
+          <a:p>
+            <a:r>
+              <a:rPr lang="en-US" smtClean="0"/>
+              <a:t>(c) 2012 HL7 International</a:t>
+            </a:r>
+            <a:endParaRPr lang="en-US" dirty="0"/>
+          </a:p>
+        </p:txBody>
+      </p:sp>
+      <p:sp>
+        <p:nvSpPr>
+          <p:cNvPr id="6" name="Date Placeholder 5"/>
+          <p:cNvSpPr>
+            <a:spLocks noGrp="1"/>
+          </p:cNvSpPr>
+          <p:nvPr>
+            <p:ph type="dt" sz="half" idx="10"/>
+          </p:nvPr>
+        </p:nvSpPr>
+        <p:spPr/>
+        <p:txBody>
+          <a:bodyPr/>
+          <a:lstStyle/>
+          <a:p>
+            <a:fld id="{4690A10E-DF4C-4DC1-B4E6-943D4531BC47}" type="datetime1">
+              <a:rPr lang="en-US" smtClean="0"/>
+              <a:t>5/22/2012</a:t>
+            </a:fld>
+            <a:endParaRPr lang="en-US"/>
+          </a:p>
+        </p:txBody>
+      </p:sp>
     </p:spTree>
     <p:extLst>
       <p:ext uri="{BB962C8B-B14F-4D97-AF65-F5344CB8AC3E}">
@@ -10996,6 +13468,76 @@
           </a:p>
         </p:txBody>
       </p:sp>
+      <p:sp>
+        <p:nvSpPr>
+          <p:cNvPr id="4" name="Slide Number Placeholder 3"/>
+          <p:cNvSpPr>
+            <a:spLocks noGrp="1"/>
+          </p:cNvSpPr>
+          <p:nvPr>
+            <p:ph type="sldNum" sz="quarter" idx="12"/>
+          </p:nvPr>
+        </p:nvSpPr>
+        <p:spPr/>
+        <p:txBody>
+          <a:bodyPr/>
+          <a:lstStyle/>
+          <a:p>
+            <a:fld id="{990B41CA-569D-40E7-8E58-026C0338B2C8}" type="slidenum">
+              <a:rPr lang="en-US" smtClean="0"/>
+              <a:pPr/>
+              <a:t>45</a:t>
+            </a:fld>
+            <a:endParaRPr lang="en-US"/>
+          </a:p>
+        </p:txBody>
+      </p:sp>
+      <p:sp>
+        <p:nvSpPr>
+          <p:cNvPr id="5" name="Footer Placeholder 4"/>
+          <p:cNvSpPr>
+            <a:spLocks noGrp="1"/>
+          </p:cNvSpPr>
+          <p:nvPr>
+            <p:ph type="ftr" sz="quarter" idx="11"/>
+          </p:nvPr>
+        </p:nvSpPr>
+        <p:spPr/>
+        <p:txBody>
+          <a:bodyPr/>
+          <a:lstStyle/>
+          <a:p>
+            <a:r>
+              <a:rPr lang="en-US" smtClean="0"/>
+              <a:t>(c) 2012 HL7 International</a:t>
+            </a:r>
+            <a:endParaRPr lang="en-US" dirty="0"/>
+          </a:p>
+        </p:txBody>
+      </p:sp>
+      <p:sp>
+        <p:nvSpPr>
+          <p:cNvPr id="6" name="Date Placeholder 5"/>
+          <p:cNvSpPr>
+            <a:spLocks noGrp="1"/>
+          </p:cNvSpPr>
+          <p:nvPr>
+            <p:ph type="dt" sz="half" idx="10"/>
+          </p:nvPr>
+        </p:nvSpPr>
+        <p:spPr/>
+        <p:txBody>
+          <a:bodyPr/>
+          <a:lstStyle/>
+          <a:p>
+            <a:fld id="{EDE8183A-4051-46FB-A549-B4B0FC1748C9}" type="datetime1">
+              <a:rPr lang="en-US" smtClean="0"/>
+              <a:t>5/22/2012</a:t>
+            </a:fld>
+            <a:endParaRPr lang="en-US"/>
+          </a:p>
+        </p:txBody>
+      </p:sp>
     </p:spTree>
     <p:extLst>
       <p:ext uri="{BB962C8B-B14F-4D97-AF65-F5344CB8AC3E}">
@@ -11078,6 +13620,76 @@
           </a:xfrm>
         </p:spPr>
       </p:pic>
+      <p:sp>
+        <p:nvSpPr>
+          <p:cNvPr id="3" name="Slide Number Placeholder 2"/>
+          <p:cNvSpPr>
+            <a:spLocks noGrp="1"/>
+          </p:cNvSpPr>
+          <p:nvPr>
+            <p:ph type="sldNum" sz="quarter" idx="12"/>
+          </p:nvPr>
+        </p:nvSpPr>
+        <p:spPr/>
+        <p:txBody>
+          <a:bodyPr/>
+          <a:lstStyle/>
+          <a:p>
+            <a:fld id="{990B41CA-569D-40E7-8E58-026C0338B2C8}" type="slidenum">
+              <a:rPr lang="en-US" smtClean="0"/>
+              <a:pPr/>
+              <a:t>46</a:t>
+            </a:fld>
+            <a:endParaRPr lang="en-US"/>
+          </a:p>
+        </p:txBody>
+      </p:sp>
+      <p:sp>
+        <p:nvSpPr>
+          <p:cNvPr id="5" name="Footer Placeholder 4"/>
+          <p:cNvSpPr>
+            <a:spLocks noGrp="1"/>
+          </p:cNvSpPr>
+          <p:nvPr>
+            <p:ph type="ftr" sz="quarter" idx="11"/>
+          </p:nvPr>
+        </p:nvSpPr>
+        <p:spPr/>
+        <p:txBody>
+          <a:bodyPr/>
+          <a:lstStyle/>
+          <a:p>
+            <a:r>
+              <a:rPr lang="en-US" smtClean="0"/>
+              <a:t>(c) 2012 HL7 International</a:t>
+            </a:r>
+            <a:endParaRPr lang="en-US" dirty="0"/>
+          </a:p>
+        </p:txBody>
+      </p:sp>
+      <p:sp>
+        <p:nvSpPr>
+          <p:cNvPr id="6" name="Date Placeholder 5"/>
+          <p:cNvSpPr>
+            <a:spLocks noGrp="1"/>
+          </p:cNvSpPr>
+          <p:nvPr>
+            <p:ph type="dt" sz="half" idx="10"/>
+          </p:nvPr>
+        </p:nvSpPr>
+        <p:spPr/>
+        <p:txBody>
+          <a:bodyPr/>
+          <a:lstStyle/>
+          <a:p>
+            <a:fld id="{B9E0C6C7-C157-4F3D-9072-9D09897FD739}" type="datetime1">
+              <a:rPr lang="en-US" smtClean="0"/>
+              <a:t>5/22/2012</a:t>
+            </a:fld>
+            <a:endParaRPr lang="en-US"/>
+          </a:p>
+        </p:txBody>
+      </p:sp>
     </p:spTree>
     <p:extLst>
       <p:ext uri="{BB962C8B-B14F-4D97-AF65-F5344CB8AC3E}">
@@ -11212,6 +13824,76 @@
           </a:extLst>
         </p:spPr>
       </p:pic>
+      <p:sp>
+        <p:nvSpPr>
+          <p:cNvPr id="4" name="Slide Number Placeholder 3"/>
+          <p:cNvSpPr>
+            <a:spLocks noGrp="1"/>
+          </p:cNvSpPr>
+          <p:nvPr>
+            <p:ph type="sldNum" sz="quarter" idx="12"/>
+          </p:nvPr>
+        </p:nvSpPr>
+        <p:spPr/>
+        <p:txBody>
+          <a:bodyPr/>
+          <a:lstStyle/>
+          <a:p>
+            <a:fld id="{990B41CA-569D-40E7-8E58-026C0338B2C8}" type="slidenum">
+              <a:rPr lang="en-US" smtClean="0"/>
+              <a:pPr/>
+              <a:t>47</a:t>
+            </a:fld>
+            <a:endParaRPr lang="en-US"/>
+          </a:p>
+        </p:txBody>
+      </p:sp>
+      <p:sp>
+        <p:nvSpPr>
+          <p:cNvPr id="5" name="Footer Placeholder 4"/>
+          <p:cNvSpPr>
+            <a:spLocks noGrp="1"/>
+          </p:cNvSpPr>
+          <p:nvPr>
+            <p:ph type="ftr" sz="quarter" idx="11"/>
+          </p:nvPr>
+        </p:nvSpPr>
+        <p:spPr/>
+        <p:txBody>
+          <a:bodyPr/>
+          <a:lstStyle/>
+          <a:p>
+            <a:r>
+              <a:rPr lang="en-US" smtClean="0"/>
+              <a:t>(c) 2012 HL7 International</a:t>
+            </a:r>
+            <a:endParaRPr lang="en-US" dirty="0"/>
+          </a:p>
+        </p:txBody>
+      </p:sp>
+      <p:sp>
+        <p:nvSpPr>
+          <p:cNvPr id="6" name="Date Placeholder 5"/>
+          <p:cNvSpPr>
+            <a:spLocks noGrp="1"/>
+          </p:cNvSpPr>
+          <p:nvPr>
+            <p:ph type="dt" sz="half" idx="10"/>
+          </p:nvPr>
+        </p:nvSpPr>
+        <p:spPr/>
+        <p:txBody>
+          <a:bodyPr/>
+          <a:lstStyle/>
+          <a:p>
+            <a:fld id="{CB456CCF-E95C-4C07-B999-91E8F040F471}" type="datetime1">
+              <a:rPr lang="en-US" smtClean="0"/>
+              <a:t>5/22/2012</a:t>
+            </a:fld>
+            <a:endParaRPr lang="en-US"/>
+          </a:p>
+        </p:txBody>
+      </p:sp>
     </p:spTree>
     <p:extLst>
       <p:ext uri="{BB962C8B-B14F-4D97-AF65-F5344CB8AC3E}">
@@ -11348,6 +14030,76 @@
           </a:extLst>
         </p:spPr>
       </p:pic>
+      <p:sp>
+        <p:nvSpPr>
+          <p:cNvPr id="4" name="Slide Number Placeholder 3"/>
+          <p:cNvSpPr>
+            <a:spLocks noGrp="1"/>
+          </p:cNvSpPr>
+          <p:nvPr>
+            <p:ph type="sldNum" sz="quarter" idx="12"/>
+          </p:nvPr>
+        </p:nvSpPr>
+        <p:spPr/>
+        <p:txBody>
+          <a:bodyPr/>
+          <a:lstStyle/>
+          <a:p>
+            <a:fld id="{990B41CA-569D-40E7-8E58-026C0338B2C8}" type="slidenum">
+              <a:rPr lang="en-US" smtClean="0"/>
+              <a:pPr/>
+              <a:t>48</a:t>
+            </a:fld>
+            <a:endParaRPr lang="en-US"/>
+          </a:p>
+        </p:txBody>
+      </p:sp>
+      <p:sp>
+        <p:nvSpPr>
+          <p:cNvPr id="5" name="Footer Placeholder 4"/>
+          <p:cNvSpPr>
+            <a:spLocks noGrp="1"/>
+          </p:cNvSpPr>
+          <p:nvPr>
+            <p:ph type="ftr" sz="quarter" idx="11"/>
+          </p:nvPr>
+        </p:nvSpPr>
+        <p:spPr/>
+        <p:txBody>
+          <a:bodyPr/>
+          <a:lstStyle/>
+          <a:p>
+            <a:r>
+              <a:rPr lang="en-US" smtClean="0"/>
+              <a:t>(c) 2012 HL7 International</a:t>
+            </a:r>
+            <a:endParaRPr lang="en-US" dirty="0"/>
+          </a:p>
+        </p:txBody>
+      </p:sp>
+      <p:sp>
+        <p:nvSpPr>
+          <p:cNvPr id="6" name="Date Placeholder 5"/>
+          <p:cNvSpPr>
+            <a:spLocks noGrp="1"/>
+          </p:cNvSpPr>
+          <p:nvPr>
+            <p:ph type="dt" sz="half" idx="10"/>
+          </p:nvPr>
+        </p:nvSpPr>
+        <p:spPr/>
+        <p:txBody>
+          <a:bodyPr/>
+          <a:lstStyle/>
+          <a:p>
+            <a:fld id="{1BBCC4F4-A33C-4971-B28F-8974487BA97D}" type="datetime1">
+              <a:rPr lang="en-US" smtClean="0"/>
+              <a:t>5/22/2012</a:t>
+            </a:fld>
+            <a:endParaRPr lang="en-US"/>
+          </a:p>
+        </p:txBody>
+      </p:sp>
     </p:spTree>
     <p:extLst>
       <p:ext uri="{BB962C8B-B14F-4D97-AF65-F5344CB8AC3E}">
@@ -11484,6 +14236,76 @@
           </a:extLst>
         </p:spPr>
       </p:pic>
+      <p:sp>
+        <p:nvSpPr>
+          <p:cNvPr id="4" name="Slide Number Placeholder 3"/>
+          <p:cNvSpPr>
+            <a:spLocks noGrp="1"/>
+          </p:cNvSpPr>
+          <p:nvPr>
+            <p:ph type="sldNum" sz="quarter" idx="12"/>
+          </p:nvPr>
+        </p:nvSpPr>
+        <p:spPr/>
+        <p:txBody>
+          <a:bodyPr/>
+          <a:lstStyle/>
+          <a:p>
+            <a:fld id="{990B41CA-569D-40E7-8E58-026C0338B2C8}" type="slidenum">
+              <a:rPr lang="en-US" smtClean="0"/>
+              <a:pPr/>
+              <a:t>49</a:t>
+            </a:fld>
+            <a:endParaRPr lang="en-US"/>
+          </a:p>
+        </p:txBody>
+      </p:sp>
+      <p:sp>
+        <p:nvSpPr>
+          <p:cNvPr id="5" name="Footer Placeholder 4"/>
+          <p:cNvSpPr>
+            <a:spLocks noGrp="1"/>
+          </p:cNvSpPr>
+          <p:nvPr>
+            <p:ph type="ftr" sz="quarter" idx="11"/>
+          </p:nvPr>
+        </p:nvSpPr>
+        <p:spPr/>
+        <p:txBody>
+          <a:bodyPr/>
+          <a:lstStyle/>
+          <a:p>
+            <a:r>
+              <a:rPr lang="en-US" smtClean="0"/>
+              <a:t>(c) 2012 HL7 International</a:t>
+            </a:r>
+            <a:endParaRPr lang="en-US" dirty="0"/>
+          </a:p>
+        </p:txBody>
+      </p:sp>
+      <p:sp>
+        <p:nvSpPr>
+          <p:cNvPr id="6" name="Date Placeholder 5"/>
+          <p:cNvSpPr>
+            <a:spLocks noGrp="1"/>
+          </p:cNvSpPr>
+          <p:nvPr>
+            <p:ph type="dt" sz="half" idx="10"/>
+          </p:nvPr>
+        </p:nvSpPr>
+        <p:spPr/>
+        <p:txBody>
+          <a:bodyPr/>
+          <a:lstStyle/>
+          <a:p>
+            <a:fld id="{AFFF35E7-B1F1-4417-9C84-45EF0D06B26B}" type="datetime1">
+              <a:rPr lang="en-US" smtClean="0"/>
+              <a:t>5/22/2012</a:t>
+            </a:fld>
+            <a:endParaRPr lang="en-US"/>
+          </a:p>
+        </p:txBody>
+      </p:sp>
     </p:spTree>
     <p:extLst>
       <p:ext uri="{BB962C8B-B14F-4D97-AF65-F5344CB8AC3E}">
@@ -11574,6 +14396,76 @@
               <a:rPr lang="en-US" dirty="0" smtClean="0"/>
               <a:t>Much of what we tell you could change, at least somewhat, before it is stable</a:t>
             </a:r>
+          </a:p>
+        </p:txBody>
+      </p:sp>
+      <p:sp>
+        <p:nvSpPr>
+          <p:cNvPr id="4" name="Slide Number Placeholder 3"/>
+          <p:cNvSpPr>
+            <a:spLocks noGrp="1"/>
+          </p:cNvSpPr>
+          <p:nvPr>
+            <p:ph type="sldNum" sz="quarter" idx="12"/>
+          </p:nvPr>
+        </p:nvSpPr>
+        <p:spPr/>
+        <p:txBody>
+          <a:bodyPr/>
+          <a:lstStyle/>
+          <a:p>
+            <a:fld id="{990B41CA-569D-40E7-8E58-026C0338B2C8}" type="slidenum">
+              <a:rPr lang="en-US" smtClean="0"/>
+              <a:pPr/>
+              <a:t>5</a:t>
+            </a:fld>
+            <a:endParaRPr lang="en-US"/>
+          </a:p>
+        </p:txBody>
+      </p:sp>
+      <p:sp>
+        <p:nvSpPr>
+          <p:cNvPr id="5" name="Footer Placeholder 4"/>
+          <p:cNvSpPr>
+            <a:spLocks noGrp="1"/>
+          </p:cNvSpPr>
+          <p:nvPr>
+            <p:ph type="ftr" sz="quarter" idx="11"/>
+          </p:nvPr>
+        </p:nvSpPr>
+        <p:spPr/>
+        <p:txBody>
+          <a:bodyPr/>
+          <a:lstStyle/>
+          <a:p>
+            <a:r>
+              <a:rPr lang="en-US" smtClean="0"/>
+              <a:t>(c) 2012 HL7 International</a:t>
+            </a:r>
+            <a:endParaRPr lang="en-US" dirty="0"/>
+          </a:p>
+        </p:txBody>
+      </p:sp>
+      <p:sp>
+        <p:nvSpPr>
+          <p:cNvPr id="6" name="Date Placeholder 5"/>
+          <p:cNvSpPr>
+            <a:spLocks noGrp="1"/>
+          </p:cNvSpPr>
+          <p:nvPr>
+            <p:ph type="dt" sz="half" idx="10"/>
+          </p:nvPr>
+        </p:nvSpPr>
+        <p:spPr/>
+        <p:txBody>
+          <a:bodyPr/>
+          <a:lstStyle/>
+          <a:p>
+            <a:fld id="{56C2E875-CB16-4200-BAA8-F2E28618530F}" type="datetime1">
+              <a:rPr lang="en-US" smtClean="0"/>
+              <a:t>5/22/2012</a:t>
+            </a:fld>
+            <a:endParaRPr lang="en-US"/>
           </a:p>
         </p:txBody>
       </p:sp>
@@ -11720,6 +14612,76 @@
           </a:extLst>
         </p:spPr>
       </p:pic>
+      <p:sp>
+        <p:nvSpPr>
+          <p:cNvPr id="4" name="Slide Number Placeholder 3"/>
+          <p:cNvSpPr>
+            <a:spLocks noGrp="1"/>
+          </p:cNvSpPr>
+          <p:nvPr>
+            <p:ph type="sldNum" sz="quarter" idx="12"/>
+          </p:nvPr>
+        </p:nvSpPr>
+        <p:spPr/>
+        <p:txBody>
+          <a:bodyPr/>
+          <a:lstStyle/>
+          <a:p>
+            <a:fld id="{990B41CA-569D-40E7-8E58-026C0338B2C8}" type="slidenum">
+              <a:rPr lang="en-US" smtClean="0"/>
+              <a:pPr/>
+              <a:t>50</a:t>
+            </a:fld>
+            <a:endParaRPr lang="en-US"/>
+          </a:p>
+        </p:txBody>
+      </p:sp>
+      <p:sp>
+        <p:nvSpPr>
+          <p:cNvPr id="5" name="Footer Placeholder 4"/>
+          <p:cNvSpPr>
+            <a:spLocks noGrp="1"/>
+          </p:cNvSpPr>
+          <p:nvPr>
+            <p:ph type="ftr" sz="quarter" idx="11"/>
+          </p:nvPr>
+        </p:nvSpPr>
+        <p:spPr/>
+        <p:txBody>
+          <a:bodyPr/>
+          <a:lstStyle/>
+          <a:p>
+            <a:r>
+              <a:rPr lang="en-US" smtClean="0"/>
+              <a:t>(c) 2012 HL7 International</a:t>
+            </a:r>
+            <a:endParaRPr lang="en-US" dirty="0"/>
+          </a:p>
+        </p:txBody>
+      </p:sp>
+      <p:sp>
+        <p:nvSpPr>
+          <p:cNvPr id="6" name="Date Placeholder 5"/>
+          <p:cNvSpPr>
+            <a:spLocks noGrp="1"/>
+          </p:cNvSpPr>
+          <p:nvPr>
+            <p:ph type="dt" sz="half" idx="10"/>
+          </p:nvPr>
+        </p:nvSpPr>
+        <p:spPr/>
+        <p:txBody>
+          <a:bodyPr/>
+          <a:lstStyle/>
+          <a:p>
+            <a:fld id="{3936068B-9512-478F-9822-E6A80E81D1FE}" type="datetime1">
+              <a:rPr lang="en-US" smtClean="0"/>
+              <a:t>5/22/2012</a:t>
+            </a:fld>
+            <a:endParaRPr lang="en-US"/>
+          </a:p>
+        </p:txBody>
+      </p:sp>
     </p:spTree>
     <p:extLst>
       <p:ext uri="{BB962C8B-B14F-4D97-AF65-F5344CB8AC3E}">
@@ -11856,6 +14818,76 @@
           </a:extLst>
         </p:spPr>
       </p:pic>
+      <p:sp>
+        <p:nvSpPr>
+          <p:cNvPr id="4" name="Slide Number Placeholder 3"/>
+          <p:cNvSpPr>
+            <a:spLocks noGrp="1"/>
+          </p:cNvSpPr>
+          <p:nvPr>
+            <p:ph type="sldNum" sz="quarter" idx="12"/>
+          </p:nvPr>
+        </p:nvSpPr>
+        <p:spPr/>
+        <p:txBody>
+          <a:bodyPr/>
+          <a:lstStyle/>
+          <a:p>
+            <a:fld id="{990B41CA-569D-40E7-8E58-026C0338B2C8}" type="slidenum">
+              <a:rPr lang="en-US" smtClean="0"/>
+              <a:pPr/>
+              <a:t>51</a:t>
+            </a:fld>
+            <a:endParaRPr lang="en-US"/>
+          </a:p>
+        </p:txBody>
+      </p:sp>
+      <p:sp>
+        <p:nvSpPr>
+          <p:cNvPr id="5" name="Footer Placeholder 4"/>
+          <p:cNvSpPr>
+            <a:spLocks noGrp="1"/>
+          </p:cNvSpPr>
+          <p:nvPr>
+            <p:ph type="ftr" sz="quarter" idx="11"/>
+          </p:nvPr>
+        </p:nvSpPr>
+        <p:spPr/>
+        <p:txBody>
+          <a:bodyPr/>
+          <a:lstStyle/>
+          <a:p>
+            <a:r>
+              <a:rPr lang="en-US" smtClean="0"/>
+              <a:t>(c) 2012 HL7 International</a:t>
+            </a:r>
+            <a:endParaRPr lang="en-US" dirty="0"/>
+          </a:p>
+        </p:txBody>
+      </p:sp>
+      <p:sp>
+        <p:nvSpPr>
+          <p:cNvPr id="6" name="Date Placeholder 5"/>
+          <p:cNvSpPr>
+            <a:spLocks noGrp="1"/>
+          </p:cNvSpPr>
+          <p:nvPr>
+            <p:ph type="dt" sz="half" idx="10"/>
+          </p:nvPr>
+        </p:nvSpPr>
+        <p:spPr/>
+        <p:txBody>
+          <a:bodyPr/>
+          <a:lstStyle/>
+          <a:p>
+            <a:fld id="{F42A566F-3E6B-4C19-A1D0-9E118390C5B2}" type="datetime1">
+              <a:rPr lang="en-US" smtClean="0"/>
+              <a:t>5/22/2012</a:t>
+            </a:fld>
+            <a:endParaRPr lang="en-US"/>
+          </a:p>
+        </p:txBody>
+      </p:sp>
     </p:spTree>
     <p:extLst>
       <p:ext uri="{BB962C8B-B14F-4D97-AF65-F5344CB8AC3E}">
@@ -11992,6 +15024,76 @@
           </a:extLst>
         </p:spPr>
       </p:pic>
+      <p:sp>
+        <p:nvSpPr>
+          <p:cNvPr id="4" name="Slide Number Placeholder 3"/>
+          <p:cNvSpPr>
+            <a:spLocks noGrp="1"/>
+          </p:cNvSpPr>
+          <p:nvPr>
+            <p:ph type="sldNum" sz="quarter" idx="12"/>
+          </p:nvPr>
+        </p:nvSpPr>
+        <p:spPr/>
+        <p:txBody>
+          <a:bodyPr/>
+          <a:lstStyle/>
+          <a:p>
+            <a:fld id="{990B41CA-569D-40E7-8E58-026C0338B2C8}" type="slidenum">
+              <a:rPr lang="en-US" smtClean="0"/>
+              <a:pPr/>
+              <a:t>52</a:t>
+            </a:fld>
+            <a:endParaRPr lang="en-US"/>
+          </a:p>
+        </p:txBody>
+      </p:sp>
+      <p:sp>
+        <p:nvSpPr>
+          <p:cNvPr id="5" name="Footer Placeholder 4"/>
+          <p:cNvSpPr>
+            <a:spLocks noGrp="1"/>
+          </p:cNvSpPr>
+          <p:nvPr>
+            <p:ph type="ftr" sz="quarter" idx="11"/>
+          </p:nvPr>
+        </p:nvSpPr>
+        <p:spPr/>
+        <p:txBody>
+          <a:bodyPr/>
+          <a:lstStyle/>
+          <a:p>
+            <a:r>
+              <a:rPr lang="en-US" smtClean="0"/>
+              <a:t>(c) 2012 HL7 International</a:t>
+            </a:r>
+            <a:endParaRPr lang="en-US" dirty="0"/>
+          </a:p>
+        </p:txBody>
+      </p:sp>
+      <p:sp>
+        <p:nvSpPr>
+          <p:cNvPr id="6" name="Date Placeholder 5"/>
+          <p:cNvSpPr>
+            <a:spLocks noGrp="1"/>
+          </p:cNvSpPr>
+          <p:nvPr>
+            <p:ph type="dt" sz="half" idx="10"/>
+          </p:nvPr>
+        </p:nvSpPr>
+        <p:spPr/>
+        <p:txBody>
+          <a:bodyPr/>
+          <a:lstStyle/>
+          <a:p>
+            <a:fld id="{CD55711F-7B32-4E6D-8EBE-3763A0A48E6D}" type="datetime1">
+              <a:rPr lang="en-US" smtClean="0"/>
+              <a:t>5/22/2012</a:t>
+            </a:fld>
+            <a:endParaRPr lang="en-US"/>
+          </a:p>
+        </p:txBody>
+      </p:sp>
     </p:spTree>
     <p:extLst>
       <p:ext uri="{BB962C8B-B14F-4D97-AF65-F5344CB8AC3E}">
@@ -12137,6 +15239,76 @@
           </a:extLst>
         </p:spPr>
       </p:pic>
+      <p:sp>
+        <p:nvSpPr>
+          <p:cNvPr id="4" name="Slide Number Placeholder 3"/>
+          <p:cNvSpPr>
+            <a:spLocks noGrp="1"/>
+          </p:cNvSpPr>
+          <p:nvPr>
+            <p:ph type="sldNum" sz="quarter" idx="12"/>
+          </p:nvPr>
+        </p:nvSpPr>
+        <p:spPr/>
+        <p:txBody>
+          <a:bodyPr/>
+          <a:lstStyle/>
+          <a:p>
+            <a:fld id="{990B41CA-569D-40E7-8E58-026C0338B2C8}" type="slidenum">
+              <a:rPr lang="en-US" smtClean="0"/>
+              <a:pPr/>
+              <a:t>53</a:t>
+            </a:fld>
+            <a:endParaRPr lang="en-US"/>
+          </a:p>
+        </p:txBody>
+      </p:sp>
+      <p:sp>
+        <p:nvSpPr>
+          <p:cNvPr id="5" name="Footer Placeholder 4"/>
+          <p:cNvSpPr>
+            <a:spLocks noGrp="1"/>
+          </p:cNvSpPr>
+          <p:nvPr>
+            <p:ph type="ftr" sz="quarter" idx="11"/>
+          </p:nvPr>
+        </p:nvSpPr>
+        <p:spPr/>
+        <p:txBody>
+          <a:bodyPr/>
+          <a:lstStyle/>
+          <a:p>
+            <a:r>
+              <a:rPr lang="en-US" smtClean="0"/>
+              <a:t>(c) 2012 HL7 International</a:t>
+            </a:r>
+            <a:endParaRPr lang="en-US" dirty="0"/>
+          </a:p>
+        </p:txBody>
+      </p:sp>
+      <p:sp>
+        <p:nvSpPr>
+          <p:cNvPr id="6" name="Date Placeholder 5"/>
+          <p:cNvSpPr>
+            <a:spLocks noGrp="1"/>
+          </p:cNvSpPr>
+          <p:nvPr>
+            <p:ph type="dt" sz="half" idx="10"/>
+          </p:nvPr>
+        </p:nvSpPr>
+        <p:spPr/>
+        <p:txBody>
+          <a:bodyPr/>
+          <a:lstStyle/>
+          <a:p>
+            <a:fld id="{9B438BF5-5104-47B1-A0EF-08C3E141E666}" type="datetime1">
+              <a:rPr lang="en-US" smtClean="0"/>
+              <a:t>5/22/2012</a:t>
+            </a:fld>
+            <a:endParaRPr lang="en-US"/>
+          </a:p>
+        </p:txBody>
+      </p:sp>
     </p:spTree>
     <p:extLst>
       <p:ext uri="{BB962C8B-B14F-4D97-AF65-F5344CB8AC3E}">
@@ -12197,6 +15369,76 @@
           </a:p>
         </p:txBody>
       </p:sp>
+      <p:sp>
+        <p:nvSpPr>
+          <p:cNvPr id="2" name="Slide Number Placeholder 1"/>
+          <p:cNvSpPr>
+            <a:spLocks noGrp="1"/>
+          </p:cNvSpPr>
+          <p:nvPr>
+            <p:ph type="sldNum" sz="quarter" idx="12"/>
+          </p:nvPr>
+        </p:nvSpPr>
+        <p:spPr/>
+        <p:txBody>
+          <a:bodyPr/>
+          <a:lstStyle/>
+          <a:p>
+            <a:fld id="{990B41CA-569D-40E7-8E58-026C0338B2C8}" type="slidenum">
+              <a:rPr lang="en-US" smtClean="0"/>
+              <a:pPr/>
+              <a:t>54</a:t>
+            </a:fld>
+            <a:endParaRPr lang="en-US"/>
+          </a:p>
+        </p:txBody>
+      </p:sp>
+      <p:sp>
+        <p:nvSpPr>
+          <p:cNvPr id="3" name="Footer Placeholder 2"/>
+          <p:cNvSpPr>
+            <a:spLocks noGrp="1"/>
+          </p:cNvSpPr>
+          <p:nvPr>
+            <p:ph type="ftr" sz="quarter" idx="11"/>
+          </p:nvPr>
+        </p:nvSpPr>
+        <p:spPr/>
+        <p:txBody>
+          <a:bodyPr/>
+          <a:lstStyle/>
+          <a:p>
+            <a:r>
+              <a:rPr lang="en-US" smtClean="0"/>
+              <a:t>(c) 2012 HL7 International</a:t>
+            </a:r>
+            <a:endParaRPr lang="en-US"/>
+          </a:p>
+        </p:txBody>
+      </p:sp>
+      <p:sp>
+        <p:nvSpPr>
+          <p:cNvPr id="5" name="Date Placeholder 4"/>
+          <p:cNvSpPr>
+            <a:spLocks noGrp="1"/>
+          </p:cNvSpPr>
+          <p:nvPr>
+            <p:ph type="dt" sz="half" idx="10"/>
+          </p:nvPr>
+        </p:nvSpPr>
+        <p:spPr/>
+        <p:txBody>
+          <a:bodyPr/>
+          <a:lstStyle/>
+          <a:p>
+            <a:fld id="{91FA9D47-42A0-4F47-B978-318D887A0FAB}" type="datetime1">
+              <a:rPr lang="en-US" smtClean="0"/>
+              <a:t>5/22/2012</a:t>
+            </a:fld>
+            <a:endParaRPr lang="en-US"/>
+          </a:p>
+        </p:txBody>
+      </p:sp>
     </p:spTree>
     <p:extLst>
       <p:ext uri="{BB962C8B-B14F-4D97-AF65-F5344CB8AC3E}">
@@ -12319,6 +15561,76 @@
           </a:p>
         </p:txBody>
       </p:sp>
+      <p:sp>
+        <p:nvSpPr>
+          <p:cNvPr id="4" name="Slide Number Placeholder 3"/>
+          <p:cNvSpPr>
+            <a:spLocks noGrp="1"/>
+          </p:cNvSpPr>
+          <p:nvPr>
+            <p:ph type="sldNum" sz="quarter" idx="12"/>
+          </p:nvPr>
+        </p:nvSpPr>
+        <p:spPr/>
+        <p:txBody>
+          <a:bodyPr/>
+          <a:lstStyle/>
+          <a:p>
+            <a:fld id="{990B41CA-569D-40E7-8E58-026C0338B2C8}" type="slidenum">
+              <a:rPr lang="en-US" smtClean="0"/>
+              <a:pPr/>
+              <a:t>55</a:t>
+            </a:fld>
+            <a:endParaRPr lang="en-US"/>
+          </a:p>
+        </p:txBody>
+      </p:sp>
+      <p:sp>
+        <p:nvSpPr>
+          <p:cNvPr id="5" name="Footer Placeholder 4"/>
+          <p:cNvSpPr>
+            <a:spLocks noGrp="1"/>
+          </p:cNvSpPr>
+          <p:nvPr>
+            <p:ph type="ftr" sz="quarter" idx="11"/>
+          </p:nvPr>
+        </p:nvSpPr>
+        <p:spPr/>
+        <p:txBody>
+          <a:bodyPr/>
+          <a:lstStyle/>
+          <a:p>
+            <a:r>
+              <a:rPr lang="en-US" smtClean="0"/>
+              <a:t>(c) 2012 HL7 International</a:t>
+            </a:r>
+            <a:endParaRPr lang="en-US" dirty="0"/>
+          </a:p>
+        </p:txBody>
+      </p:sp>
+      <p:sp>
+        <p:nvSpPr>
+          <p:cNvPr id="6" name="Date Placeholder 5"/>
+          <p:cNvSpPr>
+            <a:spLocks noGrp="1"/>
+          </p:cNvSpPr>
+          <p:nvPr>
+            <p:ph type="dt" sz="half" idx="10"/>
+          </p:nvPr>
+        </p:nvSpPr>
+        <p:spPr/>
+        <p:txBody>
+          <a:bodyPr/>
+          <a:lstStyle/>
+          <a:p>
+            <a:fld id="{408FFD0B-6B6B-4160-B012-76C7FC073A12}" type="datetime1">
+              <a:rPr lang="en-US" smtClean="0"/>
+              <a:t>5/22/2012</a:t>
+            </a:fld>
+            <a:endParaRPr lang="en-US"/>
+          </a:p>
+        </p:txBody>
+      </p:sp>
     </p:spTree>
     <p:extLst>
       <p:ext uri="{BB962C8B-B14F-4D97-AF65-F5344CB8AC3E}">
@@ -12417,6 +15729,76 @@
           </a:p>
         </p:txBody>
       </p:sp>
+      <p:sp>
+        <p:nvSpPr>
+          <p:cNvPr id="4" name="Slide Number Placeholder 3"/>
+          <p:cNvSpPr>
+            <a:spLocks noGrp="1"/>
+          </p:cNvSpPr>
+          <p:nvPr>
+            <p:ph type="sldNum" sz="quarter" idx="12"/>
+          </p:nvPr>
+        </p:nvSpPr>
+        <p:spPr/>
+        <p:txBody>
+          <a:bodyPr/>
+          <a:lstStyle/>
+          <a:p>
+            <a:fld id="{990B41CA-569D-40E7-8E58-026C0338B2C8}" type="slidenum">
+              <a:rPr lang="en-US" smtClean="0"/>
+              <a:pPr/>
+              <a:t>56</a:t>
+            </a:fld>
+            <a:endParaRPr lang="en-US"/>
+          </a:p>
+        </p:txBody>
+      </p:sp>
+      <p:sp>
+        <p:nvSpPr>
+          <p:cNvPr id="5" name="Footer Placeholder 4"/>
+          <p:cNvSpPr>
+            <a:spLocks noGrp="1"/>
+          </p:cNvSpPr>
+          <p:nvPr>
+            <p:ph type="ftr" sz="quarter" idx="11"/>
+          </p:nvPr>
+        </p:nvSpPr>
+        <p:spPr/>
+        <p:txBody>
+          <a:bodyPr/>
+          <a:lstStyle/>
+          <a:p>
+            <a:r>
+              <a:rPr lang="en-US" smtClean="0"/>
+              <a:t>(c) 2012 HL7 International</a:t>
+            </a:r>
+            <a:endParaRPr lang="en-US" dirty="0"/>
+          </a:p>
+        </p:txBody>
+      </p:sp>
+      <p:sp>
+        <p:nvSpPr>
+          <p:cNvPr id="6" name="Date Placeholder 5"/>
+          <p:cNvSpPr>
+            <a:spLocks noGrp="1"/>
+          </p:cNvSpPr>
+          <p:nvPr>
+            <p:ph type="dt" sz="half" idx="10"/>
+          </p:nvPr>
+        </p:nvSpPr>
+        <p:spPr/>
+        <p:txBody>
+          <a:bodyPr/>
+          <a:lstStyle/>
+          <a:p>
+            <a:fld id="{C5BB316B-6A6B-4A0F-BBA4-B7BE12FD7CC2}" type="datetime1">
+              <a:rPr lang="en-US" smtClean="0"/>
+              <a:t>5/22/2012</a:t>
+            </a:fld>
+            <a:endParaRPr lang="en-US"/>
+          </a:p>
+        </p:txBody>
+      </p:sp>
     </p:spTree>
     <p:extLst>
       <p:ext uri="{BB962C8B-B14F-4D97-AF65-F5344CB8AC3E}">
@@ -12540,6 +15922,76 @@
           </a:p>
         </p:txBody>
       </p:sp>
+      <p:sp>
+        <p:nvSpPr>
+          <p:cNvPr id="4" name="Slide Number Placeholder 3"/>
+          <p:cNvSpPr>
+            <a:spLocks noGrp="1"/>
+          </p:cNvSpPr>
+          <p:nvPr>
+            <p:ph type="sldNum" sz="quarter" idx="12"/>
+          </p:nvPr>
+        </p:nvSpPr>
+        <p:spPr/>
+        <p:txBody>
+          <a:bodyPr/>
+          <a:lstStyle/>
+          <a:p>
+            <a:fld id="{990B41CA-569D-40E7-8E58-026C0338B2C8}" type="slidenum">
+              <a:rPr lang="en-US" smtClean="0"/>
+              <a:pPr/>
+              <a:t>57</a:t>
+            </a:fld>
+            <a:endParaRPr lang="en-US"/>
+          </a:p>
+        </p:txBody>
+      </p:sp>
+      <p:sp>
+        <p:nvSpPr>
+          <p:cNvPr id="5" name="Footer Placeholder 4"/>
+          <p:cNvSpPr>
+            <a:spLocks noGrp="1"/>
+          </p:cNvSpPr>
+          <p:nvPr>
+            <p:ph type="ftr" sz="quarter" idx="11"/>
+          </p:nvPr>
+        </p:nvSpPr>
+        <p:spPr/>
+        <p:txBody>
+          <a:bodyPr/>
+          <a:lstStyle/>
+          <a:p>
+            <a:r>
+              <a:rPr lang="en-US" smtClean="0"/>
+              <a:t>(c) 2012 HL7 International</a:t>
+            </a:r>
+            <a:endParaRPr lang="en-US" dirty="0"/>
+          </a:p>
+        </p:txBody>
+      </p:sp>
+      <p:sp>
+        <p:nvSpPr>
+          <p:cNvPr id="6" name="Date Placeholder 5"/>
+          <p:cNvSpPr>
+            <a:spLocks noGrp="1"/>
+          </p:cNvSpPr>
+          <p:nvPr>
+            <p:ph type="dt" sz="half" idx="10"/>
+          </p:nvPr>
+        </p:nvSpPr>
+        <p:spPr/>
+        <p:txBody>
+          <a:bodyPr/>
+          <a:lstStyle/>
+          <a:p>
+            <a:fld id="{C1BDEE45-FA06-4386-BB2C-810099622087}" type="datetime1">
+              <a:rPr lang="en-US" smtClean="0"/>
+              <a:t>5/22/2012</a:t>
+            </a:fld>
+            <a:endParaRPr lang="en-US"/>
+          </a:p>
+        </p:txBody>
+      </p:sp>
     </p:spTree>
     <p:extLst>
       <p:ext uri="{BB962C8B-B14F-4D97-AF65-F5344CB8AC3E}">
@@ -12673,6 +16125,76 @@
           </a:p>
         </p:txBody>
       </p:sp>
+      <p:sp>
+        <p:nvSpPr>
+          <p:cNvPr id="4" name="Slide Number Placeholder 3"/>
+          <p:cNvSpPr>
+            <a:spLocks noGrp="1"/>
+          </p:cNvSpPr>
+          <p:nvPr>
+            <p:ph type="sldNum" sz="quarter" idx="12"/>
+          </p:nvPr>
+        </p:nvSpPr>
+        <p:spPr/>
+        <p:txBody>
+          <a:bodyPr/>
+          <a:lstStyle/>
+          <a:p>
+            <a:fld id="{990B41CA-569D-40E7-8E58-026C0338B2C8}" type="slidenum">
+              <a:rPr lang="en-US" smtClean="0"/>
+              <a:pPr/>
+              <a:t>58</a:t>
+            </a:fld>
+            <a:endParaRPr lang="en-US"/>
+          </a:p>
+        </p:txBody>
+      </p:sp>
+      <p:sp>
+        <p:nvSpPr>
+          <p:cNvPr id="5" name="Footer Placeholder 4"/>
+          <p:cNvSpPr>
+            <a:spLocks noGrp="1"/>
+          </p:cNvSpPr>
+          <p:nvPr>
+            <p:ph type="ftr" sz="quarter" idx="11"/>
+          </p:nvPr>
+        </p:nvSpPr>
+        <p:spPr/>
+        <p:txBody>
+          <a:bodyPr/>
+          <a:lstStyle/>
+          <a:p>
+            <a:r>
+              <a:rPr lang="en-US" smtClean="0"/>
+              <a:t>(c) 2012 HL7 International</a:t>
+            </a:r>
+            <a:endParaRPr lang="en-US" dirty="0"/>
+          </a:p>
+        </p:txBody>
+      </p:sp>
+      <p:sp>
+        <p:nvSpPr>
+          <p:cNvPr id="6" name="Date Placeholder 5"/>
+          <p:cNvSpPr>
+            <a:spLocks noGrp="1"/>
+          </p:cNvSpPr>
+          <p:nvPr>
+            <p:ph type="dt" sz="half" idx="10"/>
+          </p:nvPr>
+        </p:nvSpPr>
+        <p:spPr/>
+        <p:txBody>
+          <a:bodyPr/>
+          <a:lstStyle/>
+          <a:p>
+            <a:fld id="{A6634470-1996-4F1F-9086-2714173FE693}" type="datetime1">
+              <a:rPr lang="en-US" smtClean="0"/>
+              <a:t>5/22/2012</a:t>
+            </a:fld>
+            <a:endParaRPr lang="en-US"/>
+          </a:p>
+        </p:txBody>
+      </p:sp>
     </p:spTree>
     <p:extLst>
       <p:ext uri="{BB962C8B-B14F-4D97-AF65-F5344CB8AC3E}">
@@ -12794,6 +16316,76 @@
           </a:p>
         </p:txBody>
       </p:sp>
+      <p:sp>
+        <p:nvSpPr>
+          <p:cNvPr id="4" name="Slide Number Placeholder 3"/>
+          <p:cNvSpPr>
+            <a:spLocks noGrp="1"/>
+          </p:cNvSpPr>
+          <p:nvPr>
+            <p:ph type="sldNum" sz="quarter" idx="12"/>
+          </p:nvPr>
+        </p:nvSpPr>
+        <p:spPr/>
+        <p:txBody>
+          <a:bodyPr/>
+          <a:lstStyle/>
+          <a:p>
+            <a:fld id="{990B41CA-569D-40E7-8E58-026C0338B2C8}" type="slidenum">
+              <a:rPr lang="en-US" smtClean="0"/>
+              <a:pPr/>
+              <a:t>59</a:t>
+            </a:fld>
+            <a:endParaRPr lang="en-US"/>
+          </a:p>
+        </p:txBody>
+      </p:sp>
+      <p:sp>
+        <p:nvSpPr>
+          <p:cNvPr id="5" name="Footer Placeholder 4"/>
+          <p:cNvSpPr>
+            <a:spLocks noGrp="1"/>
+          </p:cNvSpPr>
+          <p:nvPr>
+            <p:ph type="ftr" sz="quarter" idx="11"/>
+          </p:nvPr>
+        </p:nvSpPr>
+        <p:spPr/>
+        <p:txBody>
+          <a:bodyPr/>
+          <a:lstStyle/>
+          <a:p>
+            <a:r>
+              <a:rPr lang="en-US" smtClean="0"/>
+              <a:t>(c) 2012 HL7 International</a:t>
+            </a:r>
+            <a:endParaRPr lang="en-US" dirty="0"/>
+          </a:p>
+        </p:txBody>
+      </p:sp>
+      <p:sp>
+        <p:nvSpPr>
+          <p:cNvPr id="6" name="Date Placeholder 5"/>
+          <p:cNvSpPr>
+            <a:spLocks noGrp="1"/>
+          </p:cNvSpPr>
+          <p:nvPr>
+            <p:ph type="dt" sz="half" idx="10"/>
+          </p:nvPr>
+        </p:nvSpPr>
+        <p:spPr/>
+        <p:txBody>
+          <a:bodyPr/>
+          <a:lstStyle/>
+          <a:p>
+            <a:fld id="{808A4C2E-18DF-40BC-937E-52FBC78ED759}" type="datetime1">
+              <a:rPr lang="en-US" smtClean="0"/>
+              <a:t>5/22/2012</a:t>
+            </a:fld>
+            <a:endParaRPr lang="en-US"/>
+          </a:p>
+        </p:txBody>
+      </p:sp>
     </p:spTree>
     <p:extLst>
       <p:ext uri="{BB962C8B-B14F-4D97-AF65-F5344CB8AC3E}">
@@ -12854,6 +16446,76 @@
           </a:p>
         </p:txBody>
       </p:sp>
+      <p:sp>
+        <p:nvSpPr>
+          <p:cNvPr id="2" name="Slide Number Placeholder 1"/>
+          <p:cNvSpPr>
+            <a:spLocks noGrp="1"/>
+          </p:cNvSpPr>
+          <p:nvPr>
+            <p:ph type="sldNum" sz="quarter" idx="12"/>
+          </p:nvPr>
+        </p:nvSpPr>
+        <p:spPr/>
+        <p:txBody>
+          <a:bodyPr/>
+          <a:lstStyle/>
+          <a:p>
+            <a:fld id="{990B41CA-569D-40E7-8E58-026C0338B2C8}" type="slidenum">
+              <a:rPr lang="en-US" smtClean="0"/>
+              <a:pPr/>
+              <a:t>6</a:t>
+            </a:fld>
+            <a:endParaRPr lang="en-US"/>
+          </a:p>
+        </p:txBody>
+      </p:sp>
+      <p:sp>
+        <p:nvSpPr>
+          <p:cNvPr id="3" name="Footer Placeholder 2"/>
+          <p:cNvSpPr>
+            <a:spLocks noGrp="1"/>
+          </p:cNvSpPr>
+          <p:nvPr>
+            <p:ph type="ftr" sz="quarter" idx="11"/>
+          </p:nvPr>
+        </p:nvSpPr>
+        <p:spPr/>
+        <p:txBody>
+          <a:bodyPr/>
+          <a:lstStyle/>
+          <a:p>
+            <a:r>
+              <a:rPr lang="en-US" smtClean="0"/>
+              <a:t>(c) 2012 HL7 International</a:t>
+            </a:r>
+            <a:endParaRPr lang="en-US"/>
+          </a:p>
+        </p:txBody>
+      </p:sp>
+      <p:sp>
+        <p:nvSpPr>
+          <p:cNvPr id="4" name="Date Placeholder 3"/>
+          <p:cNvSpPr>
+            <a:spLocks noGrp="1"/>
+          </p:cNvSpPr>
+          <p:nvPr>
+            <p:ph type="dt" sz="half" idx="10"/>
+          </p:nvPr>
+        </p:nvSpPr>
+        <p:spPr/>
+        <p:txBody>
+          <a:bodyPr/>
+          <a:lstStyle/>
+          <a:p>
+            <a:fld id="{9B564958-7FB5-4F10-8A96-D6EF4565F4F6}" type="datetime1">
+              <a:rPr lang="en-US" smtClean="0"/>
+              <a:t>5/22/2012</a:t>
+            </a:fld>
+            <a:endParaRPr lang="en-US"/>
+          </a:p>
+        </p:txBody>
+      </p:sp>
     </p:spTree>
     <p:extLst>
       <p:ext uri="{BB962C8B-B14F-4D97-AF65-F5344CB8AC3E}">
@@ -12995,6 +16657,76 @@
               <a:t>Everything driven by business names, not RIM names</a:t>
             </a:r>
             <a:endParaRPr lang="en-CA" b="0" baseline="0" dirty="0" smtClean="0"/>
+          </a:p>
+        </p:txBody>
+      </p:sp>
+      <p:sp>
+        <p:nvSpPr>
+          <p:cNvPr id="4" name="Slide Number Placeholder 3"/>
+          <p:cNvSpPr>
+            <a:spLocks noGrp="1"/>
+          </p:cNvSpPr>
+          <p:nvPr>
+            <p:ph type="sldNum" sz="quarter" idx="12"/>
+          </p:nvPr>
+        </p:nvSpPr>
+        <p:spPr/>
+        <p:txBody>
+          <a:bodyPr/>
+          <a:lstStyle/>
+          <a:p>
+            <a:fld id="{990B41CA-569D-40E7-8E58-026C0338B2C8}" type="slidenum">
+              <a:rPr lang="en-US" smtClean="0"/>
+              <a:pPr/>
+              <a:t>60</a:t>
+            </a:fld>
+            <a:endParaRPr lang="en-US"/>
+          </a:p>
+        </p:txBody>
+      </p:sp>
+      <p:sp>
+        <p:nvSpPr>
+          <p:cNvPr id="5" name="Footer Placeholder 4"/>
+          <p:cNvSpPr>
+            <a:spLocks noGrp="1"/>
+          </p:cNvSpPr>
+          <p:nvPr>
+            <p:ph type="ftr" sz="quarter" idx="11"/>
+          </p:nvPr>
+        </p:nvSpPr>
+        <p:spPr/>
+        <p:txBody>
+          <a:bodyPr/>
+          <a:lstStyle/>
+          <a:p>
+            <a:r>
+              <a:rPr lang="en-US" smtClean="0"/>
+              <a:t>(c) 2012 HL7 International</a:t>
+            </a:r>
+            <a:endParaRPr lang="en-US" dirty="0"/>
+          </a:p>
+        </p:txBody>
+      </p:sp>
+      <p:sp>
+        <p:nvSpPr>
+          <p:cNvPr id="6" name="Date Placeholder 5"/>
+          <p:cNvSpPr>
+            <a:spLocks noGrp="1"/>
+          </p:cNvSpPr>
+          <p:nvPr>
+            <p:ph type="dt" sz="half" idx="10"/>
+          </p:nvPr>
+        </p:nvSpPr>
+        <p:spPr/>
+        <p:txBody>
+          <a:bodyPr/>
+          <a:lstStyle/>
+          <a:p>
+            <a:fld id="{4C281E1C-1055-42A8-A224-9872406D01C4}" type="datetime1">
+              <a:rPr lang="en-US" smtClean="0"/>
+              <a:t>5/22/2012</a:t>
+            </a:fld>
+            <a:endParaRPr lang="en-US"/>
           </a:p>
         </p:txBody>
       </p:sp>
@@ -13138,6 +16870,76 @@
           </a:p>
         </p:txBody>
       </p:sp>
+      <p:sp>
+        <p:nvSpPr>
+          <p:cNvPr id="4" name="Slide Number Placeholder 3"/>
+          <p:cNvSpPr>
+            <a:spLocks noGrp="1"/>
+          </p:cNvSpPr>
+          <p:nvPr>
+            <p:ph type="sldNum" sz="quarter" idx="12"/>
+          </p:nvPr>
+        </p:nvSpPr>
+        <p:spPr/>
+        <p:txBody>
+          <a:bodyPr/>
+          <a:lstStyle/>
+          <a:p>
+            <a:fld id="{990B41CA-569D-40E7-8E58-026C0338B2C8}" type="slidenum">
+              <a:rPr lang="en-US" smtClean="0"/>
+              <a:pPr/>
+              <a:t>61</a:t>
+            </a:fld>
+            <a:endParaRPr lang="en-US"/>
+          </a:p>
+        </p:txBody>
+      </p:sp>
+      <p:sp>
+        <p:nvSpPr>
+          <p:cNvPr id="5" name="Footer Placeholder 4"/>
+          <p:cNvSpPr>
+            <a:spLocks noGrp="1"/>
+          </p:cNvSpPr>
+          <p:nvPr>
+            <p:ph type="ftr" sz="quarter" idx="11"/>
+          </p:nvPr>
+        </p:nvSpPr>
+        <p:spPr/>
+        <p:txBody>
+          <a:bodyPr/>
+          <a:lstStyle/>
+          <a:p>
+            <a:r>
+              <a:rPr lang="en-US" smtClean="0"/>
+              <a:t>(c) 2012 HL7 International</a:t>
+            </a:r>
+            <a:endParaRPr lang="en-US" dirty="0"/>
+          </a:p>
+        </p:txBody>
+      </p:sp>
+      <p:sp>
+        <p:nvSpPr>
+          <p:cNvPr id="6" name="Date Placeholder 5"/>
+          <p:cNvSpPr>
+            <a:spLocks noGrp="1"/>
+          </p:cNvSpPr>
+          <p:nvPr>
+            <p:ph type="dt" sz="half" idx="10"/>
+          </p:nvPr>
+        </p:nvSpPr>
+        <p:spPr/>
+        <p:txBody>
+          <a:bodyPr/>
+          <a:lstStyle/>
+          <a:p>
+            <a:fld id="{B6B30C14-E8B0-46A6-B164-33B441EBEC5A}" type="datetime1">
+              <a:rPr lang="en-US" smtClean="0"/>
+              <a:t>5/22/2012</a:t>
+            </a:fld>
+            <a:endParaRPr lang="en-US"/>
+          </a:p>
+        </p:txBody>
+      </p:sp>
     </p:spTree>
     <p:extLst>
       <p:ext uri="{BB962C8B-B14F-4D97-AF65-F5344CB8AC3E}">
@@ -13258,6 +17060,76 @@
           </a:p>
         </p:txBody>
       </p:sp>
+      <p:sp>
+        <p:nvSpPr>
+          <p:cNvPr id="4" name="Slide Number Placeholder 3"/>
+          <p:cNvSpPr>
+            <a:spLocks noGrp="1"/>
+          </p:cNvSpPr>
+          <p:nvPr>
+            <p:ph type="sldNum" sz="quarter" idx="12"/>
+          </p:nvPr>
+        </p:nvSpPr>
+        <p:spPr/>
+        <p:txBody>
+          <a:bodyPr/>
+          <a:lstStyle/>
+          <a:p>
+            <a:fld id="{990B41CA-569D-40E7-8E58-026C0338B2C8}" type="slidenum">
+              <a:rPr lang="en-US" smtClean="0"/>
+              <a:pPr/>
+              <a:t>62</a:t>
+            </a:fld>
+            <a:endParaRPr lang="en-US"/>
+          </a:p>
+        </p:txBody>
+      </p:sp>
+      <p:sp>
+        <p:nvSpPr>
+          <p:cNvPr id="5" name="Footer Placeholder 4"/>
+          <p:cNvSpPr>
+            <a:spLocks noGrp="1"/>
+          </p:cNvSpPr>
+          <p:nvPr>
+            <p:ph type="ftr" sz="quarter" idx="11"/>
+          </p:nvPr>
+        </p:nvSpPr>
+        <p:spPr/>
+        <p:txBody>
+          <a:bodyPr/>
+          <a:lstStyle/>
+          <a:p>
+            <a:r>
+              <a:rPr lang="en-US" smtClean="0"/>
+              <a:t>(c) 2012 HL7 International</a:t>
+            </a:r>
+            <a:endParaRPr lang="en-US" dirty="0"/>
+          </a:p>
+        </p:txBody>
+      </p:sp>
+      <p:sp>
+        <p:nvSpPr>
+          <p:cNvPr id="6" name="Date Placeholder 5"/>
+          <p:cNvSpPr>
+            <a:spLocks noGrp="1"/>
+          </p:cNvSpPr>
+          <p:nvPr>
+            <p:ph type="dt" sz="half" idx="10"/>
+          </p:nvPr>
+        </p:nvSpPr>
+        <p:spPr/>
+        <p:txBody>
+          <a:bodyPr/>
+          <a:lstStyle/>
+          <a:p>
+            <a:fld id="{71217FC6-8A6C-4113-9699-15A46FF6910B}" type="datetime1">
+              <a:rPr lang="en-US" smtClean="0"/>
+              <a:t>5/22/2012</a:t>
+            </a:fld>
+            <a:endParaRPr lang="en-US"/>
+          </a:p>
+        </p:txBody>
+      </p:sp>
     </p:spTree>
     <p:extLst>
       <p:ext uri="{BB962C8B-B14F-4D97-AF65-F5344CB8AC3E}">
@@ -13398,6 +17270,76 @@
           </a:p>
         </p:txBody>
       </p:sp>
+      <p:sp>
+        <p:nvSpPr>
+          <p:cNvPr id="4" name="Slide Number Placeholder 3"/>
+          <p:cNvSpPr>
+            <a:spLocks noGrp="1"/>
+          </p:cNvSpPr>
+          <p:nvPr>
+            <p:ph type="sldNum" sz="quarter" idx="12"/>
+          </p:nvPr>
+        </p:nvSpPr>
+        <p:spPr/>
+        <p:txBody>
+          <a:bodyPr/>
+          <a:lstStyle/>
+          <a:p>
+            <a:fld id="{990B41CA-569D-40E7-8E58-026C0338B2C8}" type="slidenum">
+              <a:rPr lang="en-US" smtClean="0"/>
+              <a:pPr/>
+              <a:t>63</a:t>
+            </a:fld>
+            <a:endParaRPr lang="en-US"/>
+          </a:p>
+        </p:txBody>
+      </p:sp>
+      <p:sp>
+        <p:nvSpPr>
+          <p:cNvPr id="5" name="Footer Placeholder 4"/>
+          <p:cNvSpPr>
+            <a:spLocks noGrp="1"/>
+          </p:cNvSpPr>
+          <p:nvPr>
+            <p:ph type="ftr" sz="quarter" idx="11"/>
+          </p:nvPr>
+        </p:nvSpPr>
+        <p:spPr/>
+        <p:txBody>
+          <a:bodyPr/>
+          <a:lstStyle/>
+          <a:p>
+            <a:r>
+              <a:rPr lang="en-US" smtClean="0"/>
+              <a:t>(c) 2012 HL7 International</a:t>
+            </a:r>
+            <a:endParaRPr lang="en-US" dirty="0"/>
+          </a:p>
+        </p:txBody>
+      </p:sp>
+      <p:sp>
+        <p:nvSpPr>
+          <p:cNvPr id="6" name="Date Placeholder 5"/>
+          <p:cNvSpPr>
+            <a:spLocks noGrp="1"/>
+          </p:cNvSpPr>
+          <p:nvPr>
+            <p:ph type="dt" sz="half" idx="10"/>
+          </p:nvPr>
+        </p:nvSpPr>
+        <p:spPr/>
+        <p:txBody>
+          <a:bodyPr/>
+          <a:lstStyle/>
+          <a:p>
+            <a:fld id="{D0E1F343-906C-4585-9C40-2B4DCAB65E7E}" type="datetime1">
+              <a:rPr lang="en-US" smtClean="0"/>
+              <a:t>5/22/2012</a:t>
+            </a:fld>
+            <a:endParaRPr lang="en-US"/>
+          </a:p>
+        </p:txBody>
+      </p:sp>
     </p:spTree>
     <p:extLst>
       <p:ext uri="{BB962C8B-B14F-4D97-AF65-F5344CB8AC3E}">
@@ -13458,6 +17400,76 @@
           </a:p>
         </p:txBody>
       </p:sp>
+      <p:sp>
+        <p:nvSpPr>
+          <p:cNvPr id="2" name="Slide Number Placeholder 1"/>
+          <p:cNvSpPr>
+            <a:spLocks noGrp="1"/>
+          </p:cNvSpPr>
+          <p:nvPr>
+            <p:ph type="sldNum" sz="quarter" idx="12"/>
+          </p:nvPr>
+        </p:nvSpPr>
+        <p:spPr/>
+        <p:txBody>
+          <a:bodyPr/>
+          <a:lstStyle/>
+          <a:p>
+            <a:fld id="{990B41CA-569D-40E7-8E58-026C0338B2C8}" type="slidenum">
+              <a:rPr lang="en-US" smtClean="0"/>
+              <a:pPr/>
+              <a:t>64</a:t>
+            </a:fld>
+            <a:endParaRPr lang="en-US"/>
+          </a:p>
+        </p:txBody>
+      </p:sp>
+      <p:sp>
+        <p:nvSpPr>
+          <p:cNvPr id="3" name="Footer Placeholder 2"/>
+          <p:cNvSpPr>
+            <a:spLocks noGrp="1"/>
+          </p:cNvSpPr>
+          <p:nvPr>
+            <p:ph type="ftr" sz="quarter" idx="11"/>
+          </p:nvPr>
+        </p:nvSpPr>
+        <p:spPr/>
+        <p:txBody>
+          <a:bodyPr/>
+          <a:lstStyle/>
+          <a:p>
+            <a:r>
+              <a:rPr lang="en-US" smtClean="0"/>
+              <a:t>(c) 2012 HL7 International</a:t>
+            </a:r>
+            <a:endParaRPr lang="en-US"/>
+          </a:p>
+        </p:txBody>
+      </p:sp>
+      <p:sp>
+        <p:nvSpPr>
+          <p:cNvPr id="5" name="Date Placeholder 4"/>
+          <p:cNvSpPr>
+            <a:spLocks noGrp="1"/>
+          </p:cNvSpPr>
+          <p:nvPr>
+            <p:ph type="dt" sz="half" idx="10"/>
+          </p:nvPr>
+        </p:nvSpPr>
+        <p:spPr/>
+        <p:txBody>
+          <a:bodyPr/>
+          <a:lstStyle/>
+          <a:p>
+            <a:fld id="{CE9215A8-DFF2-4495-B8CE-13D1DE5689F4}" type="datetime1">
+              <a:rPr lang="en-US" smtClean="0"/>
+              <a:t>5/22/2012</a:t>
+            </a:fld>
+            <a:endParaRPr lang="en-US"/>
+          </a:p>
+        </p:txBody>
+      </p:sp>
     </p:spTree>
     <p:extLst>
       <p:ext uri="{BB962C8B-B14F-4D97-AF65-F5344CB8AC3E}">
@@ -13575,6 +17587,76 @@
               <a:rPr lang="en-US" dirty="0" smtClean="0"/>
               <a:t>Pub-DB will likely go away, though exact evolution depends on dynamic model decisions</a:t>
             </a:r>
+          </a:p>
+        </p:txBody>
+      </p:sp>
+      <p:sp>
+        <p:nvSpPr>
+          <p:cNvPr id="4" name="Slide Number Placeholder 3"/>
+          <p:cNvSpPr>
+            <a:spLocks noGrp="1"/>
+          </p:cNvSpPr>
+          <p:nvPr>
+            <p:ph type="sldNum" sz="quarter" idx="12"/>
+          </p:nvPr>
+        </p:nvSpPr>
+        <p:spPr/>
+        <p:txBody>
+          <a:bodyPr/>
+          <a:lstStyle/>
+          <a:p>
+            <a:fld id="{990B41CA-569D-40E7-8E58-026C0338B2C8}" type="slidenum">
+              <a:rPr lang="en-US" smtClean="0"/>
+              <a:pPr/>
+              <a:t>65</a:t>
+            </a:fld>
+            <a:endParaRPr lang="en-US"/>
+          </a:p>
+        </p:txBody>
+      </p:sp>
+      <p:sp>
+        <p:nvSpPr>
+          <p:cNvPr id="5" name="Footer Placeholder 4"/>
+          <p:cNvSpPr>
+            <a:spLocks noGrp="1"/>
+          </p:cNvSpPr>
+          <p:nvPr>
+            <p:ph type="ftr" sz="quarter" idx="11"/>
+          </p:nvPr>
+        </p:nvSpPr>
+        <p:spPr/>
+        <p:txBody>
+          <a:bodyPr/>
+          <a:lstStyle/>
+          <a:p>
+            <a:r>
+              <a:rPr lang="en-US" smtClean="0"/>
+              <a:t>(c) 2012 HL7 International</a:t>
+            </a:r>
+            <a:endParaRPr lang="en-US" dirty="0"/>
+          </a:p>
+        </p:txBody>
+      </p:sp>
+      <p:sp>
+        <p:nvSpPr>
+          <p:cNvPr id="6" name="Date Placeholder 5"/>
+          <p:cNvSpPr>
+            <a:spLocks noGrp="1"/>
+          </p:cNvSpPr>
+          <p:nvPr>
+            <p:ph type="dt" sz="half" idx="10"/>
+          </p:nvPr>
+        </p:nvSpPr>
+        <p:spPr/>
+        <p:txBody>
+          <a:bodyPr/>
+          <a:lstStyle/>
+          <a:p>
+            <a:fld id="{0E84D9EB-B872-4E93-9ED8-FA6B4D5657E2}" type="datetime1">
+              <a:rPr lang="en-US" smtClean="0"/>
+              <a:t>5/22/2012</a:t>
+            </a:fld>
+            <a:endParaRPr lang="en-US"/>
           </a:p>
         </p:txBody>
       </p:sp>
@@ -13718,6 +17800,76 @@
           </a:p>
         </p:txBody>
       </p:sp>
+      <p:sp>
+        <p:nvSpPr>
+          <p:cNvPr id="4" name="Slide Number Placeholder 3"/>
+          <p:cNvSpPr>
+            <a:spLocks noGrp="1"/>
+          </p:cNvSpPr>
+          <p:nvPr>
+            <p:ph type="sldNum" sz="quarter" idx="12"/>
+          </p:nvPr>
+        </p:nvSpPr>
+        <p:spPr/>
+        <p:txBody>
+          <a:bodyPr/>
+          <a:lstStyle/>
+          <a:p>
+            <a:fld id="{990B41CA-569D-40E7-8E58-026C0338B2C8}" type="slidenum">
+              <a:rPr lang="en-US" smtClean="0"/>
+              <a:pPr/>
+              <a:t>66</a:t>
+            </a:fld>
+            <a:endParaRPr lang="en-US"/>
+          </a:p>
+        </p:txBody>
+      </p:sp>
+      <p:sp>
+        <p:nvSpPr>
+          <p:cNvPr id="5" name="Footer Placeholder 4"/>
+          <p:cNvSpPr>
+            <a:spLocks noGrp="1"/>
+          </p:cNvSpPr>
+          <p:nvPr>
+            <p:ph type="ftr" sz="quarter" idx="11"/>
+          </p:nvPr>
+        </p:nvSpPr>
+        <p:spPr/>
+        <p:txBody>
+          <a:bodyPr/>
+          <a:lstStyle/>
+          <a:p>
+            <a:r>
+              <a:rPr lang="en-US" smtClean="0"/>
+              <a:t>(c) 2012 HL7 International</a:t>
+            </a:r>
+            <a:endParaRPr lang="en-US" dirty="0"/>
+          </a:p>
+        </p:txBody>
+      </p:sp>
+      <p:sp>
+        <p:nvSpPr>
+          <p:cNvPr id="6" name="Date Placeholder 5"/>
+          <p:cNvSpPr>
+            <a:spLocks noGrp="1"/>
+          </p:cNvSpPr>
+          <p:nvPr>
+            <p:ph type="dt" sz="half" idx="10"/>
+          </p:nvPr>
+        </p:nvSpPr>
+        <p:spPr/>
+        <p:txBody>
+          <a:bodyPr/>
+          <a:lstStyle/>
+          <a:p>
+            <a:fld id="{99FA997F-2FB5-48B3-BBA7-B0674797108F}" type="datetime1">
+              <a:rPr lang="en-US" smtClean="0"/>
+              <a:t>5/22/2012</a:t>
+            </a:fld>
+            <a:endParaRPr lang="en-US"/>
+          </a:p>
+        </p:txBody>
+      </p:sp>
     </p:spTree>
     <p:extLst>
       <p:ext uri="{BB962C8B-B14F-4D97-AF65-F5344CB8AC3E}">
@@ -13865,6 +18017,76 @@
           </a:p>
         </p:txBody>
       </p:sp>
+      <p:sp>
+        <p:nvSpPr>
+          <p:cNvPr id="4" name="Slide Number Placeholder 3"/>
+          <p:cNvSpPr>
+            <a:spLocks noGrp="1"/>
+          </p:cNvSpPr>
+          <p:nvPr>
+            <p:ph type="sldNum" sz="quarter" idx="12"/>
+          </p:nvPr>
+        </p:nvSpPr>
+        <p:spPr/>
+        <p:txBody>
+          <a:bodyPr/>
+          <a:lstStyle/>
+          <a:p>
+            <a:fld id="{990B41CA-569D-40E7-8E58-026C0338B2C8}" type="slidenum">
+              <a:rPr lang="en-US" smtClean="0"/>
+              <a:pPr/>
+              <a:t>67</a:t>
+            </a:fld>
+            <a:endParaRPr lang="en-US"/>
+          </a:p>
+        </p:txBody>
+      </p:sp>
+      <p:sp>
+        <p:nvSpPr>
+          <p:cNvPr id="5" name="Footer Placeholder 4"/>
+          <p:cNvSpPr>
+            <a:spLocks noGrp="1"/>
+          </p:cNvSpPr>
+          <p:nvPr>
+            <p:ph type="ftr" sz="quarter" idx="11"/>
+          </p:nvPr>
+        </p:nvSpPr>
+        <p:spPr/>
+        <p:txBody>
+          <a:bodyPr/>
+          <a:lstStyle/>
+          <a:p>
+            <a:r>
+              <a:rPr lang="en-US" smtClean="0"/>
+              <a:t>(c) 2012 HL7 International</a:t>
+            </a:r>
+            <a:endParaRPr lang="en-US" dirty="0"/>
+          </a:p>
+        </p:txBody>
+      </p:sp>
+      <p:sp>
+        <p:nvSpPr>
+          <p:cNvPr id="6" name="Date Placeholder 5"/>
+          <p:cNvSpPr>
+            <a:spLocks noGrp="1"/>
+          </p:cNvSpPr>
+          <p:nvPr>
+            <p:ph type="dt" sz="half" idx="10"/>
+          </p:nvPr>
+        </p:nvSpPr>
+        <p:spPr/>
+        <p:txBody>
+          <a:bodyPr/>
+          <a:lstStyle/>
+          <a:p>
+            <a:fld id="{C4A9F27E-3E10-45FC-9CF6-BD1C9CD67BE1}" type="datetime1">
+              <a:rPr lang="en-US" smtClean="0"/>
+              <a:t>5/22/2012</a:t>
+            </a:fld>
+            <a:endParaRPr lang="en-US"/>
+          </a:p>
+        </p:txBody>
+      </p:sp>
     </p:spTree>
     <p:extLst>
       <p:ext uri="{BB962C8B-B14F-4D97-AF65-F5344CB8AC3E}">
@@ -13960,6 +18182,76 @@
           </a:p>
         </p:txBody>
       </p:sp>
+      <p:sp>
+        <p:nvSpPr>
+          <p:cNvPr id="4" name="Slide Number Placeholder 3"/>
+          <p:cNvSpPr>
+            <a:spLocks noGrp="1"/>
+          </p:cNvSpPr>
+          <p:nvPr>
+            <p:ph type="sldNum" sz="quarter" idx="12"/>
+          </p:nvPr>
+        </p:nvSpPr>
+        <p:spPr/>
+        <p:txBody>
+          <a:bodyPr/>
+          <a:lstStyle/>
+          <a:p>
+            <a:fld id="{990B41CA-569D-40E7-8E58-026C0338B2C8}" type="slidenum">
+              <a:rPr lang="en-US" smtClean="0"/>
+              <a:pPr/>
+              <a:t>68</a:t>
+            </a:fld>
+            <a:endParaRPr lang="en-US"/>
+          </a:p>
+        </p:txBody>
+      </p:sp>
+      <p:sp>
+        <p:nvSpPr>
+          <p:cNvPr id="5" name="Footer Placeholder 4"/>
+          <p:cNvSpPr>
+            <a:spLocks noGrp="1"/>
+          </p:cNvSpPr>
+          <p:nvPr>
+            <p:ph type="ftr" sz="quarter" idx="11"/>
+          </p:nvPr>
+        </p:nvSpPr>
+        <p:spPr/>
+        <p:txBody>
+          <a:bodyPr/>
+          <a:lstStyle/>
+          <a:p>
+            <a:r>
+              <a:rPr lang="en-US" smtClean="0"/>
+              <a:t>(c) 2012 HL7 International</a:t>
+            </a:r>
+            <a:endParaRPr lang="en-US" dirty="0"/>
+          </a:p>
+        </p:txBody>
+      </p:sp>
+      <p:sp>
+        <p:nvSpPr>
+          <p:cNvPr id="6" name="Date Placeholder 5"/>
+          <p:cNvSpPr>
+            <a:spLocks noGrp="1"/>
+          </p:cNvSpPr>
+          <p:nvPr>
+            <p:ph type="dt" sz="half" idx="10"/>
+          </p:nvPr>
+        </p:nvSpPr>
+        <p:spPr/>
+        <p:txBody>
+          <a:bodyPr/>
+          <a:lstStyle/>
+          <a:p>
+            <a:fld id="{116518EA-E46E-40E8-AD32-D7107EEFF887}" type="datetime1">
+              <a:rPr lang="en-US" smtClean="0"/>
+              <a:t>5/22/2012</a:t>
+            </a:fld>
+            <a:endParaRPr lang="en-US"/>
+          </a:p>
+        </p:txBody>
+      </p:sp>
     </p:spTree>
     <p:extLst>
       <p:ext uri="{BB962C8B-B14F-4D97-AF65-F5344CB8AC3E}">
@@ -14052,6 +18344,76 @@
               <a:t>“Common” mappings can be created, but they won’t be one size fits all</a:t>
             </a:r>
             <a:endParaRPr lang="en-CA" dirty="0"/>
+          </a:p>
+        </p:txBody>
+      </p:sp>
+      <p:sp>
+        <p:nvSpPr>
+          <p:cNvPr id="4" name="Slide Number Placeholder 3"/>
+          <p:cNvSpPr>
+            <a:spLocks noGrp="1"/>
+          </p:cNvSpPr>
+          <p:nvPr>
+            <p:ph type="sldNum" sz="quarter" idx="12"/>
+          </p:nvPr>
+        </p:nvSpPr>
+        <p:spPr/>
+        <p:txBody>
+          <a:bodyPr/>
+          <a:lstStyle/>
+          <a:p>
+            <a:fld id="{990B41CA-569D-40E7-8E58-026C0338B2C8}" type="slidenum">
+              <a:rPr lang="en-US" smtClean="0"/>
+              <a:pPr/>
+              <a:t>69</a:t>
+            </a:fld>
+            <a:endParaRPr lang="en-US"/>
+          </a:p>
+        </p:txBody>
+      </p:sp>
+      <p:sp>
+        <p:nvSpPr>
+          <p:cNvPr id="5" name="Footer Placeholder 4"/>
+          <p:cNvSpPr>
+            <a:spLocks noGrp="1"/>
+          </p:cNvSpPr>
+          <p:nvPr>
+            <p:ph type="ftr" sz="quarter" idx="11"/>
+          </p:nvPr>
+        </p:nvSpPr>
+        <p:spPr/>
+        <p:txBody>
+          <a:bodyPr/>
+          <a:lstStyle/>
+          <a:p>
+            <a:r>
+              <a:rPr lang="en-US" smtClean="0"/>
+              <a:t>(c) 2012 HL7 International</a:t>
+            </a:r>
+            <a:endParaRPr lang="en-US" dirty="0"/>
+          </a:p>
+        </p:txBody>
+      </p:sp>
+      <p:sp>
+        <p:nvSpPr>
+          <p:cNvPr id="6" name="Date Placeholder 5"/>
+          <p:cNvSpPr>
+            <a:spLocks noGrp="1"/>
+          </p:cNvSpPr>
+          <p:nvPr>
+            <p:ph type="dt" sz="half" idx="10"/>
+          </p:nvPr>
+        </p:nvSpPr>
+        <p:spPr/>
+        <p:txBody>
+          <a:bodyPr/>
+          <a:lstStyle/>
+          <a:p>
+            <a:fld id="{D1B6734E-2CA6-4ADE-9B6B-D427C804D83C}" type="datetime1">
+              <a:rPr lang="en-US" smtClean="0"/>
+              <a:t>5/22/2012</a:t>
+            </a:fld>
+            <a:endParaRPr lang="en-US"/>
           </a:p>
         </p:txBody>
       </p:sp>
@@ -14197,6 +18559,52 @@
           </a:p>
         </p:txBody>
       </p:sp>
+      <p:sp>
+        <p:nvSpPr>
+          <p:cNvPr id="5" name="Footer Placeholder 4"/>
+          <p:cNvSpPr>
+            <a:spLocks noGrp="1"/>
+          </p:cNvSpPr>
+          <p:nvPr>
+            <p:ph type="ftr" sz="quarter" idx="11"/>
+          </p:nvPr>
+        </p:nvSpPr>
+        <p:spPr/>
+        <p:txBody>
+          <a:bodyPr/>
+          <a:lstStyle/>
+          <a:p>
+            <a:r>
+              <a:rPr lang="en-US" smtClean="0"/>
+              <a:t>(c) 2012 HL7 International</a:t>
+            </a:r>
+            <a:endParaRPr lang="en-US" dirty="0"/>
+          </a:p>
+        </p:txBody>
+      </p:sp>
+      <p:sp>
+        <p:nvSpPr>
+          <p:cNvPr id="6" name="Date Placeholder 5"/>
+          <p:cNvSpPr>
+            <a:spLocks noGrp="1"/>
+          </p:cNvSpPr>
+          <p:nvPr>
+            <p:ph type="dt" sz="half" idx="10"/>
+          </p:nvPr>
+        </p:nvSpPr>
+        <p:spPr/>
+        <p:txBody>
+          <a:bodyPr/>
+          <a:lstStyle/>
+          <a:p>
+            <a:fld id="{958BE5E1-3CBC-463C-81F8-7A3715EB26C8}" type="datetime1">
+              <a:rPr lang="en-US" smtClean="0"/>
+              <a:t>5/22/2012</a:t>
+            </a:fld>
+            <a:endParaRPr lang="en-US"/>
+          </a:p>
+        </p:txBody>
+      </p:sp>
     </p:spTree>
     <p:extLst>
       <p:ext uri="{BB962C8B-B14F-4D97-AF65-F5344CB8AC3E}">
@@ -14290,6 +18698,76 @@
               <a:t>Which get targeted first will depend on implementer desires</a:t>
             </a:r>
             <a:endParaRPr lang="en-CA" dirty="0"/>
+          </a:p>
+        </p:txBody>
+      </p:sp>
+      <p:sp>
+        <p:nvSpPr>
+          <p:cNvPr id="4" name="Slide Number Placeholder 3"/>
+          <p:cNvSpPr>
+            <a:spLocks noGrp="1"/>
+          </p:cNvSpPr>
+          <p:nvPr>
+            <p:ph type="sldNum" sz="quarter" idx="12"/>
+          </p:nvPr>
+        </p:nvSpPr>
+        <p:spPr/>
+        <p:txBody>
+          <a:bodyPr/>
+          <a:lstStyle/>
+          <a:p>
+            <a:fld id="{990B41CA-569D-40E7-8E58-026C0338B2C8}" type="slidenum">
+              <a:rPr lang="en-US" smtClean="0"/>
+              <a:pPr/>
+              <a:t>70</a:t>
+            </a:fld>
+            <a:endParaRPr lang="en-US"/>
+          </a:p>
+        </p:txBody>
+      </p:sp>
+      <p:sp>
+        <p:nvSpPr>
+          <p:cNvPr id="5" name="Footer Placeholder 4"/>
+          <p:cNvSpPr>
+            <a:spLocks noGrp="1"/>
+          </p:cNvSpPr>
+          <p:nvPr>
+            <p:ph type="ftr" sz="quarter" idx="11"/>
+          </p:nvPr>
+        </p:nvSpPr>
+        <p:spPr/>
+        <p:txBody>
+          <a:bodyPr/>
+          <a:lstStyle/>
+          <a:p>
+            <a:r>
+              <a:rPr lang="en-US" smtClean="0"/>
+              <a:t>(c) 2012 HL7 International</a:t>
+            </a:r>
+            <a:endParaRPr lang="en-US" dirty="0"/>
+          </a:p>
+        </p:txBody>
+      </p:sp>
+      <p:sp>
+        <p:nvSpPr>
+          <p:cNvPr id="6" name="Date Placeholder 5"/>
+          <p:cNvSpPr>
+            <a:spLocks noGrp="1"/>
+          </p:cNvSpPr>
+          <p:nvPr>
+            <p:ph type="dt" sz="half" idx="10"/>
+          </p:nvPr>
+        </p:nvSpPr>
+        <p:spPr/>
+        <p:txBody>
+          <a:bodyPr/>
+          <a:lstStyle/>
+          <a:p>
+            <a:fld id="{A6E943C3-0A09-449F-81C2-9AF69105DB62}" type="datetime1">
+              <a:rPr lang="en-US" smtClean="0"/>
+              <a:t>5/22/2012</a:t>
+            </a:fld>
+            <a:endParaRPr lang="en-US"/>
           </a:p>
         </p:txBody>
       </p:sp>
@@ -14353,6 +18831,76 @@
           </a:p>
         </p:txBody>
       </p:sp>
+      <p:sp>
+        <p:nvSpPr>
+          <p:cNvPr id="2" name="Slide Number Placeholder 1"/>
+          <p:cNvSpPr>
+            <a:spLocks noGrp="1"/>
+          </p:cNvSpPr>
+          <p:nvPr>
+            <p:ph type="sldNum" sz="quarter" idx="12"/>
+          </p:nvPr>
+        </p:nvSpPr>
+        <p:spPr/>
+        <p:txBody>
+          <a:bodyPr/>
+          <a:lstStyle/>
+          <a:p>
+            <a:fld id="{990B41CA-569D-40E7-8E58-026C0338B2C8}" type="slidenum">
+              <a:rPr lang="en-US" smtClean="0"/>
+              <a:pPr/>
+              <a:t>71</a:t>
+            </a:fld>
+            <a:endParaRPr lang="en-US"/>
+          </a:p>
+        </p:txBody>
+      </p:sp>
+      <p:sp>
+        <p:nvSpPr>
+          <p:cNvPr id="3" name="Footer Placeholder 2"/>
+          <p:cNvSpPr>
+            <a:spLocks noGrp="1"/>
+          </p:cNvSpPr>
+          <p:nvPr>
+            <p:ph type="ftr" sz="quarter" idx="11"/>
+          </p:nvPr>
+        </p:nvSpPr>
+        <p:spPr/>
+        <p:txBody>
+          <a:bodyPr/>
+          <a:lstStyle/>
+          <a:p>
+            <a:r>
+              <a:rPr lang="en-US" smtClean="0"/>
+              <a:t>(c) 2012 HL7 International</a:t>
+            </a:r>
+            <a:endParaRPr lang="en-US"/>
+          </a:p>
+        </p:txBody>
+      </p:sp>
+      <p:sp>
+        <p:nvSpPr>
+          <p:cNvPr id="4" name="Date Placeholder 3"/>
+          <p:cNvSpPr>
+            <a:spLocks noGrp="1"/>
+          </p:cNvSpPr>
+          <p:nvPr>
+            <p:ph type="dt" sz="half" idx="10"/>
+          </p:nvPr>
+        </p:nvSpPr>
+        <p:spPr/>
+        <p:txBody>
+          <a:bodyPr/>
+          <a:lstStyle/>
+          <a:p>
+            <a:fld id="{B57B6147-77AB-46B5-B00F-D53A8EB3A63B}" type="datetime1">
+              <a:rPr lang="en-US" smtClean="0"/>
+              <a:t>5/22/2012</a:t>
+            </a:fld>
+            <a:endParaRPr lang="en-US"/>
+          </a:p>
+        </p:txBody>
+      </p:sp>
     </p:spTree>
     <p:extLst>
       <p:ext uri="{BB962C8B-B14F-4D97-AF65-F5344CB8AC3E}">
@@ -14470,6 +19018,76 @@
           </a:p>
         </p:txBody>
       </p:sp>
+      <p:sp>
+        <p:nvSpPr>
+          <p:cNvPr id="4" name="Slide Number Placeholder 3"/>
+          <p:cNvSpPr>
+            <a:spLocks noGrp="1"/>
+          </p:cNvSpPr>
+          <p:nvPr>
+            <p:ph type="sldNum" sz="quarter" idx="12"/>
+          </p:nvPr>
+        </p:nvSpPr>
+        <p:spPr/>
+        <p:txBody>
+          <a:bodyPr/>
+          <a:lstStyle/>
+          <a:p>
+            <a:fld id="{990B41CA-569D-40E7-8E58-026C0338B2C8}" type="slidenum">
+              <a:rPr lang="en-US" smtClean="0"/>
+              <a:pPr/>
+              <a:t>72</a:t>
+            </a:fld>
+            <a:endParaRPr lang="en-US"/>
+          </a:p>
+        </p:txBody>
+      </p:sp>
+      <p:sp>
+        <p:nvSpPr>
+          <p:cNvPr id="5" name="Footer Placeholder 4"/>
+          <p:cNvSpPr>
+            <a:spLocks noGrp="1"/>
+          </p:cNvSpPr>
+          <p:nvPr>
+            <p:ph type="ftr" sz="quarter" idx="11"/>
+          </p:nvPr>
+        </p:nvSpPr>
+        <p:spPr/>
+        <p:txBody>
+          <a:bodyPr/>
+          <a:lstStyle/>
+          <a:p>
+            <a:r>
+              <a:rPr lang="en-US" smtClean="0"/>
+              <a:t>(c) 2012 HL7 International</a:t>
+            </a:r>
+            <a:endParaRPr lang="en-US" dirty="0"/>
+          </a:p>
+        </p:txBody>
+      </p:sp>
+      <p:sp>
+        <p:nvSpPr>
+          <p:cNvPr id="6" name="Date Placeholder 5"/>
+          <p:cNvSpPr>
+            <a:spLocks noGrp="1"/>
+          </p:cNvSpPr>
+          <p:nvPr>
+            <p:ph type="dt" sz="half" idx="10"/>
+          </p:nvPr>
+        </p:nvSpPr>
+        <p:spPr/>
+        <p:txBody>
+          <a:bodyPr/>
+          <a:lstStyle/>
+          <a:p>
+            <a:fld id="{A4364657-C229-430B-B8F0-0881AD1247C9}" type="datetime1">
+              <a:rPr lang="en-US" smtClean="0"/>
+              <a:t>5/22/2012</a:t>
+            </a:fld>
+            <a:endParaRPr lang="en-US"/>
+          </a:p>
+        </p:txBody>
+      </p:sp>
     </p:spTree>
     <p:extLst>
       <p:ext uri="{BB962C8B-B14F-4D97-AF65-F5344CB8AC3E}">
@@ -14592,6 +19210,76 @@
           </a:p>
         </p:txBody>
       </p:sp>
+      <p:sp>
+        <p:nvSpPr>
+          <p:cNvPr id="4" name="Slide Number Placeholder 3"/>
+          <p:cNvSpPr>
+            <a:spLocks noGrp="1"/>
+          </p:cNvSpPr>
+          <p:nvPr>
+            <p:ph type="sldNum" sz="quarter" idx="12"/>
+          </p:nvPr>
+        </p:nvSpPr>
+        <p:spPr/>
+        <p:txBody>
+          <a:bodyPr/>
+          <a:lstStyle/>
+          <a:p>
+            <a:fld id="{990B41CA-569D-40E7-8E58-026C0338B2C8}" type="slidenum">
+              <a:rPr lang="en-US" smtClean="0"/>
+              <a:pPr/>
+              <a:t>73</a:t>
+            </a:fld>
+            <a:endParaRPr lang="en-US"/>
+          </a:p>
+        </p:txBody>
+      </p:sp>
+      <p:sp>
+        <p:nvSpPr>
+          <p:cNvPr id="5" name="Footer Placeholder 4"/>
+          <p:cNvSpPr>
+            <a:spLocks noGrp="1"/>
+          </p:cNvSpPr>
+          <p:nvPr>
+            <p:ph type="ftr" sz="quarter" idx="11"/>
+          </p:nvPr>
+        </p:nvSpPr>
+        <p:spPr/>
+        <p:txBody>
+          <a:bodyPr/>
+          <a:lstStyle/>
+          <a:p>
+            <a:r>
+              <a:rPr lang="en-US" smtClean="0"/>
+              <a:t>(c) 2012 HL7 International</a:t>
+            </a:r>
+            <a:endParaRPr lang="en-US" dirty="0"/>
+          </a:p>
+        </p:txBody>
+      </p:sp>
+      <p:sp>
+        <p:nvSpPr>
+          <p:cNvPr id="6" name="Date Placeholder 5"/>
+          <p:cNvSpPr>
+            <a:spLocks noGrp="1"/>
+          </p:cNvSpPr>
+          <p:nvPr>
+            <p:ph type="dt" sz="half" idx="10"/>
+          </p:nvPr>
+        </p:nvSpPr>
+        <p:spPr/>
+        <p:txBody>
+          <a:bodyPr/>
+          <a:lstStyle/>
+          <a:p>
+            <a:fld id="{50C69E75-84B0-4C26-94D4-C68EEBCE430C}" type="datetime1">
+              <a:rPr lang="en-US" smtClean="0"/>
+              <a:t>5/22/2012</a:t>
+            </a:fld>
+            <a:endParaRPr lang="en-US"/>
+          </a:p>
+        </p:txBody>
+      </p:sp>
     </p:spTree>
     <p:extLst>
       <p:ext uri="{BB962C8B-B14F-4D97-AF65-F5344CB8AC3E}">
@@ -14749,6 +19437,76 @@
           </a:p>
         </p:txBody>
       </p:sp>
+      <p:sp>
+        <p:nvSpPr>
+          <p:cNvPr id="4" name="Slide Number Placeholder 3"/>
+          <p:cNvSpPr>
+            <a:spLocks noGrp="1"/>
+          </p:cNvSpPr>
+          <p:nvPr>
+            <p:ph type="sldNum" sz="quarter" idx="12"/>
+          </p:nvPr>
+        </p:nvSpPr>
+        <p:spPr/>
+        <p:txBody>
+          <a:bodyPr/>
+          <a:lstStyle/>
+          <a:p>
+            <a:fld id="{990B41CA-569D-40E7-8E58-026C0338B2C8}" type="slidenum">
+              <a:rPr lang="en-US" smtClean="0"/>
+              <a:pPr/>
+              <a:t>74</a:t>
+            </a:fld>
+            <a:endParaRPr lang="en-US"/>
+          </a:p>
+        </p:txBody>
+      </p:sp>
+      <p:sp>
+        <p:nvSpPr>
+          <p:cNvPr id="5" name="Footer Placeholder 4"/>
+          <p:cNvSpPr>
+            <a:spLocks noGrp="1"/>
+          </p:cNvSpPr>
+          <p:nvPr>
+            <p:ph type="ftr" sz="quarter" idx="11"/>
+          </p:nvPr>
+        </p:nvSpPr>
+        <p:spPr/>
+        <p:txBody>
+          <a:bodyPr/>
+          <a:lstStyle/>
+          <a:p>
+            <a:r>
+              <a:rPr lang="en-US" smtClean="0"/>
+              <a:t>(c) 2012 HL7 International</a:t>
+            </a:r>
+            <a:endParaRPr lang="en-US" dirty="0"/>
+          </a:p>
+        </p:txBody>
+      </p:sp>
+      <p:sp>
+        <p:nvSpPr>
+          <p:cNvPr id="6" name="Date Placeholder 5"/>
+          <p:cNvSpPr>
+            <a:spLocks noGrp="1"/>
+          </p:cNvSpPr>
+          <p:nvPr>
+            <p:ph type="dt" sz="half" idx="10"/>
+          </p:nvPr>
+        </p:nvSpPr>
+        <p:spPr/>
+        <p:txBody>
+          <a:bodyPr/>
+          <a:lstStyle/>
+          <a:p>
+            <a:fld id="{018F5D0E-79B6-4617-834B-197D2AD255BE}" type="datetime1">
+              <a:rPr lang="en-US" smtClean="0"/>
+              <a:t>5/22/2012</a:t>
+            </a:fld>
+            <a:endParaRPr lang="en-US"/>
+          </a:p>
+        </p:txBody>
+      </p:sp>
     </p:spTree>
     <p:extLst>
       <p:ext uri="{BB962C8B-B14F-4D97-AF65-F5344CB8AC3E}">
@@ -14799,6 +19557,76 @@
               <a:t>Questions &amp; Answers</a:t>
             </a:r>
             <a:endParaRPr lang="en-CA" dirty="0"/>
+          </a:p>
+        </p:txBody>
+      </p:sp>
+      <p:sp>
+        <p:nvSpPr>
+          <p:cNvPr id="2" name="Slide Number Placeholder 1"/>
+          <p:cNvSpPr>
+            <a:spLocks noGrp="1"/>
+          </p:cNvSpPr>
+          <p:nvPr>
+            <p:ph type="sldNum" sz="quarter" idx="12"/>
+          </p:nvPr>
+        </p:nvSpPr>
+        <p:spPr/>
+        <p:txBody>
+          <a:bodyPr/>
+          <a:lstStyle/>
+          <a:p>
+            <a:fld id="{990B41CA-569D-40E7-8E58-026C0338B2C8}" type="slidenum">
+              <a:rPr lang="en-US" smtClean="0"/>
+              <a:pPr/>
+              <a:t>75</a:t>
+            </a:fld>
+            <a:endParaRPr lang="en-US"/>
+          </a:p>
+        </p:txBody>
+      </p:sp>
+      <p:sp>
+        <p:nvSpPr>
+          <p:cNvPr id="3" name="Footer Placeholder 2"/>
+          <p:cNvSpPr>
+            <a:spLocks noGrp="1"/>
+          </p:cNvSpPr>
+          <p:nvPr>
+            <p:ph type="ftr" sz="quarter" idx="11"/>
+          </p:nvPr>
+        </p:nvSpPr>
+        <p:spPr/>
+        <p:txBody>
+          <a:bodyPr/>
+          <a:lstStyle/>
+          <a:p>
+            <a:r>
+              <a:rPr lang="en-US" smtClean="0"/>
+              <a:t>(c) 2012 HL7 International</a:t>
+            </a:r>
+            <a:endParaRPr lang="en-US"/>
+          </a:p>
+        </p:txBody>
+      </p:sp>
+      <p:sp>
+        <p:nvSpPr>
+          <p:cNvPr id="4" name="Date Placeholder 3"/>
+          <p:cNvSpPr>
+            <a:spLocks noGrp="1"/>
+          </p:cNvSpPr>
+          <p:nvPr>
+            <p:ph type="dt" sz="half" idx="10"/>
+          </p:nvPr>
+        </p:nvSpPr>
+        <p:spPr/>
+        <p:txBody>
+          <a:bodyPr/>
+          <a:lstStyle/>
+          <a:p>
+            <a:fld id="{600FDA0A-64BC-4B47-AC82-22F0FD5082E1}" type="datetime1">
+              <a:rPr lang="en-US" smtClean="0"/>
+              <a:t>5/22/2012</a:t>
+            </a:fld>
+            <a:endParaRPr lang="en-US"/>
           </a:p>
         </p:txBody>
       </p:sp>
@@ -14900,6 +19728,76 @@
           </a:p>
         </p:txBody>
       </p:sp>
+      <p:sp>
+        <p:nvSpPr>
+          <p:cNvPr id="4" name="Slide Number Placeholder 3"/>
+          <p:cNvSpPr>
+            <a:spLocks noGrp="1"/>
+          </p:cNvSpPr>
+          <p:nvPr>
+            <p:ph type="sldNum" sz="quarter" idx="12"/>
+          </p:nvPr>
+        </p:nvSpPr>
+        <p:spPr/>
+        <p:txBody>
+          <a:bodyPr/>
+          <a:lstStyle/>
+          <a:p>
+            <a:fld id="{990B41CA-569D-40E7-8E58-026C0338B2C8}" type="slidenum">
+              <a:rPr lang="en-US" smtClean="0"/>
+              <a:pPr/>
+              <a:t>76</a:t>
+            </a:fld>
+            <a:endParaRPr lang="en-US"/>
+          </a:p>
+        </p:txBody>
+      </p:sp>
+      <p:sp>
+        <p:nvSpPr>
+          <p:cNvPr id="5" name="Footer Placeholder 4"/>
+          <p:cNvSpPr>
+            <a:spLocks noGrp="1"/>
+          </p:cNvSpPr>
+          <p:nvPr>
+            <p:ph type="ftr" sz="quarter" idx="11"/>
+          </p:nvPr>
+        </p:nvSpPr>
+        <p:spPr/>
+        <p:txBody>
+          <a:bodyPr/>
+          <a:lstStyle/>
+          <a:p>
+            <a:r>
+              <a:rPr lang="en-US" smtClean="0"/>
+              <a:t>(c) 2012 HL7 International</a:t>
+            </a:r>
+            <a:endParaRPr lang="en-US" dirty="0"/>
+          </a:p>
+        </p:txBody>
+      </p:sp>
+      <p:sp>
+        <p:nvSpPr>
+          <p:cNvPr id="6" name="Date Placeholder 5"/>
+          <p:cNvSpPr>
+            <a:spLocks noGrp="1"/>
+          </p:cNvSpPr>
+          <p:nvPr>
+            <p:ph type="dt" sz="half" idx="10"/>
+          </p:nvPr>
+        </p:nvSpPr>
+        <p:spPr/>
+        <p:txBody>
+          <a:bodyPr/>
+          <a:lstStyle/>
+          <a:p>
+            <a:fld id="{93DB3C69-B2FC-4580-A839-85CE580B51D5}" type="datetime1">
+              <a:rPr lang="en-US" smtClean="0"/>
+              <a:t>5/22/2012</a:t>
+            </a:fld>
+            <a:endParaRPr lang="en-US"/>
+          </a:p>
+        </p:txBody>
+      </p:sp>
     </p:spTree>
     <p:extLst>
       <p:ext uri="{BB962C8B-B14F-4D97-AF65-F5344CB8AC3E}">
@@ -15003,6 +19901,76 @@
           </a:p>
         </p:txBody>
       </p:sp>
+      <p:sp>
+        <p:nvSpPr>
+          <p:cNvPr id="4" name="Slide Number Placeholder 3"/>
+          <p:cNvSpPr>
+            <a:spLocks noGrp="1"/>
+          </p:cNvSpPr>
+          <p:nvPr>
+            <p:ph type="sldNum" sz="quarter" idx="12"/>
+          </p:nvPr>
+        </p:nvSpPr>
+        <p:spPr/>
+        <p:txBody>
+          <a:bodyPr/>
+          <a:lstStyle/>
+          <a:p>
+            <a:fld id="{990B41CA-569D-40E7-8E58-026C0338B2C8}" type="slidenum">
+              <a:rPr lang="en-US" smtClean="0"/>
+              <a:pPr/>
+              <a:t>77</a:t>
+            </a:fld>
+            <a:endParaRPr lang="en-US"/>
+          </a:p>
+        </p:txBody>
+      </p:sp>
+      <p:sp>
+        <p:nvSpPr>
+          <p:cNvPr id="5" name="Footer Placeholder 4"/>
+          <p:cNvSpPr>
+            <a:spLocks noGrp="1"/>
+          </p:cNvSpPr>
+          <p:nvPr>
+            <p:ph type="ftr" sz="quarter" idx="11"/>
+          </p:nvPr>
+        </p:nvSpPr>
+        <p:spPr/>
+        <p:txBody>
+          <a:bodyPr/>
+          <a:lstStyle/>
+          <a:p>
+            <a:r>
+              <a:rPr lang="en-US" smtClean="0"/>
+              <a:t>(c) 2012 HL7 International</a:t>
+            </a:r>
+            <a:endParaRPr lang="en-US" dirty="0"/>
+          </a:p>
+        </p:txBody>
+      </p:sp>
+      <p:sp>
+        <p:nvSpPr>
+          <p:cNvPr id="6" name="Date Placeholder 5"/>
+          <p:cNvSpPr>
+            <a:spLocks noGrp="1"/>
+          </p:cNvSpPr>
+          <p:nvPr>
+            <p:ph type="dt" sz="half" idx="10"/>
+          </p:nvPr>
+        </p:nvSpPr>
+        <p:spPr/>
+        <p:txBody>
+          <a:bodyPr/>
+          <a:lstStyle/>
+          <a:p>
+            <a:fld id="{FA663351-5770-4EC4-83EF-DAF8263460AD}" type="datetime1">
+              <a:rPr lang="en-US" smtClean="0"/>
+              <a:t>5/22/2012</a:t>
+            </a:fld>
+            <a:endParaRPr lang="en-US"/>
+          </a:p>
+        </p:txBody>
+      </p:sp>
     </p:spTree>
     <p:extLst>
       <p:ext uri="{BB962C8B-B14F-4D97-AF65-F5344CB8AC3E}">
@@ -15106,6 +20074,76 @@
           </a:p>
         </p:txBody>
       </p:sp>
+      <p:sp>
+        <p:nvSpPr>
+          <p:cNvPr id="4" name="Slide Number Placeholder 3"/>
+          <p:cNvSpPr>
+            <a:spLocks noGrp="1"/>
+          </p:cNvSpPr>
+          <p:nvPr>
+            <p:ph type="sldNum" sz="quarter" idx="12"/>
+          </p:nvPr>
+        </p:nvSpPr>
+        <p:spPr/>
+        <p:txBody>
+          <a:bodyPr/>
+          <a:lstStyle/>
+          <a:p>
+            <a:fld id="{990B41CA-569D-40E7-8E58-026C0338B2C8}" type="slidenum">
+              <a:rPr lang="en-US" smtClean="0"/>
+              <a:pPr/>
+              <a:t>78</a:t>
+            </a:fld>
+            <a:endParaRPr lang="en-US"/>
+          </a:p>
+        </p:txBody>
+      </p:sp>
+      <p:sp>
+        <p:nvSpPr>
+          <p:cNvPr id="5" name="Footer Placeholder 4"/>
+          <p:cNvSpPr>
+            <a:spLocks noGrp="1"/>
+          </p:cNvSpPr>
+          <p:nvPr>
+            <p:ph type="ftr" sz="quarter" idx="11"/>
+          </p:nvPr>
+        </p:nvSpPr>
+        <p:spPr/>
+        <p:txBody>
+          <a:bodyPr/>
+          <a:lstStyle/>
+          <a:p>
+            <a:r>
+              <a:rPr lang="en-US" smtClean="0"/>
+              <a:t>(c) 2012 HL7 International</a:t>
+            </a:r>
+            <a:endParaRPr lang="en-US" dirty="0"/>
+          </a:p>
+        </p:txBody>
+      </p:sp>
+      <p:sp>
+        <p:nvSpPr>
+          <p:cNvPr id="6" name="Date Placeholder 5"/>
+          <p:cNvSpPr>
+            <a:spLocks noGrp="1"/>
+          </p:cNvSpPr>
+          <p:nvPr>
+            <p:ph type="dt" sz="half" idx="10"/>
+          </p:nvPr>
+        </p:nvSpPr>
+        <p:spPr/>
+        <p:txBody>
+          <a:bodyPr/>
+          <a:lstStyle/>
+          <a:p>
+            <a:fld id="{BF5D47DA-7C65-46E0-AD5A-2C8660B890AF}" type="datetime1">
+              <a:rPr lang="en-US" smtClean="0"/>
+              <a:t>5/22/2012</a:t>
+            </a:fld>
+            <a:endParaRPr lang="en-US"/>
+          </a:p>
+        </p:txBody>
+      </p:sp>
     </p:spTree>
     <p:extLst>
       <p:ext uri="{BB962C8B-B14F-4D97-AF65-F5344CB8AC3E}">
@@ -15212,6 +20250,76 @@
           </a:p>
         </p:txBody>
       </p:sp>
+      <p:sp>
+        <p:nvSpPr>
+          <p:cNvPr id="4" name="Slide Number Placeholder 3"/>
+          <p:cNvSpPr>
+            <a:spLocks noGrp="1"/>
+          </p:cNvSpPr>
+          <p:nvPr>
+            <p:ph type="sldNum" sz="quarter" idx="12"/>
+          </p:nvPr>
+        </p:nvSpPr>
+        <p:spPr/>
+        <p:txBody>
+          <a:bodyPr/>
+          <a:lstStyle/>
+          <a:p>
+            <a:fld id="{990B41CA-569D-40E7-8E58-026C0338B2C8}" type="slidenum">
+              <a:rPr lang="en-US" smtClean="0"/>
+              <a:pPr/>
+              <a:t>79</a:t>
+            </a:fld>
+            <a:endParaRPr lang="en-US"/>
+          </a:p>
+        </p:txBody>
+      </p:sp>
+      <p:sp>
+        <p:nvSpPr>
+          <p:cNvPr id="5" name="Footer Placeholder 4"/>
+          <p:cNvSpPr>
+            <a:spLocks noGrp="1"/>
+          </p:cNvSpPr>
+          <p:nvPr>
+            <p:ph type="ftr" sz="quarter" idx="11"/>
+          </p:nvPr>
+        </p:nvSpPr>
+        <p:spPr/>
+        <p:txBody>
+          <a:bodyPr/>
+          <a:lstStyle/>
+          <a:p>
+            <a:r>
+              <a:rPr lang="en-US" smtClean="0"/>
+              <a:t>(c) 2012 HL7 International</a:t>
+            </a:r>
+            <a:endParaRPr lang="en-US" dirty="0"/>
+          </a:p>
+        </p:txBody>
+      </p:sp>
+      <p:sp>
+        <p:nvSpPr>
+          <p:cNvPr id="6" name="Date Placeholder 5"/>
+          <p:cNvSpPr>
+            <a:spLocks noGrp="1"/>
+          </p:cNvSpPr>
+          <p:nvPr>
+            <p:ph type="dt" sz="half" idx="10"/>
+          </p:nvPr>
+        </p:nvSpPr>
+        <p:spPr/>
+        <p:txBody>
+          <a:bodyPr/>
+          <a:lstStyle/>
+          <a:p>
+            <a:fld id="{C132517C-4EB9-40E9-A665-27A220936D03}" type="datetime1">
+              <a:rPr lang="en-US" smtClean="0"/>
+              <a:t>5/22/2012</a:t>
+            </a:fld>
+            <a:endParaRPr lang="en-US"/>
+          </a:p>
+        </p:txBody>
+      </p:sp>
     </p:spTree>
     <p:extLst>
       <p:ext uri="{BB962C8B-B14F-4D97-AF65-F5344CB8AC3E}">
@@ -15330,6 +20438,76 @@
           </a:p>
         </p:txBody>
       </p:sp>
+      <p:sp>
+        <p:nvSpPr>
+          <p:cNvPr id="4" name="Slide Number Placeholder 3"/>
+          <p:cNvSpPr>
+            <a:spLocks noGrp="1"/>
+          </p:cNvSpPr>
+          <p:nvPr>
+            <p:ph type="sldNum" sz="quarter" idx="12"/>
+          </p:nvPr>
+        </p:nvSpPr>
+        <p:spPr/>
+        <p:txBody>
+          <a:bodyPr/>
+          <a:lstStyle/>
+          <a:p>
+            <a:fld id="{990B41CA-569D-40E7-8E58-026C0338B2C8}" type="slidenum">
+              <a:rPr lang="en-US" smtClean="0"/>
+              <a:pPr/>
+              <a:t>8</a:t>
+            </a:fld>
+            <a:endParaRPr lang="en-US"/>
+          </a:p>
+        </p:txBody>
+      </p:sp>
+      <p:sp>
+        <p:nvSpPr>
+          <p:cNvPr id="5" name="Footer Placeholder 4"/>
+          <p:cNvSpPr>
+            <a:spLocks noGrp="1"/>
+          </p:cNvSpPr>
+          <p:nvPr>
+            <p:ph type="ftr" sz="quarter" idx="11"/>
+          </p:nvPr>
+        </p:nvSpPr>
+        <p:spPr/>
+        <p:txBody>
+          <a:bodyPr/>
+          <a:lstStyle/>
+          <a:p>
+            <a:r>
+              <a:rPr lang="en-US" smtClean="0"/>
+              <a:t>(c) 2012 HL7 International</a:t>
+            </a:r>
+            <a:endParaRPr lang="en-US" dirty="0"/>
+          </a:p>
+        </p:txBody>
+      </p:sp>
+      <p:sp>
+        <p:nvSpPr>
+          <p:cNvPr id="6" name="Date Placeholder 5"/>
+          <p:cNvSpPr>
+            <a:spLocks noGrp="1"/>
+          </p:cNvSpPr>
+          <p:nvPr>
+            <p:ph type="dt" sz="half" idx="10"/>
+          </p:nvPr>
+        </p:nvSpPr>
+        <p:spPr/>
+        <p:txBody>
+          <a:bodyPr/>
+          <a:lstStyle/>
+          <a:p>
+            <a:fld id="{106CD9D8-C1CD-4171-8BD6-7AFE4952DC34}" type="datetime1">
+              <a:rPr lang="en-US" smtClean="0"/>
+              <a:t>5/22/2012</a:t>
+            </a:fld>
+            <a:endParaRPr lang="en-US"/>
+          </a:p>
+        </p:txBody>
+      </p:sp>
     </p:spTree>
     <p:extLst>
       <p:ext uri="{BB962C8B-B14F-4D97-AF65-F5344CB8AC3E}">
@@ -15438,6 +20616,76 @@
           </a:p>
         </p:txBody>
       </p:sp>
+      <p:sp>
+        <p:nvSpPr>
+          <p:cNvPr id="4" name="Slide Number Placeholder 3"/>
+          <p:cNvSpPr>
+            <a:spLocks noGrp="1"/>
+          </p:cNvSpPr>
+          <p:nvPr>
+            <p:ph type="sldNum" sz="quarter" idx="12"/>
+          </p:nvPr>
+        </p:nvSpPr>
+        <p:spPr/>
+        <p:txBody>
+          <a:bodyPr/>
+          <a:lstStyle/>
+          <a:p>
+            <a:fld id="{990B41CA-569D-40E7-8E58-026C0338B2C8}" type="slidenum">
+              <a:rPr lang="en-US" smtClean="0"/>
+              <a:pPr/>
+              <a:t>80</a:t>
+            </a:fld>
+            <a:endParaRPr lang="en-US"/>
+          </a:p>
+        </p:txBody>
+      </p:sp>
+      <p:sp>
+        <p:nvSpPr>
+          <p:cNvPr id="5" name="Footer Placeholder 4"/>
+          <p:cNvSpPr>
+            <a:spLocks noGrp="1"/>
+          </p:cNvSpPr>
+          <p:nvPr>
+            <p:ph type="ftr" sz="quarter" idx="11"/>
+          </p:nvPr>
+        </p:nvSpPr>
+        <p:spPr/>
+        <p:txBody>
+          <a:bodyPr/>
+          <a:lstStyle/>
+          <a:p>
+            <a:r>
+              <a:rPr lang="en-US" smtClean="0"/>
+              <a:t>(c) 2012 HL7 International</a:t>
+            </a:r>
+            <a:endParaRPr lang="en-US" dirty="0"/>
+          </a:p>
+        </p:txBody>
+      </p:sp>
+      <p:sp>
+        <p:nvSpPr>
+          <p:cNvPr id="6" name="Date Placeholder 5"/>
+          <p:cNvSpPr>
+            <a:spLocks noGrp="1"/>
+          </p:cNvSpPr>
+          <p:nvPr>
+            <p:ph type="dt" sz="half" idx="10"/>
+          </p:nvPr>
+        </p:nvSpPr>
+        <p:spPr/>
+        <p:txBody>
+          <a:bodyPr/>
+          <a:lstStyle/>
+          <a:p>
+            <a:fld id="{64685EBF-6642-42A9-AC4B-E1B0AAE0A73F}" type="datetime1">
+              <a:rPr lang="en-US" smtClean="0"/>
+              <a:t>5/22/2012</a:t>
+            </a:fld>
+            <a:endParaRPr lang="en-US"/>
+          </a:p>
+        </p:txBody>
+      </p:sp>
     </p:spTree>
     <p:extLst>
       <p:ext uri="{BB962C8B-B14F-4D97-AF65-F5344CB8AC3E}">
@@ -15531,6 +20779,76 @@
           </a:p>
         </p:txBody>
       </p:sp>
+      <p:sp>
+        <p:nvSpPr>
+          <p:cNvPr id="4" name="Slide Number Placeholder 3"/>
+          <p:cNvSpPr>
+            <a:spLocks noGrp="1"/>
+          </p:cNvSpPr>
+          <p:nvPr>
+            <p:ph type="sldNum" sz="quarter" idx="12"/>
+          </p:nvPr>
+        </p:nvSpPr>
+        <p:spPr/>
+        <p:txBody>
+          <a:bodyPr/>
+          <a:lstStyle/>
+          <a:p>
+            <a:fld id="{990B41CA-569D-40E7-8E58-026C0338B2C8}" type="slidenum">
+              <a:rPr lang="en-US" smtClean="0"/>
+              <a:pPr/>
+              <a:t>81</a:t>
+            </a:fld>
+            <a:endParaRPr lang="en-US"/>
+          </a:p>
+        </p:txBody>
+      </p:sp>
+      <p:sp>
+        <p:nvSpPr>
+          <p:cNvPr id="5" name="Footer Placeholder 4"/>
+          <p:cNvSpPr>
+            <a:spLocks noGrp="1"/>
+          </p:cNvSpPr>
+          <p:nvPr>
+            <p:ph type="ftr" sz="quarter" idx="11"/>
+          </p:nvPr>
+        </p:nvSpPr>
+        <p:spPr/>
+        <p:txBody>
+          <a:bodyPr/>
+          <a:lstStyle/>
+          <a:p>
+            <a:r>
+              <a:rPr lang="en-US" smtClean="0"/>
+              <a:t>(c) 2012 HL7 International</a:t>
+            </a:r>
+            <a:endParaRPr lang="en-US" dirty="0"/>
+          </a:p>
+        </p:txBody>
+      </p:sp>
+      <p:sp>
+        <p:nvSpPr>
+          <p:cNvPr id="6" name="Date Placeholder 5"/>
+          <p:cNvSpPr>
+            <a:spLocks noGrp="1"/>
+          </p:cNvSpPr>
+          <p:nvPr>
+            <p:ph type="dt" sz="half" idx="10"/>
+          </p:nvPr>
+        </p:nvSpPr>
+        <p:spPr/>
+        <p:txBody>
+          <a:bodyPr/>
+          <a:lstStyle/>
+          <a:p>
+            <a:fld id="{251243F5-4C81-4783-A183-4EEB61C98B79}" type="datetime1">
+              <a:rPr lang="en-US" smtClean="0"/>
+              <a:t>5/22/2012</a:t>
+            </a:fld>
+            <a:endParaRPr lang="en-US"/>
+          </a:p>
+        </p:txBody>
+      </p:sp>
     </p:spTree>
     <p:extLst>
       <p:ext uri="{BB962C8B-B14F-4D97-AF65-F5344CB8AC3E}">
@@ -15638,6 +20956,76 @@
           </a:p>
         </p:txBody>
       </p:sp>
+      <p:sp>
+        <p:nvSpPr>
+          <p:cNvPr id="4" name="Slide Number Placeholder 3"/>
+          <p:cNvSpPr>
+            <a:spLocks noGrp="1"/>
+          </p:cNvSpPr>
+          <p:nvPr>
+            <p:ph type="sldNum" sz="quarter" idx="12"/>
+          </p:nvPr>
+        </p:nvSpPr>
+        <p:spPr/>
+        <p:txBody>
+          <a:bodyPr/>
+          <a:lstStyle/>
+          <a:p>
+            <a:fld id="{990B41CA-569D-40E7-8E58-026C0338B2C8}" type="slidenum">
+              <a:rPr lang="en-US" smtClean="0"/>
+              <a:pPr/>
+              <a:t>82</a:t>
+            </a:fld>
+            <a:endParaRPr lang="en-US"/>
+          </a:p>
+        </p:txBody>
+      </p:sp>
+      <p:sp>
+        <p:nvSpPr>
+          <p:cNvPr id="5" name="Footer Placeholder 4"/>
+          <p:cNvSpPr>
+            <a:spLocks noGrp="1"/>
+          </p:cNvSpPr>
+          <p:nvPr>
+            <p:ph type="ftr" sz="quarter" idx="11"/>
+          </p:nvPr>
+        </p:nvSpPr>
+        <p:spPr/>
+        <p:txBody>
+          <a:bodyPr/>
+          <a:lstStyle/>
+          <a:p>
+            <a:r>
+              <a:rPr lang="en-US" smtClean="0"/>
+              <a:t>(c) 2012 HL7 International</a:t>
+            </a:r>
+            <a:endParaRPr lang="en-US" dirty="0"/>
+          </a:p>
+        </p:txBody>
+      </p:sp>
+      <p:sp>
+        <p:nvSpPr>
+          <p:cNvPr id="6" name="Date Placeholder 5"/>
+          <p:cNvSpPr>
+            <a:spLocks noGrp="1"/>
+          </p:cNvSpPr>
+          <p:nvPr>
+            <p:ph type="dt" sz="half" idx="10"/>
+          </p:nvPr>
+        </p:nvSpPr>
+        <p:spPr/>
+        <p:txBody>
+          <a:bodyPr/>
+          <a:lstStyle/>
+          <a:p>
+            <a:fld id="{3EAE7D07-9A73-4298-84D7-C536A81731E3}" type="datetime1">
+              <a:rPr lang="en-US" smtClean="0"/>
+              <a:t>5/22/2012</a:t>
+            </a:fld>
+            <a:endParaRPr lang="en-US"/>
+          </a:p>
+        </p:txBody>
+      </p:sp>
     </p:spTree>
     <p:extLst>
       <p:ext uri="{BB962C8B-B14F-4D97-AF65-F5344CB8AC3E}">
@@ -15725,10 +21113,255 @@
           </a:p>
         </p:txBody>
       </p:sp>
+      <p:sp>
+        <p:nvSpPr>
+          <p:cNvPr id="4" name="Slide Number Placeholder 3"/>
+          <p:cNvSpPr>
+            <a:spLocks noGrp="1"/>
+          </p:cNvSpPr>
+          <p:nvPr>
+            <p:ph type="sldNum" sz="quarter" idx="12"/>
+          </p:nvPr>
+        </p:nvSpPr>
+        <p:spPr/>
+        <p:txBody>
+          <a:bodyPr/>
+          <a:lstStyle/>
+          <a:p>
+            <a:fld id="{990B41CA-569D-40E7-8E58-026C0338B2C8}" type="slidenum">
+              <a:rPr lang="en-US" smtClean="0"/>
+              <a:pPr/>
+              <a:t>83</a:t>
+            </a:fld>
+            <a:endParaRPr lang="en-US"/>
+          </a:p>
+        </p:txBody>
+      </p:sp>
+      <p:sp>
+        <p:nvSpPr>
+          <p:cNvPr id="5" name="Footer Placeholder 4"/>
+          <p:cNvSpPr>
+            <a:spLocks noGrp="1"/>
+          </p:cNvSpPr>
+          <p:nvPr>
+            <p:ph type="ftr" sz="quarter" idx="11"/>
+          </p:nvPr>
+        </p:nvSpPr>
+        <p:spPr/>
+        <p:txBody>
+          <a:bodyPr/>
+          <a:lstStyle/>
+          <a:p>
+            <a:r>
+              <a:rPr lang="en-US" smtClean="0"/>
+              <a:t>(c) 2012 HL7 International</a:t>
+            </a:r>
+            <a:endParaRPr lang="en-US" dirty="0"/>
+          </a:p>
+        </p:txBody>
+      </p:sp>
+      <p:sp>
+        <p:nvSpPr>
+          <p:cNvPr id="6" name="Date Placeholder 5"/>
+          <p:cNvSpPr>
+            <a:spLocks noGrp="1"/>
+          </p:cNvSpPr>
+          <p:nvPr>
+            <p:ph type="dt" sz="half" idx="10"/>
+          </p:nvPr>
+        </p:nvSpPr>
+        <p:spPr/>
+        <p:txBody>
+          <a:bodyPr/>
+          <a:lstStyle/>
+          <a:p>
+            <a:fld id="{83F2DA15-02B7-4DF4-A86E-31EBC6BDECD5}" type="datetime1">
+              <a:rPr lang="en-US" smtClean="0"/>
+              <a:t>5/22/2012</a:t>
+            </a:fld>
+            <a:endParaRPr lang="en-US"/>
+          </a:p>
+        </p:txBody>
+      </p:sp>
     </p:spTree>
     <p:extLst>
       <p:ext uri="{BB962C8B-B14F-4D97-AF65-F5344CB8AC3E}">
         <p14:creationId xmlns:p14="http://schemas.microsoft.com/office/powerpoint/2010/main" val="444479207"/>
+      </p:ext>
+    </p:extLst>
+  </p:cSld>
+  <p:clrMapOvr>
+    <a:masterClrMapping/>
+  </p:clrMapOvr>
+</p:sld>
+</file>
+
+<file path=ppt/slides/slide84.xml><?xml version="1.0" encoding="utf-8"?>
+<p:sld xmlns:a="http://schemas.openxmlformats.org/drawingml/2006/main" xmlns:r="http://schemas.openxmlformats.org/officeDocument/2006/relationships" xmlns:p="http://schemas.openxmlformats.org/presentationml/2006/main">
+  <p:cSld>
+    <p:spTree>
+      <p:nvGrpSpPr>
+        <p:cNvPr id="1" name=""/>
+        <p:cNvGrpSpPr/>
+        <p:nvPr/>
+      </p:nvGrpSpPr>
+      <p:grpSpPr>
+        <a:xfrm>
+          <a:off x="0" y="0"/>
+          <a:ext cx="0" cy="0"/>
+          <a:chOff x="0" y="0"/>
+          <a:chExt cx="0" cy="0"/>
+        </a:xfrm>
+      </p:grpSpPr>
+      <p:sp>
+        <p:nvSpPr>
+          <p:cNvPr id="2" name="Title 1"/>
+          <p:cNvSpPr>
+            <a:spLocks noGrp="1"/>
+          </p:cNvSpPr>
+          <p:nvPr>
+            <p:ph type="title"/>
+          </p:nvPr>
+        </p:nvSpPr>
+        <p:spPr/>
+        <p:txBody>
+          <a:bodyPr/>
+          <a:lstStyle/>
+          <a:p>
+            <a:r>
+              <a:rPr lang="en-US" dirty="0" smtClean="0"/>
+              <a:t>Licensing and Attribution</a:t>
+            </a:r>
+            <a:endParaRPr lang="en-CA" dirty="0"/>
+          </a:p>
+        </p:txBody>
+      </p:sp>
+      <p:sp>
+        <p:nvSpPr>
+          <p:cNvPr id="3" name="Content Placeholder 2"/>
+          <p:cNvSpPr>
+            <a:spLocks noGrp="1"/>
+          </p:cNvSpPr>
+          <p:nvPr>
+            <p:ph idx="1"/>
+          </p:nvPr>
+        </p:nvSpPr>
+        <p:spPr/>
+        <p:txBody>
+          <a:bodyPr/>
+          <a:lstStyle/>
+          <a:p>
+            <a:r>
+              <a:rPr lang="en-US" dirty="0" smtClean="0"/>
+              <a:t>This presentation is licensed under the Creative Commons Attribution Non-commercial Share Alike 3.0 license</a:t>
+            </a:r>
+          </a:p>
+          <a:p>
+            <a:pPr lvl="1"/>
+            <a:r>
+              <a:rPr lang="en-US" dirty="0" smtClean="0"/>
+              <a:t>Details can be found here:</a:t>
+            </a:r>
+          </a:p>
+          <a:p>
+            <a:pPr lvl="2"/>
+            <a:r>
+              <a:rPr lang="en-US" dirty="0">
+                <a:hlinkClick r:id="rId2"/>
+              </a:rPr>
+              <a:t>http://creativecommons.org/licenses/by-nc-sa/3.0</a:t>
+            </a:r>
+            <a:r>
+              <a:rPr lang="en-US" dirty="0" smtClean="0">
+                <a:hlinkClick r:id="rId2"/>
+              </a:rPr>
+              <a:t>/</a:t>
+            </a:r>
+            <a:endParaRPr lang="en-US" dirty="0" smtClean="0"/>
+          </a:p>
+          <a:p>
+            <a:r>
+              <a:rPr lang="en-US" dirty="0" smtClean="0"/>
+              <a:t>The background image is sourced from quality3dmodels.net under the same license terms.</a:t>
+            </a:r>
+            <a:endParaRPr lang="en-CA" dirty="0"/>
+          </a:p>
+        </p:txBody>
+      </p:sp>
+      <p:sp>
+        <p:nvSpPr>
+          <p:cNvPr id="4" name="Slide Number Placeholder 3"/>
+          <p:cNvSpPr>
+            <a:spLocks noGrp="1"/>
+          </p:cNvSpPr>
+          <p:nvPr>
+            <p:ph type="sldNum" sz="quarter" idx="12"/>
+          </p:nvPr>
+        </p:nvSpPr>
+        <p:spPr/>
+        <p:txBody>
+          <a:bodyPr/>
+          <a:lstStyle/>
+          <a:p>
+            <a:fld id="{990B41CA-569D-40E7-8E58-026C0338B2C8}" type="slidenum">
+              <a:rPr lang="en-US" smtClean="0"/>
+              <a:pPr/>
+              <a:t>84</a:t>
+            </a:fld>
+            <a:endParaRPr lang="en-US"/>
+          </a:p>
+        </p:txBody>
+      </p:sp>
+      <p:sp>
+        <p:nvSpPr>
+          <p:cNvPr id="5" name="Footer Placeholder 4"/>
+          <p:cNvSpPr>
+            <a:spLocks noGrp="1"/>
+          </p:cNvSpPr>
+          <p:nvPr>
+            <p:ph type="ftr" sz="quarter" idx="11"/>
+          </p:nvPr>
+        </p:nvSpPr>
+        <p:spPr/>
+        <p:txBody>
+          <a:bodyPr/>
+          <a:lstStyle/>
+          <a:p>
+            <a:r>
+              <a:rPr lang="en-US" smtClean="0"/>
+              <a:t>(c) 2012 HL7 International</a:t>
+            </a:r>
+            <a:endParaRPr lang="en-US" dirty="0"/>
+          </a:p>
+        </p:txBody>
+      </p:sp>
+      <p:sp>
+        <p:nvSpPr>
+          <p:cNvPr id="6" name="Date Placeholder 5"/>
+          <p:cNvSpPr>
+            <a:spLocks noGrp="1"/>
+          </p:cNvSpPr>
+          <p:nvPr>
+            <p:ph type="dt" sz="half" idx="10"/>
+          </p:nvPr>
+        </p:nvSpPr>
+        <p:spPr/>
+        <p:txBody>
+          <a:bodyPr/>
+          <a:lstStyle/>
+          <a:p>
+            <a:fld id="{3E35911F-C29B-46BC-A997-389E14454876}" type="datetime1">
+              <a:rPr lang="en-US" smtClean="0"/>
+              <a:t>5/22/2012</a:t>
+            </a:fld>
+            <a:endParaRPr lang="en-US"/>
+          </a:p>
+        </p:txBody>
+      </p:sp>
+    </p:spTree>
+    <p:extLst>
+      <p:ext uri="{BB962C8B-B14F-4D97-AF65-F5344CB8AC3E}">
+        <p14:creationId xmlns:p14="http://schemas.microsoft.com/office/powerpoint/2010/main" val="3669019084"/>
       </p:ext>
     </p:extLst>
   </p:cSld>
@@ -15882,6 +21515,76 @@
               <a:rPr lang="en-US" baseline="0" dirty="0" smtClean="0"/>
               <a:t>In addition to changes between jurisdictions, wire format can change between versions</a:t>
             </a:r>
+          </a:p>
+        </p:txBody>
+      </p:sp>
+      <p:sp>
+        <p:nvSpPr>
+          <p:cNvPr id="4" name="Slide Number Placeholder 3"/>
+          <p:cNvSpPr>
+            <a:spLocks noGrp="1"/>
+          </p:cNvSpPr>
+          <p:nvPr>
+            <p:ph type="sldNum" sz="quarter" idx="12"/>
+          </p:nvPr>
+        </p:nvSpPr>
+        <p:spPr/>
+        <p:txBody>
+          <a:bodyPr/>
+          <a:lstStyle/>
+          <a:p>
+            <a:fld id="{990B41CA-569D-40E7-8E58-026C0338B2C8}" type="slidenum">
+              <a:rPr lang="en-US" smtClean="0"/>
+              <a:pPr/>
+              <a:t>9</a:t>
+            </a:fld>
+            <a:endParaRPr lang="en-US"/>
+          </a:p>
+        </p:txBody>
+      </p:sp>
+      <p:sp>
+        <p:nvSpPr>
+          <p:cNvPr id="5" name="Footer Placeholder 4"/>
+          <p:cNvSpPr>
+            <a:spLocks noGrp="1"/>
+          </p:cNvSpPr>
+          <p:nvPr>
+            <p:ph type="ftr" sz="quarter" idx="11"/>
+          </p:nvPr>
+        </p:nvSpPr>
+        <p:spPr/>
+        <p:txBody>
+          <a:bodyPr/>
+          <a:lstStyle/>
+          <a:p>
+            <a:r>
+              <a:rPr lang="en-US" smtClean="0"/>
+              <a:t>(c) 2012 HL7 International</a:t>
+            </a:r>
+            <a:endParaRPr lang="en-US" dirty="0"/>
+          </a:p>
+        </p:txBody>
+      </p:sp>
+      <p:sp>
+        <p:nvSpPr>
+          <p:cNvPr id="6" name="Date Placeholder 5"/>
+          <p:cNvSpPr>
+            <a:spLocks noGrp="1"/>
+          </p:cNvSpPr>
+          <p:nvPr>
+            <p:ph type="dt" sz="half" idx="10"/>
+          </p:nvPr>
+        </p:nvSpPr>
+        <p:spPr/>
+        <p:txBody>
+          <a:bodyPr/>
+          <a:lstStyle/>
+          <a:p>
+            <a:fld id="{4BA07D42-1F98-4FF2-AC7E-30159563EF45}" type="datetime1">
+              <a:rPr lang="en-US" smtClean="0"/>
+              <a:t>5/22/2012</a:t>
+            </a:fld>
+            <a:endParaRPr lang="en-US"/>
           </a:p>
         </p:txBody>
       </p:sp>
@@ -16504,6 +22207,291 @@
 </a:theme>
 </file>
 
+<file path=ppt/theme/theme3.xml><?xml version="1.0" encoding="utf-8"?>
+<a:theme xmlns:a="http://schemas.openxmlformats.org/drawingml/2006/main" name="Office Theme">
+  <a:themeElements>
+    <a:clrScheme name="Office">
+      <a:dk1>
+        <a:sysClr val="windowText" lastClr="000000"/>
+      </a:dk1>
+      <a:lt1>
+        <a:sysClr val="window" lastClr="FFFFFF"/>
+      </a:lt1>
+      <a:dk2>
+        <a:srgbClr val="1F497D"/>
+      </a:dk2>
+      <a:lt2>
+        <a:srgbClr val="EEECE1"/>
+      </a:lt2>
+      <a:accent1>
+        <a:srgbClr val="4F81BD"/>
+      </a:accent1>
+      <a:accent2>
+        <a:srgbClr val="C0504D"/>
+      </a:accent2>
+      <a:accent3>
+        <a:srgbClr val="9BBB59"/>
+      </a:accent3>
+      <a:accent4>
+        <a:srgbClr val="8064A2"/>
+      </a:accent4>
+      <a:accent5>
+        <a:srgbClr val="4BACC6"/>
+      </a:accent5>
+      <a:accent6>
+        <a:srgbClr val="F79646"/>
+      </a:accent6>
+      <a:hlink>
+        <a:srgbClr val="0000FF"/>
+      </a:hlink>
+      <a:folHlink>
+        <a:srgbClr val="800080"/>
+      </a:folHlink>
+    </a:clrScheme>
+    <a:fontScheme name="Office">
+      <a:majorFont>
+        <a:latin typeface="Calibri"/>
+        <a:ea typeface=""/>
+        <a:cs typeface=""/>
+        <a:font script="Jpan" typeface="ＭＳ Ｐゴシック"/>
+        <a:font script="Hang" typeface="맑은 고딕"/>
+        <a:font script="Hans" typeface="宋体"/>
+        <a:font script="Hant" typeface="新細明體"/>
+        <a:font script="Arab" typeface="Times New Roman"/>
+        <a:font script="Hebr" typeface="Times New Roman"/>
+        <a:font script="Thai" typeface="Angsana New"/>
+        <a:font script="Ethi" typeface="Nyala"/>
+        <a:font script="Beng" typeface="Vrinda"/>
+        <a:font script="Gujr" typeface="Shruti"/>
+        <a:font script="Khmr" typeface="MoolBoran"/>
+        <a:font script="Knda" typeface="Tunga"/>
+        <a:font script="Guru" typeface="Raavi"/>
+        <a:font script="Cans" typeface="Euphemia"/>
+        <a:font script="Cher" typeface="Plantagenet Cherokee"/>
+        <a:font script="Yiii" typeface="Microsoft Yi Baiti"/>
+        <a:font script="Tibt" typeface="Microsoft Himalaya"/>
+        <a:font script="Thaa" typeface="MV Boli"/>
+        <a:font script="Deva" typeface="Mangal"/>
+        <a:font script="Telu" typeface="Gautami"/>
+        <a:font script="Taml" typeface="Latha"/>
+        <a:font script="Syrc" typeface="Estrangelo Edessa"/>
+        <a:font script="Orya" typeface="Kalinga"/>
+        <a:font script="Mlym" typeface="Kartika"/>
+        <a:font script="Laoo" typeface="DokChampa"/>
+        <a:font script="Sinh" typeface="Iskoola Pota"/>
+        <a:font script="Mong" typeface="Mongolian Baiti"/>
+        <a:font script="Viet" typeface="Times New Roman"/>
+        <a:font script="Uigh" typeface="Microsoft Uighur"/>
+        <a:font script="Geor" typeface="Sylfaen"/>
+      </a:majorFont>
+      <a:minorFont>
+        <a:latin typeface="Calibri"/>
+        <a:ea typeface=""/>
+        <a:cs typeface=""/>
+        <a:font script="Jpan" typeface="ＭＳ Ｐゴシック"/>
+        <a:font script="Hang" typeface="맑은 고딕"/>
+        <a:font script="Hans" typeface="宋体"/>
+        <a:font script="Hant" typeface="新細明體"/>
+        <a:font script="Arab" typeface="Arial"/>
+        <a:font script="Hebr" typeface="Arial"/>
+        <a:font script="Thai" typeface="Cordia New"/>
+        <a:font script="Ethi" typeface="Nyala"/>
+        <a:font script="Beng" typeface="Vrinda"/>
+        <a:font script="Gujr" typeface="Shruti"/>
+        <a:font script="Khmr" typeface="DaunPenh"/>
+        <a:font script="Knda" typeface="Tunga"/>
+        <a:font script="Guru" typeface="Raavi"/>
+        <a:font script="Cans" typeface="Euphemia"/>
+        <a:font script="Cher" typeface="Plantagenet Cherokee"/>
+        <a:font script="Yiii" typeface="Microsoft Yi Baiti"/>
+        <a:font script="Tibt" typeface="Microsoft Himalaya"/>
+        <a:font script="Thaa" typeface="MV Boli"/>
+        <a:font script="Deva" typeface="Mangal"/>
+        <a:font script="Telu" typeface="Gautami"/>
+        <a:font script="Taml" typeface="Latha"/>
+        <a:font script="Syrc" typeface="Estrangelo Edessa"/>
+        <a:font script="Orya" typeface="Kalinga"/>
+        <a:font script="Mlym" typeface="Kartika"/>
+        <a:font script="Laoo" typeface="DokChampa"/>
+        <a:font script="Sinh" typeface="Iskoola Pota"/>
+        <a:font script="Mong" typeface="Mongolian Baiti"/>
+        <a:font script="Viet" typeface="Arial"/>
+        <a:font script="Uigh" typeface="Microsoft Uighur"/>
+        <a:font script="Geor" typeface="Sylfaen"/>
+      </a:minorFont>
+    </a:fontScheme>
+    <a:fmtScheme name="Office">
+      <a:fillStyleLst>
+        <a:solidFill>
+          <a:schemeClr val="phClr"/>
+        </a:solidFill>
+        <a:gradFill rotWithShape="1">
+          <a:gsLst>
+            <a:gs pos="0">
+              <a:schemeClr val="phClr">
+                <a:tint val="50000"/>
+                <a:satMod val="300000"/>
+              </a:schemeClr>
+            </a:gs>
+            <a:gs pos="35000">
+              <a:schemeClr val="phClr">
+                <a:tint val="37000"/>
+                <a:satMod val="300000"/>
+              </a:schemeClr>
+            </a:gs>
+            <a:gs pos="100000">
+              <a:schemeClr val="phClr">
+                <a:tint val="15000"/>
+                <a:satMod val="350000"/>
+              </a:schemeClr>
+            </a:gs>
+          </a:gsLst>
+          <a:lin ang="16200000" scaled="1"/>
+        </a:gradFill>
+        <a:gradFill rotWithShape="1">
+          <a:gsLst>
+            <a:gs pos="0">
+              <a:schemeClr val="phClr">
+                <a:shade val="51000"/>
+                <a:satMod val="130000"/>
+              </a:schemeClr>
+            </a:gs>
+            <a:gs pos="80000">
+              <a:schemeClr val="phClr">
+                <a:shade val="93000"/>
+                <a:satMod val="130000"/>
+              </a:schemeClr>
+            </a:gs>
+            <a:gs pos="100000">
+              <a:schemeClr val="phClr">
+                <a:shade val="94000"/>
+                <a:satMod val="135000"/>
+              </a:schemeClr>
+            </a:gs>
+          </a:gsLst>
+          <a:lin ang="16200000" scaled="0"/>
+        </a:gradFill>
+      </a:fillStyleLst>
+      <a:lnStyleLst>
+        <a:ln w="9525" cap="flat" cmpd="sng" algn="ctr">
+          <a:solidFill>
+            <a:schemeClr val="phClr">
+              <a:shade val="95000"/>
+              <a:satMod val="105000"/>
+            </a:schemeClr>
+          </a:solidFill>
+          <a:prstDash val="solid"/>
+        </a:ln>
+        <a:ln w="25400" cap="flat" cmpd="sng" algn="ctr">
+          <a:solidFill>
+            <a:schemeClr val="phClr"/>
+          </a:solidFill>
+          <a:prstDash val="solid"/>
+        </a:ln>
+        <a:ln w="38100" cap="flat" cmpd="sng" algn="ctr">
+          <a:solidFill>
+            <a:schemeClr val="phClr"/>
+          </a:solidFill>
+          <a:prstDash val="solid"/>
+        </a:ln>
+      </a:lnStyleLst>
+      <a:effectStyleLst>
+        <a:effectStyle>
+          <a:effectLst>
+            <a:outerShdw blurRad="40000" dist="20000" dir="5400000" rotWithShape="0">
+              <a:srgbClr val="000000">
+                <a:alpha val="38000"/>
+              </a:srgbClr>
+            </a:outerShdw>
+          </a:effectLst>
+        </a:effectStyle>
+        <a:effectStyle>
+          <a:effectLst>
+            <a:outerShdw blurRad="40000" dist="23000" dir="5400000" rotWithShape="0">
+              <a:srgbClr val="000000">
+                <a:alpha val="35000"/>
+              </a:srgbClr>
+            </a:outerShdw>
+          </a:effectLst>
+        </a:effectStyle>
+        <a:effectStyle>
+          <a:effectLst>
+            <a:outerShdw blurRad="40000" dist="23000" dir="5400000" rotWithShape="0">
+              <a:srgbClr val="000000">
+                <a:alpha val="35000"/>
+              </a:srgbClr>
+            </a:outerShdw>
+          </a:effectLst>
+          <a:scene3d>
+            <a:camera prst="orthographicFront">
+              <a:rot lat="0" lon="0" rev="0"/>
+            </a:camera>
+            <a:lightRig rig="threePt" dir="t">
+              <a:rot lat="0" lon="0" rev="1200000"/>
+            </a:lightRig>
+          </a:scene3d>
+          <a:sp3d>
+            <a:bevelT w="63500" h="25400"/>
+          </a:sp3d>
+        </a:effectStyle>
+      </a:effectStyleLst>
+      <a:bgFillStyleLst>
+        <a:solidFill>
+          <a:schemeClr val="phClr"/>
+        </a:solidFill>
+        <a:gradFill rotWithShape="1">
+          <a:gsLst>
+            <a:gs pos="0">
+              <a:schemeClr val="phClr">
+                <a:tint val="40000"/>
+                <a:satMod val="350000"/>
+              </a:schemeClr>
+            </a:gs>
+            <a:gs pos="40000">
+              <a:schemeClr val="phClr">
+                <a:tint val="45000"/>
+                <a:shade val="99000"/>
+                <a:satMod val="350000"/>
+              </a:schemeClr>
+            </a:gs>
+            <a:gs pos="100000">
+              <a:schemeClr val="phClr">
+                <a:shade val="20000"/>
+                <a:satMod val="255000"/>
+              </a:schemeClr>
+            </a:gs>
+          </a:gsLst>
+          <a:path path="circle">
+            <a:fillToRect l="50000" t="-80000" r="50000" b="180000"/>
+          </a:path>
+        </a:gradFill>
+        <a:gradFill rotWithShape="1">
+          <a:gsLst>
+            <a:gs pos="0">
+              <a:schemeClr val="phClr">
+                <a:tint val="80000"/>
+                <a:satMod val="300000"/>
+              </a:schemeClr>
+            </a:gs>
+            <a:gs pos="100000">
+              <a:schemeClr val="phClr">
+                <a:shade val="30000"/>
+                <a:satMod val="200000"/>
+              </a:schemeClr>
+            </a:gs>
+          </a:gsLst>
+          <a:path path="circle">
+            <a:fillToRect l="50000" t="50000" r="50000" b="50000"/>
+          </a:path>
+        </a:gradFill>
+      </a:bgFillStyleLst>
+    </a:fmtScheme>
+  </a:themeElements>
+  <a:objectDefaults/>
+  <a:extraClrSchemeLst/>
+</a:theme>
+</file>
+
 <file path=customXml/item1.xml><?xml version="1.0" encoding="utf-8"?>
 <?mso-contentType ?>
 <FormTemplates xmlns="http://schemas.microsoft.com/sharepoint/v3/contenttype/forms">

--- a/presentations/Introduction to FHIR.pptx
+++ b/presentations/Introduction to FHIR.pptx
@@ -1758,7 +1758,7 @@
       </p:pic>
       <p:pic>
         <p:nvPicPr>
-          <p:cNvPr id="13" name="Picture 12"/>
+          <p:cNvPr id="14" name="Picture 13"/>
           <p:cNvPicPr>
             <a:picLocks noChangeAspect="1"/>
           </p:cNvPicPr>
@@ -1778,8 +1778,8 @@
         </p:blipFill>
         <p:spPr>
           <a:xfrm>
-            <a:off x="3563888" y="6368756"/>
-            <a:ext cx="1117460" cy="393651"/>
+            <a:off x="7812360" y="6591625"/>
+            <a:ext cx="762000" cy="142875"/>
           </a:xfrm>
           <a:prstGeom prst="rect">
             <a:avLst/>
@@ -2271,7 +2271,7 @@
       </p:sp>
       <p:pic>
         <p:nvPicPr>
-          <p:cNvPr id="11" name="Picture 10"/>
+          <p:cNvPr id="15" name="Picture 14"/>
           <p:cNvPicPr>
             <a:picLocks noChangeAspect="1"/>
           </p:cNvPicPr>
@@ -2291,8 +2291,8 @@
         </p:blipFill>
         <p:spPr>
           <a:xfrm>
-            <a:off x="3635896" y="6372948"/>
-            <a:ext cx="1117460" cy="393651"/>
+            <a:off x="7812360" y="6591625"/>
+            <a:ext cx="762000" cy="142875"/>
           </a:xfrm>
           <a:prstGeom prst="rect">
             <a:avLst/>
@@ -2795,7 +2795,7 @@
       </p:sp>
       <p:pic>
         <p:nvPicPr>
-          <p:cNvPr id="10" name="Picture 9"/>
+          <p:cNvPr id="11" name="Picture 10"/>
           <p:cNvPicPr>
             <a:picLocks noChangeAspect="1"/>
           </p:cNvPicPr>
@@ -2815,8 +2815,8 @@
         </p:blipFill>
         <p:spPr>
           <a:xfrm>
-            <a:off x="3635896" y="6381327"/>
-            <a:ext cx="1117460" cy="393651"/>
+            <a:off x="7812360" y="6591625"/>
+            <a:ext cx="762000" cy="142875"/>
           </a:xfrm>
           <a:prstGeom prst="rect">
             <a:avLst/>
@@ -3309,7 +3309,7 @@
       </p:sp>
       <p:pic>
         <p:nvPicPr>
-          <p:cNvPr id="9" name="Picture 8"/>
+          <p:cNvPr id="10" name="Picture 9"/>
           <p:cNvPicPr>
             <a:picLocks noChangeAspect="1"/>
           </p:cNvPicPr>
@@ -3329,8 +3329,8 @@
         </p:blipFill>
         <p:spPr>
           <a:xfrm>
-            <a:off x="3635896" y="6398393"/>
-            <a:ext cx="1117460" cy="393651"/>
+            <a:off x="7812360" y="6591625"/>
+            <a:ext cx="762000" cy="142875"/>
           </a:xfrm>
           <a:prstGeom prst="rect">
             <a:avLst/>
@@ -3483,6 +3483,36 @@
           </a:p>
         </p:txBody>
       </p:sp>
+      <p:pic>
+        <p:nvPicPr>
+          <p:cNvPr id="8" name="Picture 7"/>
+          <p:cNvPicPr>
+            <a:picLocks noChangeAspect="1"/>
+          </p:cNvPicPr>
+          <p:nvPr userDrawn="1"/>
+        </p:nvPicPr>
+        <p:blipFill>
+          <a:blip r:embed="rId2">
+            <a:extLst>
+              <a:ext uri="{28A0092B-C50C-407E-A947-70E740481C1C}">
+                <a14:useLocalDpi xmlns:a14="http://schemas.microsoft.com/office/drawing/2010/main" val="0"/>
+              </a:ext>
+            </a:extLst>
+          </a:blip>
+          <a:stretch>
+            <a:fillRect/>
+          </a:stretch>
+        </p:blipFill>
+        <p:spPr>
+          <a:xfrm>
+            <a:off x="7812360" y="6591625"/>
+            <a:ext cx="762000" cy="142875"/>
+          </a:xfrm>
+          <a:prstGeom prst="rect">
+            <a:avLst/>
+          </a:prstGeom>
+        </p:spPr>
+      </p:pic>
     </p:spTree>
   </p:cSld>
   <p:clrMapOvr>
@@ -3732,6 +3762,36 @@
           </a:p>
         </p:txBody>
       </p:sp>
+      <p:pic>
+        <p:nvPicPr>
+          <p:cNvPr id="8" name="Picture 7"/>
+          <p:cNvPicPr>
+            <a:picLocks noChangeAspect="1"/>
+          </p:cNvPicPr>
+          <p:nvPr userDrawn="1"/>
+        </p:nvPicPr>
+        <p:blipFill>
+          <a:blip r:embed="rId3">
+            <a:extLst>
+              <a:ext uri="{28A0092B-C50C-407E-A947-70E740481C1C}">
+                <a14:useLocalDpi xmlns:a14="http://schemas.microsoft.com/office/drawing/2010/main" val="0"/>
+              </a:ext>
+            </a:extLst>
+          </a:blip>
+          <a:stretch>
+            <a:fillRect/>
+          </a:stretch>
+        </p:blipFill>
+        <p:spPr>
+          <a:xfrm>
+            <a:off x="7812360" y="6591625"/>
+            <a:ext cx="762000" cy="142875"/>
+          </a:xfrm>
+          <a:prstGeom prst="rect">
+            <a:avLst/>
+          </a:prstGeom>
+        </p:spPr>
+      </p:pic>
     </p:spTree>
   </p:cSld>
   <p:clrMapOvr>
@@ -4285,7 +4345,7 @@
       </p:sp>
       <p:pic>
         <p:nvPicPr>
-          <p:cNvPr id="11" name="Picture 10"/>
+          <p:cNvPr id="4" name="Picture 3"/>
           <p:cNvPicPr>
             <a:picLocks noChangeAspect="1"/>
           </p:cNvPicPr>
@@ -4305,8 +4365,8 @@
         </p:blipFill>
         <p:spPr>
           <a:xfrm>
-            <a:off x="3635896" y="6332070"/>
-            <a:ext cx="1117460" cy="393651"/>
+            <a:off x="7812360" y="6591625"/>
+            <a:ext cx="762000" cy="142875"/>
           </a:xfrm>
           <a:prstGeom prst="rect">
             <a:avLst/>
@@ -5012,6 +5072,13 @@
   <p:clrMapOvr>
     <a:masterClrMapping/>
   </p:clrMapOvr>
+  <p:timing>
+    <p:tnLst>
+      <p:par>
+        <p:cTn id="1" dur="indefinite" restart="never" nodeType="tmRoot"/>
+      </p:par>
+    </p:tnLst>
+  </p:timing>
 </p:sld>
 </file>
 
@@ -7064,6 +7131,13 @@
   <p:clrMapOvr>
     <a:masterClrMapping/>
   </p:clrMapOvr>
+  <p:timing>
+    <p:tnLst>
+      <p:par>
+        <p:cTn id="1" dur="indefinite" restart="never" nodeType="tmRoot"/>
+      </p:par>
+    </p:tnLst>
+  </p:timing>
 </p:sld>
 </file>
 
@@ -9784,6 +9858,13 @@
   <p:clrMapOvr>
     <a:masterClrMapping/>
   </p:clrMapOvr>
+  <p:timing>
+    <p:tnLst>
+      <p:par>
+        <p:cTn id="1" dur="indefinite" restart="never" nodeType="tmRoot"/>
+      </p:par>
+    </p:tnLst>
+  </p:timing>
 </p:sld>
 </file>
 
@@ -12159,6 +12240,13 @@
   <p:clrMapOvr>
     <a:masterClrMapping/>
   </p:clrMapOvr>
+  <p:timing>
+    <p:tnLst>
+      <p:par>
+        <p:cTn id="1" dur="indefinite" restart="never" nodeType="tmRoot"/>
+      </p:par>
+    </p:tnLst>
+  </p:timing>
 </p:sld>
 </file>
 
@@ -16526,6 +16614,13 @@
   <p:clrMapOvr>
     <a:masterClrMapping/>
   </p:clrMapOvr>
+  <p:timing>
+    <p:tnLst>
+      <p:par>
+        <p:cTn id="1" dur="indefinite" restart="never" nodeType="tmRoot"/>
+      </p:par>
+    </p:tnLst>
+  </p:timing>
 </p:sld>
 </file>
 
@@ -21253,7 +21348,29 @@
           <a:p>
             <a:r>
               <a:rPr lang="en-US" dirty="0" smtClean="0"/>
-              <a:t>This presentation is licensed under the Creative Commons Attribution Non-commercial Share Alike 3.0 license</a:t>
+              <a:t>This presentation is copyright to HL7 International</a:t>
+            </a:r>
+          </a:p>
+          <a:p>
+            <a:r>
+              <a:rPr lang="en-US" smtClean="0"/>
+              <a:t>It is licensed </a:t>
+            </a:r>
+            <a:r>
+              <a:rPr lang="en-US" dirty="0" smtClean="0"/>
+              <a:t>under the </a:t>
+            </a:r>
+            <a:r>
+              <a:rPr lang="en-US" dirty="0" smtClean="0">
+                <a:solidFill>
+                  <a:srgbClr val="0070C0"/>
+                </a:solidFill>
+              </a:rPr>
+              <a:t>Creative Commons Attribution Non-commercial Share Alike 3.0</a:t>
+            </a:r>
+            <a:r>
+              <a:rPr lang="en-US" dirty="0" smtClean="0"/>
+              <a:t> license</a:t>
             </a:r>
           </a:p>
           <a:p>
